--- a/Synhronous motor/TPEL-Journal/Experimental-Results/ExperimentalResult.pptx
+++ b/Synhronous motor/TPEL-Journal/Experimental-Results/ExperimentalResult.pptx
@@ -4,17 +4,28 @@
   <p:sldMasterIdLst>
     <p:sldMasterId id="2147483648" r:id="rId1"/>
   </p:sldMasterIdLst>
+  <p:notesMasterIdLst>
+    <p:notesMasterId r:id="rId20"/>
+  </p:notesMasterIdLst>
   <p:sldIdLst>
     <p:sldId id="263" r:id="rId2"/>
     <p:sldId id="264" r:id="rId3"/>
-    <p:sldId id="265" r:id="rId4"/>
-    <p:sldId id="259" r:id="rId5"/>
-    <p:sldId id="261" r:id="rId6"/>
-    <p:sldId id="262" r:id="rId7"/>
-    <p:sldId id="256" r:id="rId8"/>
-    <p:sldId id="257" r:id="rId9"/>
-    <p:sldId id="258" r:id="rId10"/>
-    <p:sldId id="260" r:id="rId11"/>
+    <p:sldId id="266" r:id="rId4"/>
+    <p:sldId id="267" r:id="rId5"/>
+    <p:sldId id="268" r:id="rId6"/>
+    <p:sldId id="269" r:id="rId7"/>
+    <p:sldId id="270" r:id="rId8"/>
+    <p:sldId id="271" r:id="rId9"/>
+    <p:sldId id="272" r:id="rId10"/>
+    <p:sldId id="273" r:id="rId11"/>
+    <p:sldId id="265" r:id="rId12"/>
+    <p:sldId id="259" r:id="rId13"/>
+    <p:sldId id="261" r:id="rId14"/>
+    <p:sldId id="262" r:id="rId15"/>
+    <p:sldId id="256" r:id="rId16"/>
+    <p:sldId id="257" r:id="rId17"/>
+    <p:sldId id="258" r:id="rId18"/>
+    <p:sldId id="260" r:id="rId19"/>
   </p:sldIdLst>
   <p:sldSz cx="12192000" cy="6858000"/>
   <p:notesSz cx="6858000" cy="9144000"/>
@@ -113,7 +124,526 @@
       </a:defRPr>
     </a:lvl9pPr>
   </p:defaultTextStyle>
+  <p:extLst>
+    <p:ext uri="{EFAFB233-063F-42B5-8137-9DF3F51BA10A}">
+      <p15:sldGuideLst xmlns:p15="http://schemas.microsoft.com/office/powerpoint/2012/main"/>
+    </p:ext>
+  </p:extLst>
 </p:presentation>
+</file>
+
+<file path=ppt/notesMasters/notesMaster1.xml><?xml version="1.0" encoding="utf-8"?>
+<p:notesMaster xmlns:a="http://schemas.openxmlformats.org/drawingml/2006/main" xmlns:r="http://schemas.openxmlformats.org/officeDocument/2006/relationships" xmlns:p="http://schemas.openxmlformats.org/presentationml/2006/main">
+  <p:cSld>
+    <p:bg>
+      <p:bgRef idx="1001">
+        <a:schemeClr val="bg1"/>
+      </p:bgRef>
+    </p:bg>
+    <p:spTree>
+      <p:nvGrpSpPr>
+        <p:cNvPr id="1" name=""/>
+        <p:cNvGrpSpPr/>
+        <p:nvPr/>
+      </p:nvGrpSpPr>
+      <p:grpSpPr>
+        <a:xfrm>
+          <a:off x="0" y="0"/>
+          <a:ext cx="0" cy="0"/>
+          <a:chOff x="0" y="0"/>
+          <a:chExt cx="0" cy="0"/>
+        </a:xfrm>
+      </p:grpSpPr>
+      <p:sp>
+        <p:nvSpPr>
+          <p:cNvPr id="2" name="Header Placeholder 1">
+            <a:extLst>
+              <a:ext uri="{FF2B5EF4-FFF2-40B4-BE49-F238E27FC236}">
+                <a16:creationId xmlns:a16="http://schemas.microsoft.com/office/drawing/2014/main" id="{AA7A54C4-D63C-4C5A-9DDA-AB61A6D1A9E0}"/>
+              </a:ext>
+            </a:extLst>
+          </p:cNvPr>
+          <p:cNvSpPr>
+            <a:spLocks noGrp="1"/>
+          </p:cNvSpPr>
+          <p:nvPr>
+            <p:ph type="hdr" sz="quarter"/>
+          </p:nvPr>
+        </p:nvSpPr>
+        <p:spPr>
+          <a:xfrm>
+            <a:off x="0" y="0"/>
+            <a:ext cx="2971800" cy="458788"/>
+          </a:xfrm>
+          <a:prstGeom prst="rect">
+            <a:avLst/>
+          </a:prstGeom>
+        </p:spPr>
+        <p:txBody>
+          <a:bodyPr vert="horz" lIns="91440" tIns="45720" rIns="91440" bIns="45720" rtlCol="0"/>
+          <a:lstStyle>
+            <a:lvl1pPr algn="l">
+              <a:defRPr sz="1200"/>
+            </a:lvl1pPr>
+          </a:lstStyle>
+          <a:p>
+            <a:endParaRPr lang="en-US"/>
+          </a:p>
+        </p:txBody>
+      </p:sp>
+      <p:sp>
+        <p:nvSpPr>
+          <p:cNvPr id="3" name="Date Placeholder 2">
+            <a:extLst>
+              <a:ext uri="{FF2B5EF4-FFF2-40B4-BE49-F238E27FC236}">
+                <a16:creationId xmlns:a16="http://schemas.microsoft.com/office/drawing/2014/main" id="{0473C01C-F952-4FFC-B2C3-12EB53014678}"/>
+              </a:ext>
+            </a:extLst>
+          </p:cNvPr>
+          <p:cNvSpPr>
+            <a:spLocks noGrp="1"/>
+          </p:cNvSpPr>
+          <p:nvPr>
+            <p:ph type="dt" idx="1"/>
+          </p:nvPr>
+        </p:nvSpPr>
+        <p:spPr>
+          <a:xfrm>
+            <a:off x="3884613" y="0"/>
+            <a:ext cx="2971800" cy="458788"/>
+          </a:xfrm>
+          <a:prstGeom prst="rect">
+            <a:avLst/>
+          </a:prstGeom>
+        </p:spPr>
+        <p:txBody>
+          <a:bodyPr vert="horz" lIns="91440" tIns="45720" rIns="91440" bIns="45720" rtlCol="0"/>
+          <a:lstStyle>
+            <a:lvl1pPr algn="r">
+              <a:defRPr sz="1200"/>
+            </a:lvl1pPr>
+          </a:lstStyle>
+          <a:p>
+            <a:fld id="{8F0FD3C4-A3A0-41D4-82F3-28DFF36B6930}" type="datetimeFigureOut">
+              <a:rPr lang="en-US" smtClean="0"/>
+              <a:t>10/12/2022</a:t>
+            </a:fld>
+            <a:endParaRPr lang="en-US"/>
+          </a:p>
+        </p:txBody>
+      </p:sp>
+      <p:sp>
+        <p:nvSpPr>
+          <p:cNvPr id="4" name="Slide Image Placeholder 3">
+            <a:extLst>
+              <a:ext uri="{FF2B5EF4-FFF2-40B4-BE49-F238E27FC236}">
+                <a16:creationId xmlns:a16="http://schemas.microsoft.com/office/drawing/2014/main" id="{A26D90FF-FFDE-4D61-8A90-2F68878F2518}"/>
+              </a:ext>
+            </a:extLst>
+          </p:cNvPr>
+          <p:cNvSpPr>
+            <a:spLocks noGrp="1" noRot="1" noChangeAspect="1"/>
+          </p:cNvSpPr>
+          <p:nvPr>
+            <p:ph type="sldImg" idx="2"/>
+          </p:nvPr>
+        </p:nvSpPr>
+        <p:spPr>
+          <a:xfrm>
+            <a:off x="685800" y="1143000"/>
+            <a:ext cx="5486400" cy="3086100"/>
+          </a:xfrm>
+          <a:prstGeom prst="rect">
+            <a:avLst/>
+          </a:prstGeom>
+          <a:noFill/>
+          <a:ln w="12700">
+            <a:solidFill>
+              <a:prstClr val="black"/>
+            </a:solidFill>
+          </a:ln>
+        </p:spPr>
+        <p:txBody>
+          <a:bodyPr vert="horz" lIns="91440" tIns="45720" rIns="91440" bIns="45720" rtlCol="0" anchor="ctr"/>
+          <a:lstStyle/>
+          <a:p>
+            <a:endParaRPr lang="en-US"/>
+          </a:p>
+        </p:txBody>
+      </p:sp>
+      <p:sp>
+        <p:nvSpPr>
+          <p:cNvPr id="5" name="Notes Placeholder 4">
+            <a:extLst>
+              <a:ext uri="{FF2B5EF4-FFF2-40B4-BE49-F238E27FC236}">
+                <a16:creationId xmlns:a16="http://schemas.microsoft.com/office/drawing/2014/main" id="{793910F2-4781-417B-8721-99370B30115B}"/>
+              </a:ext>
+            </a:extLst>
+          </p:cNvPr>
+          <p:cNvSpPr>
+            <a:spLocks noGrp="1"/>
+          </p:cNvSpPr>
+          <p:nvPr>
+            <p:ph type="body" sz="quarter" idx="3"/>
+          </p:nvPr>
+        </p:nvSpPr>
+        <p:spPr>
+          <a:xfrm>
+            <a:off x="685800" y="4400550"/>
+            <a:ext cx="5486400" cy="3600450"/>
+          </a:xfrm>
+          <a:prstGeom prst="rect">
+            <a:avLst/>
+          </a:prstGeom>
+        </p:spPr>
+        <p:txBody>
+          <a:bodyPr vert="horz" lIns="91440" tIns="45720" rIns="91440" bIns="45720" rtlCol="0"/>
+          <a:lstStyle/>
+          <a:p>
+            <a:pPr lvl="0"/>
+            <a:r>
+              <a:rPr lang="en-US"/>
+              <a:t>Edit Master text styles</a:t>
+            </a:r>
+          </a:p>
+          <a:p>
+            <a:pPr lvl="1"/>
+            <a:r>
+              <a:rPr lang="en-US"/>
+              <a:t>Second level</a:t>
+            </a:r>
+          </a:p>
+          <a:p>
+            <a:pPr lvl="2"/>
+            <a:r>
+              <a:rPr lang="en-US"/>
+              <a:t>Third level</a:t>
+            </a:r>
+          </a:p>
+          <a:p>
+            <a:pPr lvl="3"/>
+            <a:r>
+              <a:rPr lang="en-US"/>
+              <a:t>Fourth level</a:t>
+            </a:r>
+          </a:p>
+          <a:p>
+            <a:pPr lvl="4"/>
+            <a:r>
+              <a:rPr lang="en-US"/>
+              <a:t>Fifth level</a:t>
+            </a:r>
+          </a:p>
+        </p:txBody>
+      </p:sp>
+      <p:sp>
+        <p:nvSpPr>
+          <p:cNvPr id="6" name="Footer Placeholder 5">
+            <a:extLst>
+              <a:ext uri="{FF2B5EF4-FFF2-40B4-BE49-F238E27FC236}">
+                <a16:creationId xmlns:a16="http://schemas.microsoft.com/office/drawing/2014/main" id="{99339A0D-3F48-4AF9-B9E3-2CA8B2EE7D04}"/>
+              </a:ext>
+            </a:extLst>
+          </p:cNvPr>
+          <p:cNvSpPr>
+            <a:spLocks noGrp="1"/>
+          </p:cNvSpPr>
+          <p:nvPr>
+            <p:ph type="ftr" sz="quarter" idx="4"/>
+          </p:nvPr>
+        </p:nvSpPr>
+        <p:spPr>
+          <a:xfrm>
+            <a:off x="0" y="8685213"/>
+            <a:ext cx="2971800" cy="458787"/>
+          </a:xfrm>
+          <a:prstGeom prst="rect">
+            <a:avLst/>
+          </a:prstGeom>
+        </p:spPr>
+        <p:txBody>
+          <a:bodyPr vert="horz" lIns="91440" tIns="45720" rIns="91440" bIns="45720" rtlCol="0" anchor="b"/>
+          <a:lstStyle>
+            <a:lvl1pPr algn="l">
+              <a:defRPr sz="1200"/>
+            </a:lvl1pPr>
+          </a:lstStyle>
+          <a:p>
+            <a:endParaRPr lang="en-US"/>
+          </a:p>
+        </p:txBody>
+      </p:sp>
+      <p:sp>
+        <p:nvSpPr>
+          <p:cNvPr id="7" name="Slide Number Placeholder 6">
+            <a:extLst>
+              <a:ext uri="{FF2B5EF4-FFF2-40B4-BE49-F238E27FC236}">
+                <a16:creationId xmlns:a16="http://schemas.microsoft.com/office/drawing/2014/main" id="{3992E458-CE72-43AE-9989-B93FE36E85DD}"/>
+              </a:ext>
+            </a:extLst>
+          </p:cNvPr>
+          <p:cNvSpPr>
+            <a:spLocks noGrp="1"/>
+          </p:cNvSpPr>
+          <p:nvPr>
+            <p:ph type="sldNum" sz="quarter" idx="5"/>
+          </p:nvPr>
+        </p:nvSpPr>
+        <p:spPr>
+          <a:xfrm>
+            <a:off x="3884613" y="8685213"/>
+            <a:ext cx="2971800" cy="458787"/>
+          </a:xfrm>
+          <a:prstGeom prst="rect">
+            <a:avLst/>
+          </a:prstGeom>
+        </p:spPr>
+        <p:txBody>
+          <a:bodyPr vert="horz" lIns="91440" tIns="45720" rIns="91440" bIns="45720" rtlCol="0" anchor="b"/>
+          <a:lstStyle>
+            <a:lvl1pPr algn="r">
+              <a:defRPr sz="1200"/>
+            </a:lvl1pPr>
+          </a:lstStyle>
+          <a:p>
+            <a:fld id="{4402921A-8381-412A-B5D8-0CAE98B2D441}" type="slidenum">
+              <a:rPr lang="en-US" smtClean="0"/>
+              <a:t>‹#›</a:t>
+            </a:fld>
+            <a:endParaRPr lang="en-US"/>
+          </a:p>
+        </p:txBody>
+      </p:sp>
+    </p:spTree>
+  </p:cSld>
+  <p:clrMap bg1="lt1" tx1="dk1" bg2="lt2" tx2="dk2" accent1="accent1" accent2="accent2" accent3="accent3" accent4="accent4" accent5="accent5" accent6="accent6" hlink="hlink" folHlink="folHlink"/>
+  <p:notesStyle>
+    <a:lvl1pPr marL="0" algn="l" defTabSz="914400" rtl="0" eaLnBrk="1" latinLnBrk="0" hangingPunct="1">
+      <a:defRPr sz="1200" kern="1200">
+        <a:solidFill>
+          <a:schemeClr val="tx1"/>
+        </a:solidFill>
+        <a:latin typeface="+mn-lt"/>
+        <a:ea typeface="+mn-ea"/>
+        <a:cs typeface="+mn-cs"/>
+      </a:defRPr>
+    </a:lvl1pPr>
+    <a:lvl2pPr marL="457200" algn="l" defTabSz="914400" rtl="0" eaLnBrk="1" latinLnBrk="0" hangingPunct="1">
+      <a:defRPr sz="1200" kern="1200">
+        <a:solidFill>
+          <a:schemeClr val="tx1"/>
+        </a:solidFill>
+        <a:latin typeface="+mn-lt"/>
+        <a:ea typeface="+mn-ea"/>
+        <a:cs typeface="+mn-cs"/>
+      </a:defRPr>
+    </a:lvl2pPr>
+    <a:lvl3pPr marL="914400" algn="l" defTabSz="914400" rtl="0" eaLnBrk="1" latinLnBrk="0" hangingPunct="1">
+      <a:defRPr sz="1200" kern="1200">
+        <a:solidFill>
+          <a:schemeClr val="tx1"/>
+        </a:solidFill>
+        <a:latin typeface="+mn-lt"/>
+        <a:ea typeface="+mn-ea"/>
+        <a:cs typeface="+mn-cs"/>
+      </a:defRPr>
+    </a:lvl3pPr>
+    <a:lvl4pPr marL="1371600" algn="l" defTabSz="914400" rtl="0" eaLnBrk="1" latinLnBrk="0" hangingPunct="1">
+      <a:defRPr sz="1200" kern="1200">
+        <a:solidFill>
+          <a:schemeClr val="tx1"/>
+        </a:solidFill>
+        <a:latin typeface="+mn-lt"/>
+        <a:ea typeface="+mn-ea"/>
+        <a:cs typeface="+mn-cs"/>
+      </a:defRPr>
+    </a:lvl4pPr>
+    <a:lvl5pPr marL="1828800" algn="l" defTabSz="914400" rtl="0" eaLnBrk="1" latinLnBrk="0" hangingPunct="1">
+      <a:defRPr sz="1200" kern="1200">
+        <a:solidFill>
+          <a:schemeClr val="tx1"/>
+        </a:solidFill>
+        <a:latin typeface="+mn-lt"/>
+        <a:ea typeface="+mn-ea"/>
+        <a:cs typeface="+mn-cs"/>
+      </a:defRPr>
+    </a:lvl5pPr>
+    <a:lvl6pPr marL="2286000" algn="l" defTabSz="914400" rtl="0" eaLnBrk="1" latinLnBrk="0" hangingPunct="1">
+      <a:defRPr sz="1200" kern="1200">
+        <a:solidFill>
+          <a:schemeClr val="tx1"/>
+        </a:solidFill>
+        <a:latin typeface="+mn-lt"/>
+        <a:ea typeface="+mn-ea"/>
+        <a:cs typeface="+mn-cs"/>
+      </a:defRPr>
+    </a:lvl6pPr>
+    <a:lvl7pPr marL="2743200" algn="l" defTabSz="914400" rtl="0" eaLnBrk="1" latinLnBrk="0" hangingPunct="1">
+      <a:defRPr sz="1200" kern="1200">
+        <a:solidFill>
+          <a:schemeClr val="tx1"/>
+        </a:solidFill>
+        <a:latin typeface="+mn-lt"/>
+        <a:ea typeface="+mn-ea"/>
+        <a:cs typeface="+mn-cs"/>
+      </a:defRPr>
+    </a:lvl7pPr>
+    <a:lvl8pPr marL="3200400" algn="l" defTabSz="914400" rtl="0" eaLnBrk="1" latinLnBrk="0" hangingPunct="1">
+      <a:defRPr sz="1200" kern="1200">
+        <a:solidFill>
+          <a:schemeClr val="tx1"/>
+        </a:solidFill>
+        <a:latin typeface="+mn-lt"/>
+        <a:ea typeface="+mn-ea"/>
+        <a:cs typeface="+mn-cs"/>
+      </a:defRPr>
+    </a:lvl8pPr>
+    <a:lvl9pPr marL="3657600" algn="l" defTabSz="914400" rtl="0" eaLnBrk="1" latinLnBrk="0" hangingPunct="1">
+      <a:defRPr sz="1200" kern="1200">
+        <a:solidFill>
+          <a:schemeClr val="tx1"/>
+        </a:solidFill>
+        <a:latin typeface="+mn-lt"/>
+        <a:ea typeface="+mn-ea"/>
+        <a:cs typeface="+mn-cs"/>
+      </a:defRPr>
+    </a:lvl9pPr>
+  </p:notesStyle>
+</p:notesMaster>
+</file>
+
+<file path=ppt/notesSlides/notesSlide1.xml><?xml version="1.0" encoding="utf-8"?>
+<p:notes xmlns:a="http://schemas.openxmlformats.org/drawingml/2006/main" xmlns:r="http://schemas.openxmlformats.org/officeDocument/2006/relationships" xmlns:p="http://schemas.openxmlformats.org/presentationml/2006/main">
+  <p:cSld>
+    <p:spTree>
+      <p:nvGrpSpPr>
+        <p:cNvPr id="1" name=""/>
+        <p:cNvGrpSpPr/>
+        <p:nvPr/>
+      </p:nvGrpSpPr>
+      <p:grpSpPr>
+        <a:xfrm>
+          <a:off x="0" y="0"/>
+          <a:ext cx="0" cy="0"/>
+          <a:chOff x="0" y="0"/>
+          <a:chExt cx="0" cy="0"/>
+        </a:xfrm>
+      </p:grpSpPr>
+      <p:sp>
+        <p:nvSpPr>
+          <p:cNvPr id="2" name="Slide Image Placeholder 1"/>
+          <p:cNvSpPr>
+            <a:spLocks noGrp="1" noRot="1" noChangeAspect="1"/>
+          </p:cNvSpPr>
+          <p:nvPr>
+            <p:ph type="sldImg"/>
+          </p:nvPr>
+        </p:nvSpPr>
+        <p:spPr/>
+      </p:sp>
+      <p:sp>
+        <p:nvSpPr>
+          <p:cNvPr id="3" name="Notes Placeholder 2"/>
+          <p:cNvSpPr>
+            <a:spLocks noGrp="1"/>
+          </p:cNvSpPr>
+          <p:nvPr>
+            <p:ph type="body" idx="1"/>
+          </p:nvPr>
+        </p:nvSpPr>
+        <p:spPr/>
+        <p:txBody>
+          <a:bodyPr/>
+          <a:lstStyle/>
+          <a:p>
+            <a:endParaRPr lang="en-US" dirty="0"/>
+          </a:p>
+        </p:txBody>
+      </p:sp>
+      <p:sp>
+        <p:nvSpPr>
+          <p:cNvPr id="4" name="Slide Number Placeholder 3"/>
+          <p:cNvSpPr>
+            <a:spLocks noGrp="1"/>
+          </p:cNvSpPr>
+          <p:nvPr>
+            <p:ph type="sldNum" sz="quarter" idx="5"/>
+          </p:nvPr>
+        </p:nvSpPr>
+        <p:spPr/>
+        <p:txBody>
+          <a:bodyPr/>
+          <a:lstStyle/>
+          <a:p>
+            <a:fld id="{BE1EAE45-67D9-4705-9EA4-0C20E99A3180}" type="slidenum">
+              <a:rPr lang="en-US" smtClean="0"/>
+              <a:t>8</a:t>
+            </a:fld>
+            <a:endParaRPr lang="en-US"/>
+          </a:p>
+        </p:txBody>
+      </p:sp>
+    </p:spTree>
+    <p:extLst>
+      <p:ext uri="{BB962C8B-B14F-4D97-AF65-F5344CB8AC3E}">
+        <p14:creationId xmlns:p14="http://schemas.microsoft.com/office/powerpoint/2010/main" val="3396864979"/>
+      </p:ext>
+    </p:extLst>
+  </p:cSld>
+  <p:clrMapOvr>
+    <a:masterClrMapping/>
+  </p:clrMapOvr>
+</p:notes>
+</file>
+
+<file path=ppt/notesSlides/notesSlide2.xml><?xml version="1.0" encoding="utf-8"?>
+<p:notes xmlns:a="http://schemas.openxmlformats.org/drawingml/2006/main" xmlns:r="http://schemas.openxmlformats.org/officeDocument/2006/relationships" xmlns:p="http://schemas.openxmlformats.org/presentationml/2006/main">
+  <p:cSld>
+    <p:spTree>
+      <p:nvGrpSpPr>
+        <p:cNvPr id="1" name=""/>
+        <p:cNvGrpSpPr/>
+        <p:nvPr/>
+      </p:nvGrpSpPr>
+      <p:grpSpPr>
+        <a:xfrm>
+          <a:off x="0" y="0"/>
+          <a:ext cx="0" cy="0"/>
+          <a:chOff x="0" y="0"/>
+          <a:chExt cx="0" cy="0"/>
+        </a:xfrm>
+      </p:grpSpPr>
+    </p:spTree>
+  </p:cSld>
+  <p:clrMapOvr>
+    <a:masterClrMapping/>
+  </p:clrMapOvr>
+</p:notes>
+</file>
+
+<file path=ppt/notesSlides/notesSlide3.xml><?xml version="1.0" encoding="utf-8"?>
+<p:notes xmlns:a="http://schemas.openxmlformats.org/drawingml/2006/main" xmlns:r="http://schemas.openxmlformats.org/officeDocument/2006/relationships" xmlns:p="http://schemas.openxmlformats.org/presentationml/2006/main">
+  <p:cSld>
+    <p:spTree>
+      <p:nvGrpSpPr>
+        <p:cNvPr id="1" name=""/>
+        <p:cNvGrpSpPr/>
+        <p:nvPr/>
+      </p:nvGrpSpPr>
+      <p:grpSpPr>
+        <a:xfrm>
+          <a:off x="0" y="0"/>
+          <a:ext cx="0" cy="0"/>
+          <a:chOff x="0" y="0"/>
+          <a:chExt cx="0" cy="0"/>
+        </a:xfrm>
+      </p:grpSpPr>
+    </p:spTree>
+  </p:cSld>
+  <p:clrMapOvr>
+    <a:masterClrMapping/>
+  </p:clrMapOvr>
+</p:notes>
 </file>
 
 <file path=ppt/slideLayouts/slideLayout1.xml><?xml version="1.0" encoding="utf-8"?>
@@ -263,7 +793,7 @@
           <a:p>
             <a:fld id="{686FADC0-CCD4-4935-A82A-B16A3860BEEE}" type="datetimeFigureOut">
               <a:rPr lang="en-US" smtClean="0"/>
-              <a:t>9/27/2022</a:t>
+              <a:t>10/12/2022</a:t>
             </a:fld>
             <a:endParaRPr lang="en-US"/>
           </a:p>
@@ -461,7 +991,7 @@
           <a:p>
             <a:fld id="{686FADC0-CCD4-4935-A82A-B16A3860BEEE}" type="datetimeFigureOut">
               <a:rPr lang="en-US" smtClean="0"/>
-              <a:t>9/27/2022</a:t>
+              <a:t>10/12/2022</a:t>
             </a:fld>
             <a:endParaRPr lang="en-US"/>
           </a:p>
@@ -669,7 +1199,7 @@
           <a:p>
             <a:fld id="{686FADC0-CCD4-4935-A82A-B16A3860BEEE}" type="datetimeFigureOut">
               <a:rPr lang="en-US" smtClean="0"/>
-              <a:t>9/27/2022</a:t>
+              <a:t>10/12/2022</a:t>
             </a:fld>
             <a:endParaRPr lang="en-US"/>
           </a:p>
@@ -867,7 +1397,7 @@
           <a:p>
             <a:fld id="{686FADC0-CCD4-4935-A82A-B16A3860BEEE}" type="datetimeFigureOut">
               <a:rPr lang="en-US" smtClean="0"/>
-              <a:t>9/27/2022</a:t>
+              <a:t>10/12/2022</a:t>
             </a:fld>
             <a:endParaRPr lang="en-US"/>
           </a:p>
@@ -1142,7 +1672,7 @@
           <a:p>
             <a:fld id="{686FADC0-CCD4-4935-A82A-B16A3860BEEE}" type="datetimeFigureOut">
               <a:rPr lang="en-US" smtClean="0"/>
-              <a:t>9/27/2022</a:t>
+              <a:t>10/12/2022</a:t>
             </a:fld>
             <a:endParaRPr lang="en-US"/>
           </a:p>
@@ -1407,7 +1937,7 @@
           <a:p>
             <a:fld id="{686FADC0-CCD4-4935-A82A-B16A3860BEEE}" type="datetimeFigureOut">
               <a:rPr lang="en-US" smtClean="0"/>
-              <a:t>9/27/2022</a:t>
+              <a:t>10/12/2022</a:t>
             </a:fld>
             <a:endParaRPr lang="en-US"/>
           </a:p>
@@ -1819,7 +2349,7 @@
           <a:p>
             <a:fld id="{686FADC0-CCD4-4935-A82A-B16A3860BEEE}" type="datetimeFigureOut">
               <a:rPr lang="en-US" smtClean="0"/>
-              <a:t>9/27/2022</a:t>
+              <a:t>10/12/2022</a:t>
             </a:fld>
             <a:endParaRPr lang="en-US"/>
           </a:p>
@@ -1960,7 +2490,7 @@
           <a:p>
             <a:fld id="{686FADC0-CCD4-4935-A82A-B16A3860BEEE}" type="datetimeFigureOut">
               <a:rPr lang="en-US" smtClean="0"/>
-              <a:t>9/27/2022</a:t>
+              <a:t>10/12/2022</a:t>
             </a:fld>
             <a:endParaRPr lang="en-US"/>
           </a:p>
@@ -2073,7 +2603,7 @@
           <a:p>
             <a:fld id="{686FADC0-CCD4-4935-A82A-B16A3860BEEE}" type="datetimeFigureOut">
               <a:rPr lang="en-US" smtClean="0"/>
-              <a:t>9/27/2022</a:t>
+              <a:t>10/12/2022</a:t>
             </a:fld>
             <a:endParaRPr lang="en-US"/>
           </a:p>
@@ -2384,7 +2914,7 @@
           <a:p>
             <a:fld id="{686FADC0-CCD4-4935-A82A-B16A3860BEEE}" type="datetimeFigureOut">
               <a:rPr lang="en-US" smtClean="0"/>
-              <a:t>9/27/2022</a:t>
+              <a:t>10/12/2022</a:t>
             </a:fld>
             <a:endParaRPr lang="en-US"/>
           </a:p>
@@ -2672,7 +3202,7 @@
           <a:p>
             <a:fld id="{686FADC0-CCD4-4935-A82A-B16A3860BEEE}" type="datetimeFigureOut">
               <a:rPr lang="en-US" smtClean="0"/>
-              <a:t>9/27/2022</a:t>
+              <a:t>10/12/2022</a:t>
             </a:fld>
             <a:endParaRPr lang="en-US"/>
           </a:p>
@@ -2913,7 +3443,7 @@
           <a:p>
             <a:fld id="{686FADC0-CCD4-4935-A82A-B16A3860BEEE}" type="datetimeFigureOut">
               <a:rPr lang="en-US" smtClean="0"/>
-              <a:t>9/27/2022</a:t>
+              <a:t>10/12/2022</a:t>
             </a:fld>
             <a:endParaRPr lang="en-US"/>
           </a:p>
@@ -3634,8 +4164,8 @@
           </a:p>
         </p:txBody>
       </p:sp>
-      <mc:AlternateContent xmlns:mc="http://schemas.openxmlformats.org/markup-compatibility/2006">
-        <mc:Choice xmlns:a14="http://schemas.microsoft.com/office/drawing/2010/main" Requires="a14">
+      <mc:AlternateContent xmlns:mc="http://schemas.openxmlformats.org/markup-compatibility/2006" xmlns:a14="http://schemas.microsoft.com/office/drawing/2010/main">
+        <mc:Choice Requires="a14">
           <p:sp>
             <p:nvSpPr>
               <p:cNvPr id="30" name="TextBox 29">
@@ -3664,6 +4194,7 @@
               </a:bodyPr>
               <a:lstStyle/>
               <a:p>
+                <a:pPr/>
                 <a14:m>
                   <m:oMathPara xmlns:m="http://schemas.openxmlformats.org/officeDocument/2006/math">
                     <m:oMathParaPr>
@@ -3840,7 +4371,7 @@
             </p:txBody>
           </p:sp>
         </mc:Choice>
-        <mc:Fallback>
+        <mc:Fallback xmlns="">
           <p:sp>
             <p:nvSpPr>
               <p:cNvPr id="30" name="TextBox 29">
@@ -3885,8 +4416,8 @@
           </p:sp>
         </mc:Fallback>
       </mc:AlternateContent>
-      <mc:AlternateContent xmlns:mc="http://schemas.openxmlformats.org/markup-compatibility/2006">
-        <mc:Choice xmlns:a14="http://schemas.microsoft.com/office/drawing/2010/main" Requires="a14">
+      <mc:AlternateContent xmlns:mc="http://schemas.openxmlformats.org/markup-compatibility/2006" xmlns:a14="http://schemas.microsoft.com/office/drawing/2010/main">
+        <mc:Choice Requires="a14">
           <p:sp>
             <p:nvSpPr>
               <p:cNvPr id="31" name="TextBox 30">
@@ -3915,6 +4446,7 @@
               </a:bodyPr>
               <a:lstStyle/>
               <a:p>
+                <a:pPr/>
                 <a14:m>
                   <m:oMathPara xmlns:m="http://schemas.openxmlformats.org/officeDocument/2006/math">
                     <m:oMathParaPr>
@@ -4091,7 +4623,7 @@
             </p:txBody>
           </p:sp>
         </mc:Choice>
-        <mc:Fallback>
+        <mc:Fallback xmlns="">
           <p:sp>
             <p:nvSpPr>
               <p:cNvPr id="31" name="TextBox 30">
@@ -4136,8 +4668,8 @@
           </p:sp>
         </mc:Fallback>
       </mc:AlternateContent>
-      <mc:AlternateContent xmlns:mc="http://schemas.openxmlformats.org/markup-compatibility/2006">
-        <mc:Choice xmlns:a14="http://schemas.microsoft.com/office/drawing/2010/main" Requires="a14">
+      <mc:AlternateContent xmlns:mc="http://schemas.openxmlformats.org/markup-compatibility/2006" xmlns:a14="http://schemas.microsoft.com/office/drawing/2010/main">
+        <mc:Choice Requires="a14">
           <p:sp>
             <p:nvSpPr>
               <p:cNvPr id="32" name="TextBox 31">
@@ -4166,6 +4698,7 @@
               </a:bodyPr>
               <a:lstStyle/>
               <a:p>
+                <a:pPr/>
                 <a14:m>
                   <m:oMathPara xmlns:m="http://schemas.openxmlformats.org/officeDocument/2006/math">
                     <m:oMathParaPr>
@@ -4342,7 +4875,7 @@
             </p:txBody>
           </p:sp>
         </mc:Choice>
-        <mc:Fallback>
+        <mc:Fallback xmlns="">
           <p:sp>
             <p:nvSpPr>
               <p:cNvPr id="32" name="TextBox 31">
@@ -4387,8 +4920,8 @@
           </p:sp>
         </mc:Fallback>
       </mc:AlternateContent>
-      <mc:AlternateContent xmlns:mc="http://schemas.openxmlformats.org/markup-compatibility/2006">
-        <mc:Choice xmlns:a14="http://schemas.microsoft.com/office/drawing/2010/main" Requires="a14">
+      <mc:AlternateContent xmlns:mc="http://schemas.openxmlformats.org/markup-compatibility/2006" xmlns:a14="http://schemas.microsoft.com/office/drawing/2010/main">
+        <mc:Choice Requires="a14">
           <p:sp>
             <p:nvSpPr>
               <p:cNvPr id="33" name="TextBox 32">
@@ -4417,6 +4950,7 @@
               </a:bodyPr>
               <a:lstStyle/>
               <a:p>
+                <a:pPr/>
                 <a14:m>
                   <m:oMathPara xmlns:m="http://schemas.openxmlformats.org/officeDocument/2006/math">
                     <m:oMathParaPr>
@@ -4593,7 +5127,7 @@
             </p:txBody>
           </p:sp>
         </mc:Choice>
-        <mc:Fallback>
+        <mc:Fallback xmlns="">
           <p:sp>
             <p:nvSpPr>
               <p:cNvPr id="33" name="TextBox 32">
@@ -5038,10 +5572,10 @@
       </p:grpSpPr>
       <p:pic>
         <p:nvPicPr>
-          <p:cNvPr id="4" name="Picture 3">
-            <a:extLst>
-              <a:ext uri="{FF2B5EF4-FFF2-40B4-BE49-F238E27FC236}">
-                <a16:creationId xmlns:a16="http://schemas.microsoft.com/office/drawing/2014/main" id="{F25836A5-A37A-406E-9D7E-0DF7BF446D29}"/>
+          <p:cNvPr id="3" name="Picture 2">
+            <a:extLst>
+              <a:ext uri="{FF2B5EF4-FFF2-40B4-BE49-F238E27FC236}">
+                <a16:creationId xmlns:a16="http://schemas.microsoft.com/office/drawing/2014/main" id="{4BC6EB60-15DA-4E0C-86B1-71954CA2EB36}"/>
               </a:ext>
             </a:extLst>
           </p:cNvPr>
@@ -5051,377 +5585,32 @@
           <p:nvPr/>
         </p:nvPicPr>
         <p:blipFill rotWithShape="1">
-          <a:blip r:embed="rId2">
+          <a:blip r:embed="rId3">
             <a:extLst>
               <a:ext uri="{28A0092B-C50C-407E-A947-70E740481C1C}">
                 <a14:useLocalDpi xmlns:a14="http://schemas.microsoft.com/office/drawing/2010/main" val="0"/>
               </a:ext>
             </a:extLst>
           </a:blip>
-          <a:srcRect t="85505" r="86768"/>
+          <a:srcRect b="30058"/>
           <a:stretch/>
         </p:blipFill>
         <p:spPr>
           <a:xfrm>
-            <a:off x="494163" y="4931546"/>
-            <a:ext cx="1512192" cy="691640"/>
+            <a:off x="1200908" y="501336"/>
+            <a:ext cx="4585547" cy="2927664"/>
           </a:xfrm>
           <a:prstGeom prst="rect">
             <a:avLst/>
           </a:prstGeom>
         </p:spPr>
       </p:pic>
-      <p:pic>
-        <p:nvPicPr>
-          <p:cNvPr id="5" name="Picture 4">
-            <a:extLst>
-              <a:ext uri="{FF2B5EF4-FFF2-40B4-BE49-F238E27FC236}">
-                <a16:creationId xmlns:a16="http://schemas.microsoft.com/office/drawing/2014/main" id="{B48D0B79-CE02-4505-B9BE-736F8D576E9B}"/>
-              </a:ext>
-            </a:extLst>
-          </p:cNvPr>
-          <p:cNvPicPr>
-            <a:picLocks noChangeAspect="1"/>
-          </p:cNvPicPr>
-          <p:nvPr/>
-        </p:nvPicPr>
-        <p:blipFill rotWithShape="1">
-          <a:blip r:embed="rId2">
-            <a:extLst>
-              <a:ext uri="{28A0092B-C50C-407E-A947-70E740481C1C}">
-                <a14:useLocalDpi xmlns:a14="http://schemas.microsoft.com/office/drawing/2010/main" val="0"/>
-              </a:ext>
-            </a:extLst>
-          </a:blip>
-          <a:srcRect l="72579" t="85505"/>
-          <a:stretch/>
-        </p:blipFill>
-        <p:spPr>
-          <a:xfrm>
-            <a:off x="2547891" y="4931546"/>
-            <a:ext cx="3133840" cy="691640"/>
-          </a:xfrm>
-          <a:prstGeom prst="rect">
-            <a:avLst/>
-          </a:prstGeom>
-        </p:spPr>
-      </p:pic>
-      <p:pic>
-        <p:nvPicPr>
-          <p:cNvPr id="6" name="Picture 5">
-            <a:extLst>
-              <a:ext uri="{FF2B5EF4-FFF2-40B4-BE49-F238E27FC236}">
-                <a16:creationId xmlns:a16="http://schemas.microsoft.com/office/drawing/2014/main" id="{C2DF5DDC-095F-46A7-97D6-4C7C04742174}"/>
-              </a:ext>
-            </a:extLst>
-          </p:cNvPr>
-          <p:cNvPicPr>
-            <a:picLocks noChangeAspect="1"/>
-          </p:cNvPicPr>
-          <p:nvPr/>
-        </p:nvPicPr>
-        <p:blipFill rotWithShape="1">
-          <a:blip r:embed="rId3">
-            <a:extLst>
-              <a:ext uri="{28A0092B-C50C-407E-A947-70E740481C1C}">
-                <a14:useLocalDpi xmlns:a14="http://schemas.microsoft.com/office/drawing/2010/main" val="0"/>
-              </a:ext>
-            </a:extLst>
-          </a:blip>
-          <a:srcRect b="56373"/>
-          <a:stretch/>
-        </p:blipFill>
-        <p:spPr>
-          <a:xfrm>
-            <a:off x="396497" y="193987"/>
-            <a:ext cx="2663328" cy="2081654"/>
-          </a:xfrm>
-          <a:prstGeom prst="rect">
-            <a:avLst/>
-          </a:prstGeom>
-        </p:spPr>
-      </p:pic>
-      <p:pic>
-        <p:nvPicPr>
-          <p:cNvPr id="7" name="Picture 6">
-            <a:extLst>
-              <a:ext uri="{FF2B5EF4-FFF2-40B4-BE49-F238E27FC236}">
-                <a16:creationId xmlns:a16="http://schemas.microsoft.com/office/drawing/2014/main" id="{F0ACECF6-3731-4EBE-A3A4-0D1587BB992F}"/>
-              </a:ext>
-            </a:extLst>
-          </p:cNvPr>
-          <p:cNvPicPr>
-            <a:picLocks noChangeAspect="1"/>
-          </p:cNvPicPr>
-          <p:nvPr/>
-        </p:nvPicPr>
-        <p:blipFill rotWithShape="1">
-          <a:blip r:embed="rId2">
-            <a:extLst>
-              <a:ext uri="{28A0092B-C50C-407E-A947-70E740481C1C}">
-                <a14:useLocalDpi xmlns:a14="http://schemas.microsoft.com/office/drawing/2010/main" val="0"/>
-              </a:ext>
-            </a:extLst>
-          </a:blip>
-          <a:srcRect b="56373"/>
-          <a:stretch/>
-        </p:blipFill>
-        <p:spPr>
-          <a:xfrm>
-            <a:off x="3453541" y="2388173"/>
-            <a:ext cx="3133840" cy="2081654"/>
-          </a:xfrm>
-          <a:prstGeom prst="rect">
-            <a:avLst/>
-          </a:prstGeom>
-        </p:spPr>
-      </p:pic>
-      <p:pic>
-        <p:nvPicPr>
-          <p:cNvPr id="8" name="Picture 7">
-            <a:extLst>
-              <a:ext uri="{FF2B5EF4-FFF2-40B4-BE49-F238E27FC236}">
-                <a16:creationId xmlns:a16="http://schemas.microsoft.com/office/drawing/2014/main" id="{86562564-F083-40AC-89B1-391232674CA3}"/>
-              </a:ext>
-            </a:extLst>
-          </p:cNvPr>
-          <p:cNvPicPr>
-            <a:picLocks noChangeAspect="1"/>
-          </p:cNvPicPr>
-          <p:nvPr/>
-        </p:nvPicPr>
-        <p:blipFill rotWithShape="1">
-          <a:blip r:embed="rId3">
-            <a:extLst>
-              <a:ext uri="{28A0092B-C50C-407E-A947-70E740481C1C}">
-                <a14:useLocalDpi xmlns:a14="http://schemas.microsoft.com/office/drawing/2010/main" val="0"/>
-              </a:ext>
-            </a:extLst>
-          </a:blip>
-          <a:srcRect b="56373"/>
-          <a:stretch/>
-        </p:blipFill>
-        <p:spPr>
-          <a:xfrm>
-            <a:off x="593355" y="2275641"/>
-            <a:ext cx="2663328" cy="2081654"/>
-          </a:xfrm>
-          <a:prstGeom prst="rect">
-            <a:avLst/>
-          </a:prstGeom>
-        </p:spPr>
-      </p:pic>
-      <p:pic>
-        <p:nvPicPr>
-          <p:cNvPr id="9" name="Picture 8">
-            <a:extLst>
-              <a:ext uri="{FF2B5EF4-FFF2-40B4-BE49-F238E27FC236}">
-                <a16:creationId xmlns:a16="http://schemas.microsoft.com/office/drawing/2014/main" id="{AD404F8D-C9B0-4F80-A011-35C2C7529DB7}"/>
-              </a:ext>
-            </a:extLst>
-          </p:cNvPr>
-          <p:cNvPicPr>
-            <a:picLocks noChangeAspect="1"/>
-          </p:cNvPicPr>
-          <p:nvPr/>
-        </p:nvPicPr>
-        <p:blipFill rotWithShape="1">
-          <a:blip r:embed="rId2">
-            <a:extLst>
-              <a:ext uri="{28A0092B-C50C-407E-A947-70E740481C1C}">
-                <a14:useLocalDpi xmlns:a14="http://schemas.microsoft.com/office/drawing/2010/main" val="0"/>
-              </a:ext>
-            </a:extLst>
-          </a:blip>
-          <a:srcRect b="56373"/>
-          <a:stretch/>
-        </p:blipFill>
-        <p:spPr>
-          <a:xfrm>
-            <a:off x="3431162" y="193987"/>
-            <a:ext cx="3133840" cy="2081654"/>
-          </a:xfrm>
-          <a:prstGeom prst="rect">
-            <a:avLst/>
-          </a:prstGeom>
-        </p:spPr>
-      </p:pic>
-    </p:spTree>
-    <p:extLst>
-      <p:ext uri="{BB962C8B-B14F-4D97-AF65-F5344CB8AC3E}">
-        <p14:creationId xmlns:p14="http://schemas.microsoft.com/office/powerpoint/2010/main" val="973282340"/>
-      </p:ext>
-    </p:extLst>
-  </p:cSld>
-  <p:clrMapOvr>
-    <a:masterClrMapping/>
-  </p:clrMapOvr>
-</p:sld>
-</file>
-
-<file path=ppt/slides/slide2.xml><?xml version="1.0" encoding="utf-8"?>
-<p:sld xmlns:a="http://schemas.openxmlformats.org/drawingml/2006/main" xmlns:r="http://schemas.openxmlformats.org/officeDocument/2006/relationships" xmlns:p="http://schemas.openxmlformats.org/presentationml/2006/main">
-  <p:cSld>
-    <p:spTree>
-      <p:nvGrpSpPr>
-        <p:cNvPr id="1" name=""/>
-        <p:cNvGrpSpPr/>
-        <p:nvPr/>
-      </p:nvGrpSpPr>
-      <p:grpSpPr>
-        <a:xfrm>
-          <a:off x="0" y="0"/>
-          <a:ext cx="0" cy="0"/>
-          <a:chOff x="0" y="0"/>
-          <a:chExt cx="0" cy="0"/>
-        </a:xfrm>
-      </p:grpSpPr>
-      <p:pic>
-        <p:nvPicPr>
-          <p:cNvPr id="24" name="Picture 23">
-            <a:extLst>
-              <a:ext uri="{FF2B5EF4-FFF2-40B4-BE49-F238E27FC236}">
-                <a16:creationId xmlns:a16="http://schemas.microsoft.com/office/drawing/2014/main" id="{321CD74C-AE24-41A1-B997-D6C4E7DBD0C9}"/>
-              </a:ext>
-            </a:extLst>
-          </p:cNvPr>
-          <p:cNvPicPr>
-            <a:picLocks noChangeAspect="1"/>
-          </p:cNvPicPr>
-          <p:nvPr/>
-        </p:nvPicPr>
-        <p:blipFill rotWithShape="1">
-          <a:blip r:embed="rId2">
-            <a:extLst>
-              <a:ext uri="{28A0092B-C50C-407E-A947-70E740481C1C}">
-                <a14:useLocalDpi xmlns:a14="http://schemas.microsoft.com/office/drawing/2010/main" val="0"/>
-              </a:ext>
-            </a:extLst>
-          </a:blip>
-          <a:srcRect l="1943" t="8246" r="-1" b="39658"/>
-          <a:stretch/>
-        </p:blipFill>
-        <p:spPr>
-          <a:xfrm>
-            <a:off x="507860" y="322095"/>
-            <a:ext cx="4456661" cy="2485747"/>
-          </a:xfrm>
-          <a:prstGeom prst="rect">
-            <a:avLst/>
-          </a:prstGeom>
-        </p:spPr>
-      </p:pic>
-      <p:pic>
-        <p:nvPicPr>
-          <p:cNvPr id="25" name="Picture 24">
-            <a:extLst>
-              <a:ext uri="{FF2B5EF4-FFF2-40B4-BE49-F238E27FC236}">
-                <a16:creationId xmlns:a16="http://schemas.microsoft.com/office/drawing/2014/main" id="{098ADD05-13ED-4E78-867A-2EA2AFBC68EC}"/>
-              </a:ext>
-            </a:extLst>
-          </p:cNvPr>
-          <p:cNvPicPr>
-            <a:picLocks noChangeAspect="1"/>
-          </p:cNvPicPr>
-          <p:nvPr/>
-        </p:nvPicPr>
-        <p:blipFill rotWithShape="1">
-          <a:blip r:embed="rId3">
-            <a:extLst>
-              <a:ext uri="{28A0092B-C50C-407E-A947-70E740481C1C}">
-                <a14:useLocalDpi xmlns:a14="http://schemas.microsoft.com/office/drawing/2010/main" val="0"/>
-              </a:ext>
-            </a:extLst>
-          </a:blip>
-          <a:srcRect l="1942" t="8041" b="39863"/>
-          <a:stretch/>
-        </p:blipFill>
-        <p:spPr>
-          <a:xfrm>
-            <a:off x="5206677" y="306338"/>
-            <a:ext cx="4456661" cy="2485747"/>
-          </a:xfrm>
-          <a:prstGeom prst="rect">
-            <a:avLst/>
-          </a:prstGeom>
-        </p:spPr>
-      </p:pic>
-      <p:pic>
-        <p:nvPicPr>
-          <p:cNvPr id="26" name="Picture 25">
-            <a:extLst>
-              <a:ext uri="{FF2B5EF4-FFF2-40B4-BE49-F238E27FC236}">
-                <a16:creationId xmlns:a16="http://schemas.microsoft.com/office/drawing/2014/main" id="{48B29D12-3D8E-489A-9AB8-8F6687284415}"/>
-              </a:ext>
-            </a:extLst>
-          </p:cNvPr>
-          <p:cNvPicPr>
-            <a:picLocks noChangeAspect="1"/>
-          </p:cNvPicPr>
-          <p:nvPr/>
-        </p:nvPicPr>
-        <p:blipFill rotWithShape="1">
-          <a:blip r:embed="rId4">
-            <a:extLst>
-              <a:ext uri="{28A0092B-C50C-407E-A947-70E740481C1C}">
-                <a14:useLocalDpi xmlns:a14="http://schemas.microsoft.com/office/drawing/2010/main" val="0"/>
-              </a:ext>
-            </a:extLst>
-          </a:blip>
-          <a:srcRect l="1911" t="8877" b="39026"/>
-          <a:stretch/>
-        </p:blipFill>
-        <p:spPr>
-          <a:xfrm>
-            <a:off x="492707" y="3068109"/>
-            <a:ext cx="4456661" cy="2485747"/>
-          </a:xfrm>
-          <a:prstGeom prst="rect">
-            <a:avLst/>
-          </a:prstGeom>
-        </p:spPr>
-      </p:pic>
-      <p:pic>
-        <p:nvPicPr>
-          <p:cNvPr id="27" name="Picture 26">
-            <a:extLst>
-              <a:ext uri="{FF2B5EF4-FFF2-40B4-BE49-F238E27FC236}">
-                <a16:creationId xmlns:a16="http://schemas.microsoft.com/office/drawing/2014/main" id="{642AE956-04F1-44BA-B1FE-D140E064B27D}"/>
-              </a:ext>
-            </a:extLst>
-          </p:cNvPr>
-          <p:cNvPicPr>
-            <a:picLocks noChangeAspect="1"/>
-          </p:cNvPicPr>
-          <p:nvPr/>
-        </p:nvPicPr>
-        <p:blipFill rotWithShape="1">
-          <a:blip r:embed="rId5">
-            <a:extLst>
-              <a:ext uri="{28A0092B-C50C-407E-A947-70E740481C1C}">
-                <a14:useLocalDpi xmlns:a14="http://schemas.microsoft.com/office/drawing/2010/main" val="0"/>
-              </a:ext>
-            </a:extLst>
-          </a:blip>
-          <a:srcRect l="1911" t="9076" b="38827"/>
-          <a:stretch/>
-        </p:blipFill>
-        <p:spPr>
-          <a:xfrm>
-            <a:off x="5206677" y="3087917"/>
-            <a:ext cx="4456661" cy="2485748"/>
-          </a:xfrm>
-          <a:prstGeom prst="rect">
-            <a:avLst/>
-          </a:prstGeom>
-        </p:spPr>
-      </p:pic>
-      <p:sp>
-        <p:nvSpPr>
-          <p:cNvPr id="28" name="TextBox 27">
-            <a:extLst>
-              <a:ext uri="{FF2B5EF4-FFF2-40B4-BE49-F238E27FC236}">
-                <a16:creationId xmlns:a16="http://schemas.microsoft.com/office/drawing/2014/main" id="{B7802FFF-9143-4BC6-BDFF-0CCC95643106}"/>
+      <p:sp>
+        <p:nvSpPr>
+          <p:cNvPr id="16" name="TextBox 15">
+            <a:extLst>
+              <a:ext uri="{FF2B5EF4-FFF2-40B4-BE49-F238E27FC236}">
+                <a16:creationId xmlns:a16="http://schemas.microsoft.com/office/drawing/2014/main" id="{40CB3ECC-B06D-4526-ABF0-B5B0154AAE26}"/>
               </a:ext>
             </a:extLst>
           </p:cNvPr>
@@ -5430,7 +5619,7 @@
         </p:nvSpPr>
         <p:spPr>
           <a:xfrm>
-            <a:off x="1900102" y="2454916"/>
+            <a:off x="1359878" y="3036147"/>
             <a:ext cx="1599797" cy="307777"/>
           </a:xfrm>
           <a:prstGeom prst="rect">
@@ -5457,135 +5646,54 @@
           </a:p>
         </p:txBody>
       </p:sp>
-      <p:sp>
-        <p:nvSpPr>
-          <p:cNvPr id="29" name="TextBox 28">
-            <a:extLst>
-              <a:ext uri="{FF2B5EF4-FFF2-40B4-BE49-F238E27FC236}">
-                <a16:creationId xmlns:a16="http://schemas.microsoft.com/office/drawing/2014/main" id="{197748D4-FFD0-43F8-A45D-4B02C78D7FEE}"/>
-              </a:ext>
-            </a:extLst>
-          </p:cNvPr>
-          <p:cNvSpPr txBox="1"/>
-          <p:nvPr/>
-        </p:nvSpPr>
-        <p:spPr>
-          <a:xfrm>
-            <a:off x="6509093" y="2468433"/>
-            <a:ext cx="1599797" cy="307777"/>
-          </a:xfrm>
-          <a:prstGeom prst="rect">
-            <a:avLst/>
-          </a:prstGeom>
-          <a:noFill/>
-        </p:spPr>
-        <p:txBody>
-          <a:bodyPr wrap="none" lIns="0" tIns="0" rIns="0" bIns="0" rtlCol="0">
-            <a:spAutoFit/>
-          </a:bodyPr>
-          <a:lstStyle/>
-          <a:p>
-            <a:r>
-              <a:rPr lang="en-US" sz="2000" dirty="0">
-                <a:solidFill>
-                  <a:srgbClr val="D60093"/>
-                </a:solidFill>
-                <a:latin typeface="Times New Roman" panose="02020603050405020304" pitchFamily="18" charset="0"/>
-                <a:cs typeface="Times New Roman" panose="02020603050405020304" pitchFamily="18" charset="0"/>
-              </a:rPr>
-              <a:t>5V/div 2ms/div</a:t>
-            </a:r>
-          </a:p>
-        </p:txBody>
-      </p:sp>
-      <p:sp>
-        <p:nvSpPr>
-          <p:cNvPr id="30" name="TextBox 29">
-            <a:extLst>
-              <a:ext uri="{FF2B5EF4-FFF2-40B4-BE49-F238E27FC236}">
-                <a16:creationId xmlns:a16="http://schemas.microsoft.com/office/drawing/2014/main" id="{AF7A8B1F-B65C-4DD9-AB91-2D73330B0123}"/>
-              </a:ext>
-            </a:extLst>
-          </p:cNvPr>
-          <p:cNvSpPr txBox="1"/>
-          <p:nvPr/>
-        </p:nvSpPr>
-        <p:spPr>
-          <a:xfrm>
-            <a:off x="1900102" y="5179959"/>
-            <a:ext cx="1599797" cy="307777"/>
-          </a:xfrm>
-          <a:prstGeom prst="rect">
-            <a:avLst/>
-          </a:prstGeom>
-          <a:noFill/>
-        </p:spPr>
-        <p:txBody>
-          <a:bodyPr wrap="none" lIns="0" tIns="0" rIns="0" bIns="0" rtlCol="0">
-            <a:spAutoFit/>
-          </a:bodyPr>
-          <a:lstStyle/>
-          <a:p>
-            <a:r>
-              <a:rPr lang="en-US" sz="2000" dirty="0">
-                <a:solidFill>
-                  <a:srgbClr val="D60093"/>
-                </a:solidFill>
-                <a:latin typeface="Times New Roman" panose="02020603050405020304" pitchFamily="18" charset="0"/>
-                <a:cs typeface="Times New Roman" panose="02020603050405020304" pitchFamily="18" charset="0"/>
-              </a:rPr>
-              <a:t>5V/div 2ms/div</a:t>
-            </a:r>
-          </a:p>
-        </p:txBody>
-      </p:sp>
-      <p:sp>
-        <p:nvSpPr>
-          <p:cNvPr id="31" name="TextBox 30">
-            <a:extLst>
-              <a:ext uri="{FF2B5EF4-FFF2-40B4-BE49-F238E27FC236}">
-                <a16:creationId xmlns:a16="http://schemas.microsoft.com/office/drawing/2014/main" id="{FC15C05A-DC71-4884-B4B2-1C9DEDF4649E}"/>
-              </a:ext>
-            </a:extLst>
-          </p:cNvPr>
-          <p:cNvSpPr txBox="1"/>
-          <p:nvPr/>
-        </p:nvSpPr>
-        <p:spPr>
-          <a:xfrm>
-            <a:off x="6509093" y="5176856"/>
-            <a:ext cx="1599797" cy="307777"/>
-          </a:xfrm>
-          <a:prstGeom prst="rect">
-            <a:avLst/>
-          </a:prstGeom>
-          <a:noFill/>
-        </p:spPr>
-        <p:txBody>
-          <a:bodyPr wrap="none" lIns="0" tIns="0" rIns="0" bIns="0" rtlCol="0">
-            <a:spAutoFit/>
-          </a:bodyPr>
-          <a:lstStyle/>
-          <a:p>
-            <a:r>
-              <a:rPr lang="en-US" sz="2000" dirty="0">
-                <a:solidFill>
-                  <a:srgbClr val="D60093"/>
-                </a:solidFill>
-                <a:latin typeface="Times New Roman" panose="02020603050405020304" pitchFamily="18" charset="0"/>
-                <a:cs typeface="Times New Roman" panose="02020603050405020304" pitchFamily="18" charset="0"/>
-              </a:rPr>
-              <a:t>5V/div 2ms/div</a:t>
-            </a:r>
-          </a:p>
-        </p:txBody>
-      </p:sp>
-      <p:sp>
-        <p:nvSpPr>
-          <p:cNvPr id="36" name="Rectangle 35">
-            <a:extLst>
-              <a:ext uri="{FF2B5EF4-FFF2-40B4-BE49-F238E27FC236}">
-                <a16:creationId xmlns:a16="http://schemas.microsoft.com/office/drawing/2014/main" id="{702F9E77-4D7C-4B8B-AB97-96A297C0591C}"/>
+      <p:cxnSp>
+        <p:nvCxnSpPr>
+          <p:cNvPr id="17" name="Straight Arrow Connector 16">
+            <a:extLst>
+              <a:ext uri="{FF2B5EF4-FFF2-40B4-BE49-F238E27FC236}">
+                <a16:creationId xmlns:a16="http://schemas.microsoft.com/office/drawing/2014/main" id="{DC782404-D5CF-4217-9720-29063EB191F1}"/>
+              </a:ext>
+            </a:extLst>
+          </p:cNvPr>
+          <p:cNvCxnSpPr>
+            <a:cxnSpLocks/>
+            <a:stCxn id="18" idx="3"/>
+          </p:cNvCxnSpPr>
+          <p:nvPr/>
+        </p:nvCxnSpPr>
+        <p:spPr>
+          <a:xfrm>
+            <a:off x="5034973" y="948851"/>
+            <a:ext cx="847667" cy="0"/>
+          </a:xfrm>
+          <a:prstGeom prst="straightConnector1">
+            <a:avLst/>
+          </a:prstGeom>
+          <a:ln>
+            <a:tailEnd type="triangle"/>
+          </a:ln>
+        </p:spPr>
+        <p:style>
+          <a:lnRef idx="2">
+            <a:schemeClr val="dk1"/>
+          </a:lnRef>
+          <a:fillRef idx="0">
+            <a:schemeClr val="dk1"/>
+          </a:fillRef>
+          <a:effectRef idx="1">
+            <a:schemeClr val="dk1"/>
+          </a:effectRef>
+          <a:fontRef idx="minor">
+            <a:schemeClr val="tx1"/>
+          </a:fontRef>
+        </p:style>
+      </p:cxnSp>
+      <p:sp>
+        <p:nvSpPr>
+          <p:cNvPr id="18" name="Rectangle 17">
+            <a:extLst>
+              <a:ext uri="{FF2B5EF4-FFF2-40B4-BE49-F238E27FC236}">
+                <a16:creationId xmlns:a16="http://schemas.microsoft.com/office/drawing/2014/main" id="{5A3B5DF6-4C7D-4D38-8F1B-A0C7DD2D424E}"/>
               </a:ext>
             </a:extLst>
           </p:cNvPr>
@@ -5594,8 +5702,8 @@
         </p:nvSpPr>
         <p:spPr>
           <a:xfrm>
-            <a:off x="492709" y="259684"/>
-            <a:ext cx="9170629" cy="93309"/>
+            <a:off x="1990491" y="823121"/>
+            <a:ext cx="3044482" cy="251460"/>
           </a:xfrm>
           <a:prstGeom prst="rect">
             <a:avLst/>
@@ -5605,7 +5713,7 @@
           </a:solidFill>
           <a:ln>
             <a:solidFill>
-              <a:schemeClr val="bg1"/>
+              <a:schemeClr val="tx1"/>
             </a:solidFill>
           </a:ln>
         </p:spPr>
@@ -5630,16 +5738,67 @@
           <a:lstStyle/>
           <a:p>
             <a:pPr algn="ctr"/>
-            <a:endParaRPr lang="en-US" sz="2000"/>
-          </a:p>
-        </p:txBody>
-      </p:sp>
-      <p:sp>
-        <p:nvSpPr>
-          <p:cNvPr id="37" name="Rectangle 36">
-            <a:extLst>
-              <a:ext uri="{FF2B5EF4-FFF2-40B4-BE49-F238E27FC236}">
-                <a16:creationId xmlns:a16="http://schemas.microsoft.com/office/drawing/2014/main" id="{8C3A67CE-A1EE-410E-9879-BFDCC7066E61}"/>
+            <a:r>
+              <a:rPr lang="en-US" sz="1400" dirty="0">
+                <a:solidFill>
+                  <a:schemeClr val="tx1"/>
+                </a:solidFill>
+                <a:latin typeface="Times New Roman" panose="02020603050405020304" pitchFamily="18" charset="0"/>
+                <a:cs typeface="Times New Roman" panose="02020603050405020304" pitchFamily="18" charset="0"/>
+              </a:rPr>
+              <a:t>Switching frequency and its sidebands</a:t>
+            </a:r>
+          </a:p>
+        </p:txBody>
+      </p:sp>
+      <p:cxnSp>
+        <p:nvCxnSpPr>
+          <p:cNvPr id="29" name="Straight Arrow Connector 28">
+            <a:extLst>
+              <a:ext uri="{FF2B5EF4-FFF2-40B4-BE49-F238E27FC236}">
+                <a16:creationId xmlns:a16="http://schemas.microsoft.com/office/drawing/2014/main" id="{8A183307-536B-4E8B-B117-F0A1FA334EBF}"/>
+              </a:ext>
+            </a:extLst>
+          </p:cNvPr>
+          <p:cNvCxnSpPr>
+            <a:cxnSpLocks/>
+            <a:endCxn id="18" idx="2"/>
+          </p:cNvCxnSpPr>
+          <p:nvPr/>
+        </p:nvCxnSpPr>
+        <p:spPr>
+          <a:xfrm flipV="1">
+            <a:off x="3512732" y="1074581"/>
+            <a:ext cx="0" cy="167479"/>
+          </a:xfrm>
+          <a:prstGeom prst="straightConnector1">
+            <a:avLst/>
+          </a:prstGeom>
+          <a:ln>
+            <a:tailEnd type="triangle"/>
+          </a:ln>
+        </p:spPr>
+        <p:style>
+          <a:lnRef idx="2">
+            <a:schemeClr val="dk1"/>
+          </a:lnRef>
+          <a:fillRef idx="0">
+            <a:schemeClr val="dk1"/>
+          </a:fillRef>
+          <a:effectRef idx="1">
+            <a:schemeClr val="dk1"/>
+          </a:effectRef>
+          <a:fontRef idx="minor">
+            <a:schemeClr val="tx1"/>
+          </a:fontRef>
+        </p:style>
+      </p:cxnSp>
+      <p:sp>
+        <p:nvSpPr>
+          <p:cNvPr id="34" name="Rectangle 33">
+            <a:extLst>
+              <a:ext uri="{FF2B5EF4-FFF2-40B4-BE49-F238E27FC236}">
+                <a16:creationId xmlns:a16="http://schemas.microsoft.com/office/drawing/2014/main" id="{6B49794E-1835-485C-832F-5E5C472B680D}"/>
               </a:ext>
             </a:extLst>
           </p:cNvPr>
@@ -5648,8 +5807,8 @@
         </p:nvSpPr>
         <p:spPr>
           <a:xfrm>
-            <a:off x="431747" y="2792085"/>
-            <a:ext cx="9170629" cy="103191"/>
+            <a:off x="2561991" y="2784687"/>
+            <a:ext cx="1901482" cy="251460"/>
           </a:xfrm>
           <a:prstGeom prst="rect">
             <a:avLst/>
@@ -5659,7 +5818,7 @@
           </a:solidFill>
           <a:ln>
             <a:solidFill>
-              <a:schemeClr val="bg1"/>
+              <a:schemeClr val="tx1"/>
             </a:solidFill>
           </a:ln>
         </p:spPr>
@@ -5683,275 +5842,164 @@
           <a:bodyPr rtlCol="0" anchor="ctr"/>
           <a:lstStyle/>
           <a:p>
-            <a:pPr algn="ctr"/>
-            <a:endParaRPr lang="en-US" sz="2000"/>
-          </a:p>
-        </p:txBody>
-      </p:sp>
-      <p:sp>
-        <p:nvSpPr>
-          <p:cNvPr id="38" name="Rectangle 37">
-            <a:extLst>
-              <a:ext uri="{FF2B5EF4-FFF2-40B4-BE49-F238E27FC236}">
-                <a16:creationId xmlns:a16="http://schemas.microsoft.com/office/drawing/2014/main" id="{78945E7B-FE46-4301-B63F-B90003D5581E}"/>
-              </a:ext>
-            </a:extLst>
-          </p:cNvPr>
-          <p:cNvSpPr/>
-          <p:nvPr/>
-        </p:nvSpPr>
-        <p:spPr>
-          <a:xfrm>
-            <a:off x="507860" y="2981952"/>
-            <a:ext cx="9170629" cy="103191"/>
-          </a:xfrm>
-          <a:prstGeom prst="rect">
-            <a:avLst/>
-          </a:prstGeom>
-          <a:solidFill>
-            <a:schemeClr val="bg1"/>
-          </a:solidFill>
-          <a:ln>
-            <a:solidFill>
-              <a:schemeClr val="bg1"/>
-            </a:solidFill>
-          </a:ln>
-        </p:spPr>
-        <p:style>
-          <a:lnRef idx="2">
-            <a:schemeClr val="accent1">
-              <a:shade val="50000"/>
-            </a:schemeClr>
-          </a:lnRef>
-          <a:fillRef idx="1">
-            <a:schemeClr val="accent1"/>
-          </a:fillRef>
-          <a:effectRef idx="0">
-            <a:schemeClr val="accent1"/>
-          </a:effectRef>
-          <a:fontRef idx="minor">
-            <a:schemeClr val="lt1"/>
-          </a:fontRef>
-        </p:style>
-        <p:txBody>
-          <a:bodyPr rtlCol="0" anchor="ctr"/>
-          <a:lstStyle/>
-          <a:p>
-            <a:pPr algn="ctr"/>
-            <a:endParaRPr lang="en-US" sz="2000"/>
-          </a:p>
-        </p:txBody>
-      </p:sp>
-      <p:sp>
-        <p:nvSpPr>
-          <p:cNvPr id="39" name="Rectangle 38">
-            <a:extLst>
-              <a:ext uri="{FF2B5EF4-FFF2-40B4-BE49-F238E27FC236}">
-                <a16:creationId xmlns:a16="http://schemas.microsoft.com/office/drawing/2014/main" id="{44F1721B-82FC-4CE1-87F3-CCC0099AAFBE}"/>
-              </a:ext>
-            </a:extLst>
-          </p:cNvPr>
-          <p:cNvSpPr/>
-          <p:nvPr/>
-        </p:nvSpPr>
-        <p:spPr>
-          <a:xfrm>
-            <a:off x="431747" y="5524235"/>
-            <a:ext cx="9170629" cy="103191"/>
-          </a:xfrm>
-          <a:prstGeom prst="rect">
-            <a:avLst/>
-          </a:prstGeom>
-          <a:solidFill>
-            <a:schemeClr val="bg1"/>
-          </a:solidFill>
-          <a:ln>
-            <a:solidFill>
-              <a:schemeClr val="bg1"/>
-            </a:solidFill>
-          </a:ln>
-        </p:spPr>
-        <p:style>
-          <a:lnRef idx="2">
-            <a:schemeClr val="accent1">
-              <a:shade val="50000"/>
-            </a:schemeClr>
-          </a:lnRef>
-          <a:fillRef idx="1">
-            <a:schemeClr val="accent1"/>
-          </a:fillRef>
-          <a:effectRef idx="0">
-            <a:schemeClr val="accent1"/>
-          </a:effectRef>
-          <a:fontRef idx="minor">
-            <a:schemeClr val="lt1"/>
-          </a:fontRef>
-        </p:style>
-        <p:txBody>
-          <a:bodyPr rtlCol="0" anchor="ctr"/>
-          <a:lstStyle/>
-          <a:p>
-            <a:pPr algn="ctr"/>
-            <a:endParaRPr lang="en-US"/>
-          </a:p>
-        </p:txBody>
-      </p:sp>
-      <p:sp>
-        <p:nvSpPr>
-          <p:cNvPr id="40" name="TextBox 39">
-            <a:extLst>
-              <a:ext uri="{FF2B5EF4-FFF2-40B4-BE49-F238E27FC236}">
-                <a16:creationId xmlns:a16="http://schemas.microsoft.com/office/drawing/2014/main" id="{BD15A0F4-C358-46B9-B459-F8568B7F9B26}"/>
-              </a:ext>
-            </a:extLst>
-          </p:cNvPr>
-          <p:cNvSpPr txBox="1"/>
-          <p:nvPr/>
-        </p:nvSpPr>
-        <p:spPr>
-          <a:xfrm>
-            <a:off x="2486110" y="2727625"/>
-            <a:ext cx="651849" cy="400110"/>
-          </a:xfrm>
-          <a:prstGeom prst="rect">
-            <a:avLst/>
-          </a:prstGeom>
-          <a:noFill/>
-        </p:spPr>
-        <p:txBody>
-          <a:bodyPr wrap="square" rtlCol="0">
-            <a:spAutoFit/>
-          </a:bodyPr>
-          <a:lstStyle/>
-          <a:p>
             <a:r>
-              <a:rPr lang="en-US" sz="2000" dirty="0">
+              <a:rPr lang="en-US" sz="1400" dirty="0">
+                <a:solidFill>
+                  <a:schemeClr val="tx1"/>
+                </a:solidFill>
                 <a:latin typeface="Times New Roman" panose="02020603050405020304" pitchFamily="18" charset="0"/>
                 <a:cs typeface="Times New Roman" panose="02020603050405020304" pitchFamily="18" charset="0"/>
               </a:rPr>
-              <a:t>(a)</a:t>
+              <a:t>Fundamental frequency</a:t>
             </a:r>
           </a:p>
         </p:txBody>
       </p:sp>
-      <p:sp>
-        <p:nvSpPr>
-          <p:cNvPr id="41" name="TextBox 40">
-            <a:extLst>
-              <a:ext uri="{FF2B5EF4-FFF2-40B4-BE49-F238E27FC236}">
-                <a16:creationId xmlns:a16="http://schemas.microsoft.com/office/drawing/2014/main" id="{40AF513E-7968-415D-8C0A-7F0F496F9248}"/>
-              </a:ext>
-            </a:extLst>
-          </p:cNvPr>
-          <p:cNvSpPr txBox="1"/>
-          <p:nvPr/>
-        </p:nvSpPr>
-        <p:spPr>
-          <a:xfrm>
-            <a:off x="7176899" y="2723242"/>
-            <a:ext cx="651849" cy="400110"/>
+      <p:cxnSp>
+        <p:nvCxnSpPr>
+          <p:cNvPr id="35" name="Straight Arrow Connector 34">
+            <a:extLst>
+              <a:ext uri="{FF2B5EF4-FFF2-40B4-BE49-F238E27FC236}">
+                <a16:creationId xmlns:a16="http://schemas.microsoft.com/office/drawing/2014/main" id="{1861B001-CA9B-40AE-9DAC-E18EDBB3C185}"/>
+              </a:ext>
+            </a:extLst>
+          </p:cNvPr>
+          <p:cNvCxnSpPr>
+            <a:cxnSpLocks/>
+          </p:cNvCxnSpPr>
+          <p:nvPr/>
+        </p:nvCxnSpPr>
+        <p:spPr>
+          <a:xfrm>
+            <a:off x="3512732" y="2593765"/>
+            <a:ext cx="0" cy="190922"/>
+          </a:xfrm>
+          <a:prstGeom prst="straightConnector1">
+            <a:avLst/>
+          </a:prstGeom>
+          <a:ln>
+            <a:tailEnd type="triangle"/>
+          </a:ln>
+        </p:spPr>
+        <p:style>
+          <a:lnRef idx="2">
+            <a:schemeClr val="dk1"/>
+          </a:lnRef>
+          <a:fillRef idx="0">
+            <a:schemeClr val="dk1"/>
+          </a:fillRef>
+          <a:effectRef idx="1">
+            <a:schemeClr val="dk1"/>
+          </a:effectRef>
+          <a:fontRef idx="minor">
+            <a:schemeClr val="tx1"/>
+          </a:fontRef>
+        </p:style>
+      </p:cxnSp>
+      <p:cxnSp>
+        <p:nvCxnSpPr>
+          <p:cNvPr id="38" name="Straight Arrow Connector 37">
+            <a:extLst>
+              <a:ext uri="{FF2B5EF4-FFF2-40B4-BE49-F238E27FC236}">
+                <a16:creationId xmlns:a16="http://schemas.microsoft.com/office/drawing/2014/main" id="{941100EF-9876-4640-9517-813388999F25}"/>
+              </a:ext>
+            </a:extLst>
+          </p:cNvPr>
+          <p:cNvCxnSpPr>
+            <a:cxnSpLocks/>
+          </p:cNvCxnSpPr>
+          <p:nvPr/>
+        </p:nvCxnSpPr>
+        <p:spPr>
+          <a:xfrm>
+            <a:off x="4463473" y="2910417"/>
+            <a:ext cx="1365827" cy="0"/>
+          </a:xfrm>
+          <a:prstGeom prst="straightConnector1">
+            <a:avLst/>
+          </a:prstGeom>
+          <a:ln>
+            <a:tailEnd type="triangle"/>
+          </a:ln>
+        </p:spPr>
+        <p:style>
+          <a:lnRef idx="2">
+            <a:schemeClr val="dk1"/>
+          </a:lnRef>
+          <a:fillRef idx="0">
+            <a:schemeClr val="dk1"/>
+          </a:fillRef>
+          <a:effectRef idx="1">
+            <a:schemeClr val="dk1"/>
+          </a:effectRef>
+          <a:fontRef idx="minor">
+            <a:schemeClr val="tx1"/>
+          </a:fontRef>
+        </p:style>
+      </p:cxnSp>
+      <p:pic>
+        <p:nvPicPr>
+          <p:cNvPr id="6" name="Picture 5">
+            <a:extLst>
+              <a:ext uri="{FF2B5EF4-FFF2-40B4-BE49-F238E27FC236}">
+                <a16:creationId xmlns:a16="http://schemas.microsoft.com/office/drawing/2014/main" id="{AB6DD44B-FB55-419B-B1C0-2993726FFD79}"/>
+              </a:ext>
+            </a:extLst>
+          </p:cNvPr>
+          <p:cNvPicPr>
+            <a:picLocks noChangeAspect="1"/>
+          </p:cNvPicPr>
+          <p:nvPr/>
+        </p:nvPicPr>
+        <p:blipFill rotWithShape="1">
+          <a:blip r:embed="rId4"/>
+          <a:srcRect b="20700"/>
+          <a:stretch/>
+        </p:blipFill>
+        <p:spPr>
+          <a:xfrm>
+            <a:off x="5815965" y="281148"/>
+            <a:ext cx="4762500" cy="1510665"/>
           </a:xfrm>
           <a:prstGeom prst="rect">
             <a:avLst/>
           </a:prstGeom>
-          <a:noFill/>
-        </p:spPr>
-        <p:txBody>
-          <a:bodyPr wrap="square" rtlCol="0">
-            <a:spAutoFit/>
-          </a:bodyPr>
-          <a:lstStyle/>
-          <a:p>
-            <a:r>
-              <a:rPr lang="en-US" sz="2000" dirty="0">
-                <a:latin typeface="Times New Roman" panose="02020603050405020304" pitchFamily="18" charset="0"/>
-                <a:cs typeface="Times New Roman" panose="02020603050405020304" pitchFamily="18" charset="0"/>
-              </a:rPr>
-              <a:t>(b)</a:t>
-            </a:r>
-          </a:p>
-        </p:txBody>
-      </p:sp>
-      <p:sp>
-        <p:nvSpPr>
-          <p:cNvPr id="42" name="TextBox 41">
-            <a:extLst>
-              <a:ext uri="{FF2B5EF4-FFF2-40B4-BE49-F238E27FC236}">
-                <a16:creationId xmlns:a16="http://schemas.microsoft.com/office/drawing/2014/main" id="{C6320BB0-5BE9-4AE7-BA38-6C4011F7A5E6}"/>
-              </a:ext>
-            </a:extLst>
-          </p:cNvPr>
-          <p:cNvSpPr txBox="1"/>
-          <p:nvPr/>
-        </p:nvSpPr>
-        <p:spPr>
-          <a:xfrm>
-            <a:off x="2486109" y="5442760"/>
-            <a:ext cx="651849" cy="400110"/>
+        </p:spPr>
+      </p:pic>
+      <p:pic>
+        <p:nvPicPr>
+          <p:cNvPr id="7" name="Picture 6">
+            <a:extLst>
+              <a:ext uri="{FF2B5EF4-FFF2-40B4-BE49-F238E27FC236}">
+                <a16:creationId xmlns:a16="http://schemas.microsoft.com/office/drawing/2014/main" id="{D808FF91-1432-476A-AECD-9520EEE0AD44}"/>
+              </a:ext>
+            </a:extLst>
+          </p:cNvPr>
+          <p:cNvPicPr>
+            <a:picLocks noChangeAspect="1"/>
+          </p:cNvPicPr>
+          <p:nvPr/>
+        </p:nvPicPr>
+        <p:blipFill>
+          <a:blip r:embed="rId5"/>
+          <a:stretch>
+            <a:fillRect/>
+          </a:stretch>
+        </p:blipFill>
+        <p:spPr>
+          <a:xfrm>
+            <a:off x="5796915" y="1829620"/>
+            <a:ext cx="4762500" cy="1905000"/>
           </a:xfrm>
           <a:prstGeom prst="rect">
             <a:avLst/>
           </a:prstGeom>
-          <a:noFill/>
-        </p:spPr>
-        <p:txBody>
-          <a:bodyPr wrap="square" rtlCol="0">
-            <a:spAutoFit/>
-          </a:bodyPr>
-          <a:lstStyle/>
-          <a:p>
-            <a:r>
-              <a:rPr lang="en-US" sz="2000" dirty="0">
-                <a:latin typeface="Times New Roman" panose="02020603050405020304" pitchFamily="18" charset="0"/>
-                <a:cs typeface="Times New Roman" panose="02020603050405020304" pitchFamily="18" charset="0"/>
-              </a:rPr>
-              <a:t>(c)</a:t>
-            </a:r>
-          </a:p>
-        </p:txBody>
-      </p:sp>
-      <p:sp>
-        <p:nvSpPr>
-          <p:cNvPr id="43" name="TextBox 42">
-            <a:extLst>
-              <a:ext uri="{FF2B5EF4-FFF2-40B4-BE49-F238E27FC236}">
-                <a16:creationId xmlns:a16="http://schemas.microsoft.com/office/drawing/2014/main" id="{87824754-B8E7-4C72-828E-0A42F4171AAA}"/>
-              </a:ext>
-            </a:extLst>
-          </p:cNvPr>
-          <p:cNvSpPr txBox="1"/>
-          <p:nvPr/>
-        </p:nvSpPr>
-        <p:spPr>
-          <a:xfrm>
-            <a:off x="7203803" y="5453855"/>
-            <a:ext cx="651849" cy="400110"/>
-          </a:xfrm>
-          <a:prstGeom prst="rect">
-            <a:avLst/>
-          </a:prstGeom>
-          <a:noFill/>
-        </p:spPr>
-        <p:txBody>
-          <a:bodyPr wrap="square" rtlCol="0">
-            <a:spAutoFit/>
-          </a:bodyPr>
-          <a:lstStyle/>
-          <a:p>
-            <a:r>
-              <a:rPr lang="en-US" sz="2000" dirty="0">
-                <a:latin typeface="Times New Roman" panose="02020603050405020304" pitchFamily="18" charset="0"/>
-                <a:cs typeface="Times New Roman" panose="02020603050405020304" pitchFamily="18" charset="0"/>
-              </a:rPr>
-              <a:t>(d)</a:t>
-            </a:r>
-          </a:p>
-        </p:txBody>
-      </p:sp>
+        </p:spPr>
+      </p:pic>
     </p:spTree>
     <p:extLst>
       <p:ext uri="{BB962C8B-B14F-4D97-AF65-F5344CB8AC3E}">
-        <p14:creationId xmlns:p14="http://schemas.microsoft.com/office/powerpoint/2010/main" val="2666936553"/>
+        <p14:creationId xmlns:p14="http://schemas.microsoft.com/office/powerpoint/2010/main" val="4220611649"/>
       </p:ext>
     </p:extLst>
   </p:cSld>
@@ -5961,7 +6009,7 @@
 </p:sld>
 </file>
 
-<file path=ppt/slides/slide3.xml><?xml version="1.0" encoding="utf-8"?>
+<file path=ppt/slides/slide11.xml><?xml version="1.0" encoding="utf-8"?>
 <p:sld xmlns:a="http://schemas.openxmlformats.org/drawingml/2006/main" xmlns:r="http://schemas.openxmlformats.org/officeDocument/2006/relationships" xmlns:p="http://schemas.openxmlformats.org/presentationml/2006/main">
   <p:cSld>
     <p:spTree>
@@ -6131,7 +6179,7 @@
 </p:sld>
 </file>
 
-<file path=ppt/slides/slide4.xml><?xml version="1.0" encoding="utf-8"?>
+<file path=ppt/slides/slide12.xml><?xml version="1.0" encoding="utf-8"?>
 <p:sld xmlns:a="http://schemas.openxmlformats.org/drawingml/2006/main" xmlns:r="http://schemas.openxmlformats.org/officeDocument/2006/relationships" xmlns:p="http://schemas.openxmlformats.org/presentationml/2006/main">
   <p:cSld>
     <p:spTree>
@@ -6344,7 +6392,7 @@
 </p:sld>
 </file>
 
-<file path=ppt/slides/slide5.xml><?xml version="1.0" encoding="utf-8"?>
+<file path=ppt/slides/slide13.xml><?xml version="1.0" encoding="utf-8"?>
 <p:sld xmlns:a="http://schemas.openxmlformats.org/drawingml/2006/main" xmlns:r="http://schemas.openxmlformats.org/officeDocument/2006/relationships" xmlns:p="http://schemas.openxmlformats.org/presentationml/2006/main">
   <p:cSld>
     <p:spTree>
@@ -6489,8 +6537,8 @@
           </a:p>
         </p:txBody>
       </p:sp>
-      <mc:AlternateContent xmlns:mc="http://schemas.openxmlformats.org/markup-compatibility/2006">
-        <mc:Choice xmlns:a14="http://schemas.microsoft.com/office/drawing/2010/main" Requires="a14">
+      <mc:AlternateContent xmlns:mc="http://schemas.openxmlformats.org/markup-compatibility/2006" xmlns:a14="http://schemas.microsoft.com/office/drawing/2010/main">
+        <mc:Choice Requires="a14">
           <p:sp>
             <p:nvSpPr>
               <p:cNvPr id="10" name="Rectangle 9">
@@ -6661,7 +6709,7 @@
             </p:txBody>
           </p:sp>
         </mc:Choice>
-        <mc:Fallback>
+        <mc:Fallback xmlns="">
           <p:sp>
             <p:nvSpPr>
               <p:cNvPr id="10" name="Rectangle 9">
@@ -6719,7 +6767,7 @@
 </p:sld>
 </file>
 
-<file path=ppt/slides/slide6.xml><?xml version="1.0" encoding="utf-8"?>
+<file path=ppt/slides/slide14.xml><?xml version="1.0" encoding="utf-8"?>
 <p:sld xmlns:a="http://schemas.openxmlformats.org/drawingml/2006/main" xmlns:r="http://schemas.openxmlformats.org/officeDocument/2006/relationships" xmlns:p="http://schemas.openxmlformats.org/presentationml/2006/main">
   <p:cSld>
     <p:spTree>
@@ -6864,8 +6912,8 @@
           </a:p>
         </p:txBody>
       </p:sp>
-      <mc:AlternateContent xmlns:mc="http://schemas.openxmlformats.org/markup-compatibility/2006">
-        <mc:Choice xmlns:a14="http://schemas.microsoft.com/office/drawing/2010/main" Requires="a14">
+      <mc:AlternateContent xmlns:mc="http://schemas.openxmlformats.org/markup-compatibility/2006" xmlns:a14="http://schemas.microsoft.com/office/drawing/2010/main">
+        <mc:Choice Requires="a14">
           <p:sp>
             <p:nvSpPr>
               <p:cNvPr id="10" name="Rectangle 9">
@@ -7036,7 +7084,7 @@
             </p:txBody>
           </p:sp>
         </mc:Choice>
-        <mc:Fallback>
+        <mc:Fallback xmlns="">
           <p:sp>
             <p:nvSpPr>
               <p:cNvPr id="10" name="Rectangle 9">
@@ -7094,6 +7142,3820 @@
 </p:sld>
 </file>
 
+<file path=ppt/slides/slide15.xml><?xml version="1.0" encoding="utf-8"?>
+<p:sld xmlns:a="http://schemas.openxmlformats.org/drawingml/2006/main" xmlns:r="http://schemas.openxmlformats.org/officeDocument/2006/relationships" xmlns:p="http://schemas.openxmlformats.org/presentationml/2006/main">
+  <p:cSld>
+    <p:spTree>
+      <p:nvGrpSpPr>
+        <p:cNvPr id="1" name=""/>
+        <p:cNvGrpSpPr/>
+        <p:nvPr/>
+      </p:nvGrpSpPr>
+      <p:grpSpPr>
+        <a:xfrm>
+          <a:off x="0" y="0"/>
+          <a:ext cx="0" cy="0"/>
+          <a:chOff x="0" y="0"/>
+          <a:chExt cx="0" cy="0"/>
+        </a:xfrm>
+      </p:grpSpPr>
+      <p:pic>
+        <p:nvPicPr>
+          <p:cNvPr id="25" name="Picture 24">
+            <a:extLst>
+              <a:ext uri="{FF2B5EF4-FFF2-40B4-BE49-F238E27FC236}">
+                <a16:creationId xmlns:a16="http://schemas.microsoft.com/office/drawing/2014/main" id="{058711D1-089F-47FC-95A8-19BE621D7EF8}"/>
+              </a:ext>
+            </a:extLst>
+          </p:cNvPr>
+          <p:cNvPicPr>
+            <a:picLocks noChangeAspect="1"/>
+          </p:cNvPicPr>
+          <p:nvPr/>
+        </p:nvPicPr>
+        <p:blipFill>
+          <a:blip r:embed="rId2">
+            <a:extLst>
+              <a:ext uri="{28A0092B-C50C-407E-A947-70E740481C1C}">
+                <a14:useLocalDpi xmlns:a14="http://schemas.microsoft.com/office/drawing/2010/main" val="0"/>
+              </a:ext>
+            </a:extLst>
+          </a:blip>
+          <a:stretch>
+            <a:fillRect/>
+          </a:stretch>
+        </p:blipFill>
+        <p:spPr>
+          <a:xfrm>
+            <a:off x="115383" y="395217"/>
+            <a:ext cx="11428571" cy="4771428"/>
+          </a:xfrm>
+          <a:prstGeom prst="rect">
+            <a:avLst/>
+          </a:prstGeom>
+        </p:spPr>
+      </p:pic>
+      <p:sp>
+        <p:nvSpPr>
+          <p:cNvPr id="8" name="Rectangle 7">
+            <a:extLst>
+              <a:ext uri="{FF2B5EF4-FFF2-40B4-BE49-F238E27FC236}">
+                <a16:creationId xmlns:a16="http://schemas.microsoft.com/office/drawing/2014/main" id="{0DDA51F3-000E-4780-B357-D05EE8DFEF9B}"/>
+              </a:ext>
+            </a:extLst>
+          </p:cNvPr>
+          <p:cNvSpPr/>
+          <p:nvPr/>
+        </p:nvSpPr>
+        <p:spPr>
+          <a:xfrm>
+            <a:off x="115383" y="3808520"/>
+            <a:ext cx="11428571" cy="644371"/>
+          </a:xfrm>
+          <a:prstGeom prst="rect">
+            <a:avLst/>
+          </a:prstGeom>
+          <a:solidFill>
+            <a:schemeClr val="bg1"/>
+          </a:solidFill>
+          <a:ln>
+            <a:solidFill>
+              <a:schemeClr val="bg1"/>
+            </a:solidFill>
+          </a:ln>
+        </p:spPr>
+        <p:style>
+          <a:lnRef idx="2">
+            <a:schemeClr val="accent1">
+              <a:shade val="50000"/>
+            </a:schemeClr>
+          </a:lnRef>
+          <a:fillRef idx="1">
+            <a:schemeClr val="accent1"/>
+          </a:fillRef>
+          <a:effectRef idx="0">
+            <a:schemeClr val="accent1"/>
+          </a:effectRef>
+          <a:fontRef idx="minor">
+            <a:schemeClr val="lt1"/>
+          </a:fontRef>
+        </p:style>
+        <p:txBody>
+          <a:bodyPr rtlCol="0" anchor="ctr"/>
+          <a:lstStyle/>
+          <a:p>
+            <a:pPr algn="ctr"/>
+            <a:endParaRPr lang="en-US"/>
+          </a:p>
+        </p:txBody>
+      </p:sp>
+      <p:sp>
+        <p:nvSpPr>
+          <p:cNvPr id="20" name="Rectangle 19">
+            <a:extLst>
+              <a:ext uri="{FF2B5EF4-FFF2-40B4-BE49-F238E27FC236}">
+                <a16:creationId xmlns:a16="http://schemas.microsoft.com/office/drawing/2014/main" id="{6BE394EC-DFE6-4446-98EB-3412290997BE}"/>
+              </a:ext>
+            </a:extLst>
+          </p:cNvPr>
+          <p:cNvSpPr/>
+          <p:nvPr/>
+        </p:nvSpPr>
+        <p:spPr>
+          <a:xfrm>
+            <a:off x="2388094" y="2574894"/>
+            <a:ext cx="6782540" cy="1384757"/>
+          </a:xfrm>
+          <a:prstGeom prst="rect">
+            <a:avLst/>
+          </a:prstGeom>
+          <a:solidFill>
+            <a:schemeClr val="bg1"/>
+          </a:solidFill>
+          <a:ln>
+            <a:solidFill>
+              <a:schemeClr val="bg1"/>
+            </a:solidFill>
+          </a:ln>
+        </p:spPr>
+        <p:style>
+          <a:lnRef idx="2">
+            <a:schemeClr val="accent1">
+              <a:shade val="50000"/>
+            </a:schemeClr>
+          </a:lnRef>
+          <a:fillRef idx="1">
+            <a:schemeClr val="accent1"/>
+          </a:fillRef>
+          <a:effectRef idx="0">
+            <a:schemeClr val="accent1"/>
+          </a:effectRef>
+          <a:fontRef idx="minor">
+            <a:schemeClr val="lt1"/>
+          </a:fontRef>
+        </p:style>
+        <p:txBody>
+          <a:bodyPr rtlCol="0" anchor="ctr"/>
+          <a:lstStyle/>
+          <a:p>
+            <a:pPr algn="ctr"/>
+            <a:endParaRPr lang="en-US"/>
+          </a:p>
+        </p:txBody>
+      </p:sp>
+      <p:pic>
+        <p:nvPicPr>
+          <p:cNvPr id="23" name="Picture 22">
+            <a:extLst>
+              <a:ext uri="{FF2B5EF4-FFF2-40B4-BE49-F238E27FC236}">
+                <a16:creationId xmlns:a16="http://schemas.microsoft.com/office/drawing/2014/main" id="{C0FF3653-FA5E-4144-A674-711FCCC88C4E}"/>
+              </a:ext>
+            </a:extLst>
+          </p:cNvPr>
+          <p:cNvPicPr>
+            <a:picLocks noChangeAspect="1"/>
+          </p:cNvPicPr>
+          <p:nvPr/>
+        </p:nvPicPr>
+        <p:blipFill>
+          <a:blip r:embed="rId3"/>
+          <a:stretch>
+            <a:fillRect/>
+          </a:stretch>
+        </p:blipFill>
+        <p:spPr>
+          <a:xfrm>
+            <a:off x="2286000" y="2476500"/>
+            <a:ext cx="7620000" cy="1905000"/>
+          </a:xfrm>
+          <a:prstGeom prst="rect">
+            <a:avLst/>
+          </a:prstGeom>
+        </p:spPr>
+      </p:pic>
+      <p:sp>
+        <p:nvSpPr>
+          <p:cNvPr id="26" name="Rectangle 25">
+            <a:extLst>
+              <a:ext uri="{FF2B5EF4-FFF2-40B4-BE49-F238E27FC236}">
+                <a16:creationId xmlns:a16="http://schemas.microsoft.com/office/drawing/2014/main" id="{81662835-1CE6-4A2A-B327-493712CD0A0B}"/>
+              </a:ext>
+            </a:extLst>
+          </p:cNvPr>
+          <p:cNvSpPr/>
+          <p:nvPr/>
+        </p:nvSpPr>
+        <p:spPr>
+          <a:xfrm>
+            <a:off x="5829668" y="3147425"/>
+            <a:ext cx="754602" cy="119847"/>
+          </a:xfrm>
+          <a:prstGeom prst="rect">
+            <a:avLst/>
+          </a:prstGeom>
+          <a:noFill/>
+          <a:ln>
+            <a:noFill/>
+          </a:ln>
+        </p:spPr>
+        <p:style>
+          <a:lnRef idx="2">
+            <a:schemeClr val="accent1">
+              <a:shade val="50000"/>
+            </a:schemeClr>
+          </a:lnRef>
+          <a:fillRef idx="1">
+            <a:schemeClr val="accent1"/>
+          </a:fillRef>
+          <a:effectRef idx="0">
+            <a:schemeClr val="accent1"/>
+          </a:effectRef>
+          <a:fontRef idx="minor">
+            <a:schemeClr val="lt1"/>
+          </a:fontRef>
+        </p:style>
+        <p:txBody>
+          <a:bodyPr rtlCol="0" anchor="ctr"/>
+          <a:lstStyle/>
+          <a:p>
+            <a:pPr algn="ctr"/>
+            <a:r>
+              <a:rPr lang="en-US" sz="1500" dirty="0">
+                <a:solidFill>
+                  <a:srgbClr val="002060"/>
+                </a:solidFill>
+                <a:latin typeface="Times New Roman" panose="02020603050405020304" pitchFamily="18" charset="0"/>
+                <a:cs typeface="Times New Roman" panose="02020603050405020304" pitchFamily="18" charset="0"/>
+              </a:rPr>
+              <a:t>0.42</a:t>
+            </a:r>
+            <a:endParaRPr lang="en-US" sz="1500" dirty="0">
+              <a:latin typeface="Times New Roman" panose="02020603050405020304" pitchFamily="18" charset="0"/>
+              <a:cs typeface="Times New Roman" panose="02020603050405020304" pitchFamily="18" charset="0"/>
+            </a:endParaRPr>
+          </a:p>
+        </p:txBody>
+      </p:sp>
+      <p:sp>
+        <p:nvSpPr>
+          <p:cNvPr id="27" name="Rectangle 26">
+            <a:extLst>
+              <a:ext uri="{FF2B5EF4-FFF2-40B4-BE49-F238E27FC236}">
+                <a16:creationId xmlns:a16="http://schemas.microsoft.com/office/drawing/2014/main" id="{C31D2F43-7212-4422-AEC8-28BEEA29644D}"/>
+              </a:ext>
+            </a:extLst>
+          </p:cNvPr>
+          <p:cNvSpPr/>
+          <p:nvPr/>
+        </p:nvSpPr>
+        <p:spPr>
+          <a:xfrm>
+            <a:off x="5600328" y="3655301"/>
+            <a:ext cx="754602" cy="119847"/>
+          </a:xfrm>
+          <a:prstGeom prst="rect">
+            <a:avLst/>
+          </a:prstGeom>
+          <a:noFill/>
+          <a:ln>
+            <a:noFill/>
+          </a:ln>
+        </p:spPr>
+        <p:style>
+          <a:lnRef idx="2">
+            <a:schemeClr val="accent1">
+              <a:shade val="50000"/>
+            </a:schemeClr>
+          </a:lnRef>
+          <a:fillRef idx="1">
+            <a:schemeClr val="accent1"/>
+          </a:fillRef>
+          <a:effectRef idx="0">
+            <a:schemeClr val="accent1"/>
+          </a:effectRef>
+          <a:fontRef idx="minor">
+            <a:schemeClr val="lt1"/>
+          </a:fontRef>
+        </p:style>
+        <p:txBody>
+          <a:bodyPr rtlCol="0" anchor="ctr"/>
+          <a:lstStyle/>
+          <a:p>
+            <a:pPr algn="ctr"/>
+            <a:r>
+              <a:rPr lang="en-US" sz="1500" dirty="0">
+                <a:solidFill>
+                  <a:srgbClr val="002060"/>
+                </a:solidFill>
+                <a:latin typeface="Times New Roman" panose="02020603050405020304" pitchFamily="18" charset="0"/>
+                <a:cs typeface="Times New Roman" panose="02020603050405020304" pitchFamily="18" charset="0"/>
+              </a:rPr>
+              <a:t>0.02</a:t>
+            </a:r>
+            <a:endParaRPr lang="en-US" sz="1500" dirty="0">
+              <a:latin typeface="Times New Roman" panose="02020603050405020304" pitchFamily="18" charset="0"/>
+              <a:cs typeface="Times New Roman" panose="02020603050405020304" pitchFamily="18" charset="0"/>
+            </a:endParaRPr>
+          </a:p>
+        </p:txBody>
+      </p:sp>
+      <p:sp>
+        <p:nvSpPr>
+          <p:cNvPr id="28" name="Rectangle 27">
+            <a:extLst>
+              <a:ext uri="{FF2B5EF4-FFF2-40B4-BE49-F238E27FC236}">
+                <a16:creationId xmlns:a16="http://schemas.microsoft.com/office/drawing/2014/main" id="{D3DA55ED-3874-4944-9B52-690728AA5C6F}"/>
+              </a:ext>
+            </a:extLst>
+          </p:cNvPr>
+          <p:cNvSpPr/>
+          <p:nvPr/>
+        </p:nvSpPr>
+        <p:spPr>
+          <a:xfrm>
+            <a:off x="6079723" y="3655301"/>
+            <a:ext cx="754602" cy="119847"/>
+          </a:xfrm>
+          <a:prstGeom prst="rect">
+            <a:avLst/>
+          </a:prstGeom>
+          <a:noFill/>
+          <a:ln>
+            <a:noFill/>
+          </a:ln>
+        </p:spPr>
+        <p:style>
+          <a:lnRef idx="2">
+            <a:schemeClr val="accent1">
+              <a:shade val="50000"/>
+            </a:schemeClr>
+          </a:lnRef>
+          <a:fillRef idx="1">
+            <a:schemeClr val="accent1"/>
+          </a:fillRef>
+          <a:effectRef idx="0">
+            <a:schemeClr val="accent1"/>
+          </a:effectRef>
+          <a:fontRef idx="minor">
+            <a:schemeClr val="lt1"/>
+          </a:fontRef>
+        </p:style>
+        <p:txBody>
+          <a:bodyPr rtlCol="0" anchor="ctr"/>
+          <a:lstStyle/>
+          <a:p>
+            <a:pPr algn="ctr"/>
+            <a:r>
+              <a:rPr lang="en-US" sz="1500" dirty="0">
+                <a:solidFill>
+                  <a:srgbClr val="002060"/>
+                </a:solidFill>
+                <a:latin typeface="Times New Roman" panose="02020603050405020304" pitchFamily="18" charset="0"/>
+                <a:cs typeface="Times New Roman" panose="02020603050405020304" pitchFamily="18" charset="0"/>
+              </a:rPr>
+              <a:t>0.02</a:t>
+            </a:r>
+            <a:endParaRPr lang="en-US" sz="1500" dirty="0">
+              <a:latin typeface="Times New Roman" panose="02020603050405020304" pitchFamily="18" charset="0"/>
+              <a:cs typeface="Times New Roman" panose="02020603050405020304" pitchFamily="18" charset="0"/>
+            </a:endParaRPr>
+          </a:p>
+        </p:txBody>
+      </p:sp>
+      <p:sp>
+        <p:nvSpPr>
+          <p:cNvPr id="29" name="Rectangle 28">
+            <a:extLst>
+              <a:ext uri="{FF2B5EF4-FFF2-40B4-BE49-F238E27FC236}">
+                <a16:creationId xmlns:a16="http://schemas.microsoft.com/office/drawing/2014/main" id="{AD1A19A5-22BE-4856-BC6A-E6B60278D5F4}"/>
+              </a:ext>
+            </a:extLst>
+          </p:cNvPr>
+          <p:cNvSpPr/>
+          <p:nvPr/>
+        </p:nvSpPr>
+        <p:spPr>
+          <a:xfrm>
+            <a:off x="3096825" y="3427151"/>
+            <a:ext cx="754602" cy="119847"/>
+          </a:xfrm>
+          <a:prstGeom prst="rect">
+            <a:avLst/>
+          </a:prstGeom>
+          <a:noFill/>
+          <a:ln>
+            <a:noFill/>
+          </a:ln>
+        </p:spPr>
+        <p:style>
+          <a:lnRef idx="2">
+            <a:schemeClr val="accent1">
+              <a:shade val="50000"/>
+            </a:schemeClr>
+          </a:lnRef>
+          <a:fillRef idx="1">
+            <a:schemeClr val="accent1"/>
+          </a:fillRef>
+          <a:effectRef idx="0">
+            <a:schemeClr val="accent1"/>
+          </a:effectRef>
+          <a:fontRef idx="minor">
+            <a:schemeClr val="lt1"/>
+          </a:fontRef>
+        </p:style>
+        <p:txBody>
+          <a:bodyPr rtlCol="0" anchor="ctr"/>
+          <a:lstStyle/>
+          <a:p>
+            <a:pPr algn="ctr"/>
+            <a:r>
+              <a:rPr lang="en-US" sz="1500" dirty="0">
+                <a:solidFill>
+                  <a:srgbClr val="002060"/>
+                </a:solidFill>
+                <a:latin typeface="Times New Roman" panose="02020603050405020304" pitchFamily="18" charset="0"/>
+                <a:cs typeface="Times New Roman" panose="02020603050405020304" pitchFamily="18" charset="0"/>
+              </a:rPr>
+              <a:t>0.23</a:t>
+            </a:r>
+            <a:endParaRPr lang="en-US" sz="1500" dirty="0">
+              <a:latin typeface="Times New Roman" panose="02020603050405020304" pitchFamily="18" charset="0"/>
+              <a:cs typeface="Times New Roman" panose="02020603050405020304" pitchFamily="18" charset="0"/>
+            </a:endParaRPr>
+          </a:p>
+        </p:txBody>
+      </p:sp>
+    </p:spTree>
+    <p:extLst>
+      <p:ext uri="{BB962C8B-B14F-4D97-AF65-F5344CB8AC3E}">
+        <p14:creationId xmlns:p14="http://schemas.microsoft.com/office/powerpoint/2010/main" val="235068604"/>
+      </p:ext>
+    </p:extLst>
+  </p:cSld>
+  <p:clrMapOvr>
+    <a:masterClrMapping/>
+  </p:clrMapOvr>
+</p:sld>
+</file>
+
+<file path=ppt/slides/slide16.xml><?xml version="1.0" encoding="utf-8"?>
+<p:sld xmlns:a="http://schemas.openxmlformats.org/drawingml/2006/main" xmlns:r="http://schemas.openxmlformats.org/officeDocument/2006/relationships" xmlns:p="http://schemas.openxmlformats.org/presentationml/2006/main">
+  <p:cSld>
+    <p:spTree>
+      <p:nvGrpSpPr>
+        <p:cNvPr id="1" name=""/>
+        <p:cNvGrpSpPr/>
+        <p:nvPr/>
+      </p:nvGrpSpPr>
+      <p:grpSpPr>
+        <a:xfrm>
+          <a:off x="0" y="0"/>
+          <a:ext cx="0" cy="0"/>
+          <a:chOff x="0" y="0"/>
+          <a:chExt cx="0" cy="0"/>
+        </a:xfrm>
+      </p:grpSpPr>
+      <p:pic>
+        <p:nvPicPr>
+          <p:cNvPr id="3" name="Picture 2">
+            <a:extLst>
+              <a:ext uri="{FF2B5EF4-FFF2-40B4-BE49-F238E27FC236}">
+                <a16:creationId xmlns:a16="http://schemas.microsoft.com/office/drawing/2014/main" id="{A89EE9AA-0013-441C-8CBD-45C89FECAD1B}"/>
+              </a:ext>
+            </a:extLst>
+          </p:cNvPr>
+          <p:cNvPicPr>
+            <a:picLocks noChangeAspect="1"/>
+          </p:cNvPicPr>
+          <p:nvPr/>
+        </p:nvPicPr>
+        <p:blipFill>
+          <a:blip r:embed="rId2">
+            <a:extLst>
+              <a:ext uri="{28A0092B-C50C-407E-A947-70E740481C1C}">
+                <a14:useLocalDpi xmlns:a14="http://schemas.microsoft.com/office/drawing/2010/main" val="0"/>
+              </a:ext>
+            </a:extLst>
+          </a:blip>
+          <a:stretch>
+            <a:fillRect/>
+          </a:stretch>
+        </p:blipFill>
+        <p:spPr>
+          <a:xfrm>
+            <a:off x="115383" y="421900"/>
+            <a:ext cx="11428571" cy="4771428"/>
+          </a:xfrm>
+          <a:prstGeom prst="rect">
+            <a:avLst/>
+          </a:prstGeom>
+        </p:spPr>
+      </p:pic>
+      <p:sp>
+        <p:nvSpPr>
+          <p:cNvPr id="8" name="Rectangle 7">
+            <a:extLst>
+              <a:ext uri="{FF2B5EF4-FFF2-40B4-BE49-F238E27FC236}">
+                <a16:creationId xmlns:a16="http://schemas.microsoft.com/office/drawing/2014/main" id="{0DDA51F3-000E-4780-B357-D05EE8DFEF9B}"/>
+              </a:ext>
+            </a:extLst>
+          </p:cNvPr>
+          <p:cNvSpPr/>
+          <p:nvPr/>
+        </p:nvSpPr>
+        <p:spPr>
+          <a:xfrm>
+            <a:off x="115383" y="3808520"/>
+            <a:ext cx="11428571" cy="644371"/>
+          </a:xfrm>
+          <a:prstGeom prst="rect">
+            <a:avLst/>
+          </a:prstGeom>
+          <a:solidFill>
+            <a:schemeClr val="bg1"/>
+          </a:solidFill>
+          <a:ln>
+            <a:solidFill>
+              <a:schemeClr val="bg1"/>
+            </a:solidFill>
+          </a:ln>
+        </p:spPr>
+        <p:style>
+          <a:lnRef idx="2">
+            <a:schemeClr val="accent1">
+              <a:shade val="50000"/>
+            </a:schemeClr>
+          </a:lnRef>
+          <a:fillRef idx="1">
+            <a:schemeClr val="accent1"/>
+          </a:fillRef>
+          <a:effectRef idx="0">
+            <a:schemeClr val="accent1"/>
+          </a:effectRef>
+          <a:fontRef idx="minor">
+            <a:schemeClr val="lt1"/>
+          </a:fontRef>
+        </p:style>
+        <p:txBody>
+          <a:bodyPr rtlCol="0" anchor="ctr"/>
+          <a:lstStyle/>
+          <a:p>
+            <a:pPr algn="ctr"/>
+            <a:endParaRPr lang="en-US"/>
+          </a:p>
+        </p:txBody>
+      </p:sp>
+      <p:sp>
+        <p:nvSpPr>
+          <p:cNvPr id="20" name="Rectangle 19">
+            <a:extLst>
+              <a:ext uri="{FF2B5EF4-FFF2-40B4-BE49-F238E27FC236}">
+                <a16:creationId xmlns:a16="http://schemas.microsoft.com/office/drawing/2014/main" id="{6BE394EC-DFE6-4446-98EB-3412290997BE}"/>
+              </a:ext>
+            </a:extLst>
+          </p:cNvPr>
+          <p:cNvSpPr/>
+          <p:nvPr/>
+        </p:nvSpPr>
+        <p:spPr>
+          <a:xfrm>
+            <a:off x="2388094" y="2574894"/>
+            <a:ext cx="6782540" cy="1384757"/>
+          </a:xfrm>
+          <a:prstGeom prst="rect">
+            <a:avLst/>
+          </a:prstGeom>
+          <a:solidFill>
+            <a:schemeClr val="bg1"/>
+          </a:solidFill>
+          <a:ln>
+            <a:solidFill>
+              <a:schemeClr val="bg1"/>
+            </a:solidFill>
+          </a:ln>
+        </p:spPr>
+        <p:style>
+          <a:lnRef idx="2">
+            <a:schemeClr val="accent1">
+              <a:shade val="50000"/>
+            </a:schemeClr>
+          </a:lnRef>
+          <a:fillRef idx="1">
+            <a:schemeClr val="accent1"/>
+          </a:fillRef>
+          <a:effectRef idx="0">
+            <a:schemeClr val="accent1"/>
+          </a:effectRef>
+          <a:fontRef idx="minor">
+            <a:schemeClr val="lt1"/>
+          </a:fontRef>
+        </p:style>
+        <p:txBody>
+          <a:bodyPr rtlCol="0" anchor="ctr"/>
+          <a:lstStyle/>
+          <a:p>
+            <a:pPr algn="ctr"/>
+            <a:endParaRPr lang="en-US"/>
+          </a:p>
+        </p:txBody>
+      </p:sp>
+      <p:pic>
+        <p:nvPicPr>
+          <p:cNvPr id="21" name="Picture 20">
+            <a:extLst>
+              <a:ext uri="{FF2B5EF4-FFF2-40B4-BE49-F238E27FC236}">
+                <a16:creationId xmlns:a16="http://schemas.microsoft.com/office/drawing/2014/main" id="{14FCFBC7-72A6-49BB-A619-234EE91D068C}"/>
+              </a:ext>
+            </a:extLst>
+          </p:cNvPr>
+          <p:cNvPicPr>
+            <a:picLocks noChangeAspect="1"/>
+          </p:cNvPicPr>
+          <p:nvPr/>
+        </p:nvPicPr>
+        <p:blipFill>
+          <a:blip r:embed="rId3"/>
+          <a:stretch>
+            <a:fillRect/>
+          </a:stretch>
+        </p:blipFill>
+        <p:spPr>
+          <a:xfrm>
+            <a:off x="2179467" y="2476500"/>
+            <a:ext cx="7620000" cy="1905000"/>
+          </a:xfrm>
+          <a:prstGeom prst="rect">
+            <a:avLst/>
+          </a:prstGeom>
+        </p:spPr>
+      </p:pic>
+      <p:sp>
+        <p:nvSpPr>
+          <p:cNvPr id="9" name="Rectangle 8">
+            <a:extLst>
+              <a:ext uri="{FF2B5EF4-FFF2-40B4-BE49-F238E27FC236}">
+                <a16:creationId xmlns:a16="http://schemas.microsoft.com/office/drawing/2014/main" id="{7B56FCD5-C63F-4D1E-AFE8-B98F4AF77667}"/>
+              </a:ext>
+            </a:extLst>
+          </p:cNvPr>
+          <p:cNvSpPr/>
+          <p:nvPr/>
+        </p:nvSpPr>
+        <p:spPr>
+          <a:xfrm>
+            <a:off x="5718699" y="3147425"/>
+            <a:ext cx="754602" cy="119847"/>
+          </a:xfrm>
+          <a:prstGeom prst="rect">
+            <a:avLst/>
+          </a:prstGeom>
+          <a:noFill/>
+          <a:ln>
+            <a:noFill/>
+          </a:ln>
+        </p:spPr>
+        <p:style>
+          <a:lnRef idx="2">
+            <a:schemeClr val="accent1">
+              <a:shade val="50000"/>
+            </a:schemeClr>
+          </a:lnRef>
+          <a:fillRef idx="1">
+            <a:schemeClr val="accent1"/>
+          </a:fillRef>
+          <a:effectRef idx="0">
+            <a:schemeClr val="accent1"/>
+          </a:effectRef>
+          <a:fontRef idx="minor">
+            <a:schemeClr val="lt1"/>
+          </a:fontRef>
+        </p:style>
+        <p:txBody>
+          <a:bodyPr rtlCol="0" anchor="ctr"/>
+          <a:lstStyle/>
+          <a:p>
+            <a:pPr algn="ctr"/>
+            <a:r>
+              <a:rPr lang="en-US" sz="1500" dirty="0">
+                <a:solidFill>
+                  <a:srgbClr val="002060"/>
+                </a:solidFill>
+                <a:latin typeface="Times New Roman" panose="02020603050405020304" pitchFamily="18" charset="0"/>
+                <a:cs typeface="Times New Roman" panose="02020603050405020304" pitchFamily="18" charset="0"/>
+              </a:rPr>
+              <a:t>0.40</a:t>
+            </a:r>
+            <a:endParaRPr lang="en-US" sz="1500" dirty="0">
+              <a:latin typeface="Times New Roman" panose="02020603050405020304" pitchFamily="18" charset="0"/>
+              <a:cs typeface="Times New Roman" panose="02020603050405020304" pitchFamily="18" charset="0"/>
+            </a:endParaRPr>
+          </a:p>
+        </p:txBody>
+      </p:sp>
+      <p:sp>
+        <p:nvSpPr>
+          <p:cNvPr id="11" name="Rectangle 10">
+            <a:extLst>
+              <a:ext uri="{FF2B5EF4-FFF2-40B4-BE49-F238E27FC236}">
+                <a16:creationId xmlns:a16="http://schemas.microsoft.com/office/drawing/2014/main" id="{396B777C-3B0A-492B-8BF8-3575569904B7}"/>
+              </a:ext>
+            </a:extLst>
+          </p:cNvPr>
+          <p:cNvSpPr/>
+          <p:nvPr/>
+        </p:nvSpPr>
+        <p:spPr>
+          <a:xfrm>
+            <a:off x="5452367" y="3617282"/>
+            <a:ext cx="754602" cy="119847"/>
+          </a:xfrm>
+          <a:prstGeom prst="rect">
+            <a:avLst/>
+          </a:prstGeom>
+          <a:noFill/>
+          <a:ln>
+            <a:noFill/>
+          </a:ln>
+        </p:spPr>
+        <p:style>
+          <a:lnRef idx="2">
+            <a:schemeClr val="accent1">
+              <a:shade val="50000"/>
+            </a:schemeClr>
+          </a:lnRef>
+          <a:fillRef idx="1">
+            <a:schemeClr val="accent1"/>
+          </a:fillRef>
+          <a:effectRef idx="0">
+            <a:schemeClr val="accent1"/>
+          </a:effectRef>
+          <a:fontRef idx="minor">
+            <a:schemeClr val="lt1"/>
+          </a:fontRef>
+        </p:style>
+        <p:txBody>
+          <a:bodyPr rtlCol="0" anchor="ctr"/>
+          <a:lstStyle/>
+          <a:p>
+            <a:pPr algn="ctr"/>
+            <a:r>
+              <a:rPr lang="en-US" sz="1500" dirty="0">
+                <a:latin typeface="Times New Roman" panose="02020603050405020304" pitchFamily="18" charset="0"/>
+                <a:cs typeface="Times New Roman" panose="02020603050405020304" pitchFamily="18" charset="0"/>
+              </a:rPr>
+              <a:t>S</a:t>
+            </a:r>
+            <a:r>
+              <a:rPr lang="en-US" sz="1500" dirty="0">
+                <a:solidFill>
+                  <a:srgbClr val="002060"/>
+                </a:solidFill>
+                <a:latin typeface="Times New Roman" panose="02020603050405020304" pitchFamily="18" charset="0"/>
+                <a:cs typeface="Times New Roman" panose="02020603050405020304" pitchFamily="18" charset="0"/>
+              </a:rPr>
+              <a:t>0.10</a:t>
+            </a:r>
+            <a:endParaRPr lang="en-US" sz="1500" dirty="0">
+              <a:latin typeface="Times New Roman" panose="02020603050405020304" pitchFamily="18" charset="0"/>
+              <a:cs typeface="Times New Roman" panose="02020603050405020304" pitchFamily="18" charset="0"/>
+            </a:endParaRPr>
+          </a:p>
+        </p:txBody>
+      </p:sp>
+      <p:sp>
+        <p:nvSpPr>
+          <p:cNvPr id="12" name="Rectangle 11">
+            <a:extLst>
+              <a:ext uri="{FF2B5EF4-FFF2-40B4-BE49-F238E27FC236}">
+                <a16:creationId xmlns:a16="http://schemas.microsoft.com/office/drawing/2014/main" id="{5A3373B8-56B5-4E27-9278-471EA56EF30E}"/>
+              </a:ext>
+            </a:extLst>
+          </p:cNvPr>
+          <p:cNvSpPr/>
+          <p:nvPr/>
+        </p:nvSpPr>
+        <p:spPr>
+          <a:xfrm>
+            <a:off x="5947309" y="3617282"/>
+            <a:ext cx="754602" cy="119847"/>
+          </a:xfrm>
+          <a:prstGeom prst="rect">
+            <a:avLst/>
+          </a:prstGeom>
+          <a:noFill/>
+          <a:ln>
+            <a:noFill/>
+          </a:ln>
+        </p:spPr>
+        <p:style>
+          <a:lnRef idx="2">
+            <a:schemeClr val="accent1">
+              <a:shade val="50000"/>
+            </a:schemeClr>
+          </a:lnRef>
+          <a:fillRef idx="1">
+            <a:schemeClr val="accent1"/>
+          </a:fillRef>
+          <a:effectRef idx="0">
+            <a:schemeClr val="accent1"/>
+          </a:effectRef>
+          <a:fontRef idx="minor">
+            <a:schemeClr val="lt1"/>
+          </a:fontRef>
+        </p:style>
+        <p:txBody>
+          <a:bodyPr rtlCol="0" anchor="ctr"/>
+          <a:lstStyle/>
+          <a:p>
+            <a:pPr algn="ctr"/>
+            <a:r>
+              <a:rPr lang="en-US" sz="1500" dirty="0">
+                <a:solidFill>
+                  <a:srgbClr val="002060"/>
+                </a:solidFill>
+                <a:latin typeface="Times New Roman" panose="02020603050405020304" pitchFamily="18" charset="0"/>
+                <a:cs typeface="Times New Roman" panose="02020603050405020304" pitchFamily="18" charset="0"/>
+              </a:rPr>
+              <a:t>0.10</a:t>
+            </a:r>
+            <a:endParaRPr lang="en-US" sz="1500" dirty="0">
+              <a:latin typeface="Times New Roman" panose="02020603050405020304" pitchFamily="18" charset="0"/>
+              <a:cs typeface="Times New Roman" panose="02020603050405020304" pitchFamily="18" charset="0"/>
+            </a:endParaRPr>
+          </a:p>
+        </p:txBody>
+      </p:sp>
+      <p:sp>
+        <p:nvSpPr>
+          <p:cNvPr id="13" name="Rectangle 12">
+            <a:extLst>
+              <a:ext uri="{FF2B5EF4-FFF2-40B4-BE49-F238E27FC236}">
+                <a16:creationId xmlns:a16="http://schemas.microsoft.com/office/drawing/2014/main" id="{B1DDA6FF-7A70-4C92-8CB5-9CBF8E9DEC4D}"/>
+              </a:ext>
+            </a:extLst>
+          </p:cNvPr>
+          <p:cNvSpPr/>
+          <p:nvPr/>
+        </p:nvSpPr>
+        <p:spPr>
+          <a:xfrm>
+            <a:off x="3021366" y="3082587"/>
+            <a:ext cx="754602" cy="119847"/>
+          </a:xfrm>
+          <a:prstGeom prst="rect">
+            <a:avLst/>
+          </a:prstGeom>
+          <a:noFill/>
+          <a:ln>
+            <a:noFill/>
+          </a:ln>
+        </p:spPr>
+        <p:style>
+          <a:lnRef idx="2">
+            <a:schemeClr val="accent1">
+              <a:shade val="50000"/>
+            </a:schemeClr>
+          </a:lnRef>
+          <a:fillRef idx="1">
+            <a:schemeClr val="accent1"/>
+          </a:fillRef>
+          <a:effectRef idx="0">
+            <a:schemeClr val="accent1"/>
+          </a:effectRef>
+          <a:fontRef idx="minor">
+            <a:schemeClr val="lt1"/>
+          </a:fontRef>
+        </p:style>
+        <p:txBody>
+          <a:bodyPr rtlCol="0" anchor="ctr"/>
+          <a:lstStyle/>
+          <a:p>
+            <a:pPr algn="ctr"/>
+            <a:r>
+              <a:rPr lang="en-US" sz="1500" dirty="0">
+                <a:solidFill>
+                  <a:srgbClr val="002060"/>
+                </a:solidFill>
+                <a:latin typeface="Times New Roman" panose="02020603050405020304" pitchFamily="18" charset="0"/>
+                <a:cs typeface="Times New Roman" panose="02020603050405020304" pitchFamily="18" charset="0"/>
+              </a:rPr>
+              <a:t>0.48</a:t>
+            </a:r>
+            <a:endParaRPr lang="en-US" sz="1500" dirty="0">
+              <a:latin typeface="Times New Roman" panose="02020603050405020304" pitchFamily="18" charset="0"/>
+              <a:cs typeface="Times New Roman" panose="02020603050405020304" pitchFamily="18" charset="0"/>
+            </a:endParaRPr>
+          </a:p>
+        </p:txBody>
+      </p:sp>
+    </p:spTree>
+    <p:extLst>
+      <p:ext uri="{BB962C8B-B14F-4D97-AF65-F5344CB8AC3E}">
+        <p14:creationId xmlns:p14="http://schemas.microsoft.com/office/powerpoint/2010/main" val="3909986564"/>
+      </p:ext>
+    </p:extLst>
+  </p:cSld>
+  <p:clrMapOvr>
+    <a:masterClrMapping/>
+  </p:clrMapOvr>
+</p:sld>
+</file>
+
+<file path=ppt/slides/slide17.xml><?xml version="1.0" encoding="utf-8"?>
+<p:sld xmlns:a="http://schemas.openxmlformats.org/drawingml/2006/main" xmlns:r="http://schemas.openxmlformats.org/officeDocument/2006/relationships" xmlns:p="http://schemas.openxmlformats.org/presentationml/2006/main">
+  <p:cSld>
+    <p:spTree>
+      <p:nvGrpSpPr>
+        <p:cNvPr id="1" name=""/>
+        <p:cNvGrpSpPr/>
+        <p:nvPr/>
+      </p:nvGrpSpPr>
+      <p:grpSpPr>
+        <a:xfrm>
+          <a:off x="0" y="0"/>
+          <a:ext cx="0" cy="0"/>
+          <a:chOff x="0" y="0"/>
+          <a:chExt cx="0" cy="0"/>
+        </a:xfrm>
+      </p:grpSpPr>
+      <p:pic>
+        <p:nvPicPr>
+          <p:cNvPr id="6" name="Picture 5">
+            <a:extLst>
+              <a:ext uri="{FF2B5EF4-FFF2-40B4-BE49-F238E27FC236}">
+                <a16:creationId xmlns:a16="http://schemas.microsoft.com/office/drawing/2014/main" id="{2080A9F8-0719-4AA8-A3DD-2205C042053E}"/>
+              </a:ext>
+            </a:extLst>
+          </p:cNvPr>
+          <p:cNvPicPr>
+            <a:picLocks noChangeAspect="1"/>
+          </p:cNvPicPr>
+          <p:nvPr/>
+        </p:nvPicPr>
+        <p:blipFill>
+          <a:blip r:embed="rId2">
+            <a:extLst>
+              <a:ext uri="{28A0092B-C50C-407E-A947-70E740481C1C}">
+                <a14:useLocalDpi xmlns:a14="http://schemas.microsoft.com/office/drawing/2010/main" val="0"/>
+              </a:ext>
+            </a:extLst>
+          </a:blip>
+          <a:stretch>
+            <a:fillRect/>
+          </a:stretch>
+        </p:blipFill>
+        <p:spPr>
+          <a:xfrm>
+            <a:off x="115383" y="421849"/>
+            <a:ext cx="11428571" cy="4771428"/>
+          </a:xfrm>
+          <a:prstGeom prst="rect">
+            <a:avLst/>
+          </a:prstGeom>
+        </p:spPr>
+      </p:pic>
+      <p:sp>
+        <p:nvSpPr>
+          <p:cNvPr id="8" name="Rectangle 7">
+            <a:extLst>
+              <a:ext uri="{FF2B5EF4-FFF2-40B4-BE49-F238E27FC236}">
+                <a16:creationId xmlns:a16="http://schemas.microsoft.com/office/drawing/2014/main" id="{0DDA51F3-000E-4780-B357-D05EE8DFEF9B}"/>
+              </a:ext>
+            </a:extLst>
+          </p:cNvPr>
+          <p:cNvSpPr/>
+          <p:nvPr/>
+        </p:nvSpPr>
+        <p:spPr>
+          <a:xfrm>
+            <a:off x="115383" y="3808520"/>
+            <a:ext cx="11428571" cy="644371"/>
+          </a:xfrm>
+          <a:prstGeom prst="rect">
+            <a:avLst/>
+          </a:prstGeom>
+          <a:solidFill>
+            <a:schemeClr val="bg1"/>
+          </a:solidFill>
+          <a:ln>
+            <a:solidFill>
+              <a:schemeClr val="bg1"/>
+            </a:solidFill>
+          </a:ln>
+        </p:spPr>
+        <p:style>
+          <a:lnRef idx="2">
+            <a:schemeClr val="accent1">
+              <a:shade val="50000"/>
+            </a:schemeClr>
+          </a:lnRef>
+          <a:fillRef idx="1">
+            <a:schemeClr val="accent1"/>
+          </a:fillRef>
+          <a:effectRef idx="0">
+            <a:schemeClr val="accent1"/>
+          </a:effectRef>
+          <a:fontRef idx="minor">
+            <a:schemeClr val="lt1"/>
+          </a:fontRef>
+        </p:style>
+        <p:txBody>
+          <a:bodyPr rtlCol="0" anchor="ctr"/>
+          <a:lstStyle/>
+          <a:p>
+            <a:pPr algn="ctr"/>
+            <a:endParaRPr lang="en-US"/>
+          </a:p>
+        </p:txBody>
+      </p:sp>
+      <p:sp>
+        <p:nvSpPr>
+          <p:cNvPr id="20" name="Rectangle 19">
+            <a:extLst>
+              <a:ext uri="{FF2B5EF4-FFF2-40B4-BE49-F238E27FC236}">
+                <a16:creationId xmlns:a16="http://schemas.microsoft.com/office/drawing/2014/main" id="{6BE394EC-DFE6-4446-98EB-3412290997BE}"/>
+              </a:ext>
+            </a:extLst>
+          </p:cNvPr>
+          <p:cNvSpPr/>
+          <p:nvPr/>
+        </p:nvSpPr>
+        <p:spPr>
+          <a:xfrm>
+            <a:off x="2388094" y="2574894"/>
+            <a:ext cx="6782540" cy="1384757"/>
+          </a:xfrm>
+          <a:prstGeom prst="rect">
+            <a:avLst/>
+          </a:prstGeom>
+          <a:solidFill>
+            <a:schemeClr val="bg1"/>
+          </a:solidFill>
+          <a:ln>
+            <a:solidFill>
+              <a:schemeClr val="bg1"/>
+            </a:solidFill>
+          </a:ln>
+        </p:spPr>
+        <p:style>
+          <a:lnRef idx="2">
+            <a:schemeClr val="accent1">
+              <a:shade val="50000"/>
+            </a:schemeClr>
+          </a:lnRef>
+          <a:fillRef idx="1">
+            <a:schemeClr val="accent1"/>
+          </a:fillRef>
+          <a:effectRef idx="0">
+            <a:schemeClr val="accent1"/>
+          </a:effectRef>
+          <a:fontRef idx="minor">
+            <a:schemeClr val="lt1"/>
+          </a:fontRef>
+        </p:style>
+        <p:txBody>
+          <a:bodyPr rtlCol="0" anchor="ctr"/>
+          <a:lstStyle/>
+          <a:p>
+            <a:pPr algn="ctr"/>
+            <a:endParaRPr lang="en-US"/>
+          </a:p>
+        </p:txBody>
+      </p:sp>
+      <p:pic>
+        <p:nvPicPr>
+          <p:cNvPr id="21" name="Picture 20">
+            <a:extLst>
+              <a:ext uri="{FF2B5EF4-FFF2-40B4-BE49-F238E27FC236}">
+                <a16:creationId xmlns:a16="http://schemas.microsoft.com/office/drawing/2014/main" id="{14FCFBC7-72A6-49BB-A619-234EE91D068C}"/>
+              </a:ext>
+            </a:extLst>
+          </p:cNvPr>
+          <p:cNvPicPr>
+            <a:picLocks noChangeAspect="1"/>
+          </p:cNvPicPr>
+          <p:nvPr/>
+        </p:nvPicPr>
+        <p:blipFill>
+          <a:blip r:embed="rId3"/>
+          <a:stretch>
+            <a:fillRect/>
+          </a:stretch>
+        </p:blipFill>
+        <p:spPr>
+          <a:xfrm>
+            <a:off x="2179467" y="2476500"/>
+            <a:ext cx="7620000" cy="1905000"/>
+          </a:xfrm>
+          <a:prstGeom prst="rect">
+            <a:avLst/>
+          </a:prstGeom>
+        </p:spPr>
+      </p:pic>
+    </p:spTree>
+    <p:extLst>
+      <p:ext uri="{BB962C8B-B14F-4D97-AF65-F5344CB8AC3E}">
+        <p14:creationId xmlns:p14="http://schemas.microsoft.com/office/powerpoint/2010/main" val="3457228470"/>
+      </p:ext>
+    </p:extLst>
+  </p:cSld>
+  <p:clrMapOvr>
+    <a:masterClrMapping/>
+  </p:clrMapOvr>
+</p:sld>
+</file>
+
+<file path=ppt/slides/slide18.xml><?xml version="1.0" encoding="utf-8"?>
+<p:sld xmlns:a="http://schemas.openxmlformats.org/drawingml/2006/main" xmlns:r="http://schemas.openxmlformats.org/officeDocument/2006/relationships" xmlns:p="http://schemas.openxmlformats.org/presentationml/2006/main">
+  <p:cSld>
+    <p:spTree>
+      <p:nvGrpSpPr>
+        <p:cNvPr id="1" name=""/>
+        <p:cNvGrpSpPr/>
+        <p:nvPr/>
+      </p:nvGrpSpPr>
+      <p:grpSpPr>
+        <a:xfrm>
+          <a:off x="0" y="0"/>
+          <a:ext cx="0" cy="0"/>
+          <a:chOff x="0" y="0"/>
+          <a:chExt cx="0" cy="0"/>
+        </a:xfrm>
+      </p:grpSpPr>
+      <p:pic>
+        <p:nvPicPr>
+          <p:cNvPr id="4" name="Picture 3">
+            <a:extLst>
+              <a:ext uri="{FF2B5EF4-FFF2-40B4-BE49-F238E27FC236}">
+                <a16:creationId xmlns:a16="http://schemas.microsoft.com/office/drawing/2014/main" id="{F25836A5-A37A-406E-9D7E-0DF7BF446D29}"/>
+              </a:ext>
+            </a:extLst>
+          </p:cNvPr>
+          <p:cNvPicPr>
+            <a:picLocks noChangeAspect="1"/>
+          </p:cNvPicPr>
+          <p:nvPr/>
+        </p:nvPicPr>
+        <p:blipFill rotWithShape="1">
+          <a:blip r:embed="rId2">
+            <a:extLst>
+              <a:ext uri="{28A0092B-C50C-407E-A947-70E740481C1C}">
+                <a14:useLocalDpi xmlns:a14="http://schemas.microsoft.com/office/drawing/2010/main" val="0"/>
+              </a:ext>
+            </a:extLst>
+          </a:blip>
+          <a:srcRect t="85505" r="86768"/>
+          <a:stretch/>
+        </p:blipFill>
+        <p:spPr>
+          <a:xfrm>
+            <a:off x="494163" y="4931546"/>
+            <a:ext cx="1512192" cy="691640"/>
+          </a:xfrm>
+          <a:prstGeom prst="rect">
+            <a:avLst/>
+          </a:prstGeom>
+        </p:spPr>
+      </p:pic>
+      <p:pic>
+        <p:nvPicPr>
+          <p:cNvPr id="5" name="Picture 4">
+            <a:extLst>
+              <a:ext uri="{FF2B5EF4-FFF2-40B4-BE49-F238E27FC236}">
+                <a16:creationId xmlns:a16="http://schemas.microsoft.com/office/drawing/2014/main" id="{B48D0B79-CE02-4505-B9BE-736F8D576E9B}"/>
+              </a:ext>
+            </a:extLst>
+          </p:cNvPr>
+          <p:cNvPicPr>
+            <a:picLocks noChangeAspect="1"/>
+          </p:cNvPicPr>
+          <p:nvPr/>
+        </p:nvPicPr>
+        <p:blipFill rotWithShape="1">
+          <a:blip r:embed="rId2">
+            <a:extLst>
+              <a:ext uri="{28A0092B-C50C-407E-A947-70E740481C1C}">
+                <a14:useLocalDpi xmlns:a14="http://schemas.microsoft.com/office/drawing/2010/main" val="0"/>
+              </a:ext>
+            </a:extLst>
+          </a:blip>
+          <a:srcRect l="72579" t="85505"/>
+          <a:stretch/>
+        </p:blipFill>
+        <p:spPr>
+          <a:xfrm>
+            <a:off x="2547891" y="4931546"/>
+            <a:ext cx="3133840" cy="691640"/>
+          </a:xfrm>
+          <a:prstGeom prst="rect">
+            <a:avLst/>
+          </a:prstGeom>
+        </p:spPr>
+      </p:pic>
+      <p:pic>
+        <p:nvPicPr>
+          <p:cNvPr id="6" name="Picture 5">
+            <a:extLst>
+              <a:ext uri="{FF2B5EF4-FFF2-40B4-BE49-F238E27FC236}">
+                <a16:creationId xmlns:a16="http://schemas.microsoft.com/office/drawing/2014/main" id="{C2DF5DDC-095F-46A7-97D6-4C7C04742174}"/>
+              </a:ext>
+            </a:extLst>
+          </p:cNvPr>
+          <p:cNvPicPr>
+            <a:picLocks noChangeAspect="1"/>
+          </p:cNvPicPr>
+          <p:nvPr/>
+        </p:nvPicPr>
+        <p:blipFill rotWithShape="1">
+          <a:blip r:embed="rId3">
+            <a:extLst>
+              <a:ext uri="{28A0092B-C50C-407E-A947-70E740481C1C}">
+                <a14:useLocalDpi xmlns:a14="http://schemas.microsoft.com/office/drawing/2010/main" val="0"/>
+              </a:ext>
+            </a:extLst>
+          </a:blip>
+          <a:srcRect b="56373"/>
+          <a:stretch/>
+        </p:blipFill>
+        <p:spPr>
+          <a:xfrm>
+            <a:off x="396497" y="193987"/>
+            <a:ext cx="2663328" cy="2081654"/>
+          </a:xfrm>
+          <a:prstGeom prst="rect">
+            <a:avLst/>
+          </a:prstGeom>
+        </p:spPr>
+      </p:pic>
+      <p:pic>
+        <p:nvPicPr>
+          <p:cNvPr id="7" name="Picture 6">
+            <a:extLst>
+              <a:ext uri="{FF2B5EF4-FFF2-40B4-BE49-F238E27FC236}">
+                <a16:creationId xmlns:a16="http://schemas.microsoft.com/office/drawing/2014/main" id="{F0ACECF6-3731-4EBE-A3A4-0D1587BB992F}"/>
+              </a:ext>
+            </a:extLst>
+          </p:cNvPr>
+          <p:cNvPicPr>
+            <a:picLocks noChangeAspect="1"/>
+          </p:cNvPicPr>
+          <p:nvPr/>
+        </p:nvPicPr>
+        <p:blipFill rotWithShape="1">
+          <a:blip r:embed="rId2">
+            <a:extLst>
+              <a:ext uri="{28A0092B-C50C-407E-A947-70E740481C1C}">
+                <a14:useLocalDpi xmlns:a14="http://schemas.microsoft.com/office/drawing/2010/main" val="0"/>
+              </a:ext>
+            </a:extLst>
+          </a:blip>
+          <a:srcRect b="56373"/>
+          <a:stretch/>
+        </p:blipFill>
+        <p:spPr>
+          <a:xfrm>
+            <a:off x="3453541" y="2388173"/>
+            <a:ext cx="3133840" cy="2081654"/>
+          </a:xfrm>
+          <a:prstGeom prst="rect">
+            <a:avLst/>
+          </a:prstGeom>
+        </p:spPr>
+      </p:pic>
+      <p:pic>
+        <p:nvPicPr>
+          <p:cNvPr id="8" name="Picture 7">
+            <a:extLst>
+              <a:ext uri="{FF2B5EF4-FFF2-40B4-BE49-F238E27FC236}">
+                <a16:creationId xmlns:a16="http://schemas.microsoft.com/office/drawing/2014/main" id="{86562564-F083-40AC-89B1-391232674CA3}"/>
+              </a:ext>
+            </a:extLst>
+          </p:cNvPr>
+          <p:cNvPicPr>
+            <a:picLocks noChangeAspect="1"/>
+          </p:cNvPicPr>
+          <p:nvPr/>
+        </p:nvPicPr>
+        <p:blipFill rotWithShape="1">
+          <a:blip r:embed="rId3">
+            <a:extLst>
+              <a:ext uri="{28A0092B-C50C-407E-A947-70E740481C1C}">
+                <a14:useLocalDpi xmlns:a14="http://schemas.microsoft.com/office/drawing/2010/main" val="0"/>
+              </a:ext>
+            </a:extLst>
+          </a:blip>
+          <a:srcRect b="56373"/>
+          <a:stretch/>
+        </p:blipFill>
+        <p:spPr>
+          <a:xfrm>
+            <a:off x="593355" y="2275641"/>
+            <a:ext cx="2663328" cy="2081654"/>
+          </a:xfrm>
+          <a:prstGeom prst="rect">
+            <a:avLst/>
+          </a:prstGeom>
+        </p:spPr>
+      </p:pic>
+      <p:pic>
+        <p:nvPicPr>
+          <p:cNvPr id="9" name="Picture 8">
+            <a:extLst>
+              <a:ext uri="{FF2B5EF4-FFF2-40B4-BE49-F238E27FC236}">
+                <a16:creationId xmlns:a16="http://schemas.microsoft.com/office/drawing/2014/main" id="{AD404F8D-C9B0-4F80-A011-35C2C7529DB7}"/>
+              </a:ext>
+            </a:extLst>
+          </p:cNvPr>
+          <p:cNvPicPr>
+            <a:picLocks noChangeAspect="1"/>
+          </p:cNvPicPr>
+          <p:nvPr/>
+        </p:nvPicPr>
+        <p:blipFill rotWithShape="1">
+          <a:blip r:embed="rId2">
+            <a:extLst>
+              <a:ext uri="{28A0092B-C50C-407E-A947-70E740481C1C}">
+                <a14:useLocalDpi xmlns:a14="http://schemas.microsoft.com/office/drawing/2010/main" val="0"/>
+              </a:ext>
+            </a:extLst>
+          </a:blip>
+          <a:srcRect b="56373"/>
+          <a:stretch/>
+        </p:blipFill>
+        <p:spPr>
+          <a:xfrm>
+            <a:off x="3431162" y="193987"/>
+            <a:ext cx="3133840" cy="2081654"/>
+          </a:xfrm>
+          <a:prstGeom prst="rect">
+            <a:avLst/>
+          </a:prstGeom>
+        </p:spPr>
+      </p:pic>
+    </p:spTree>
+    <p:extLst>
+      <p:ext uri="{BB962C8B-B14F-4D97-AF65-F5344CB8AC3E}">
+        <p14:creationId xmlns:p14="http://schemas.microsoft.com/office/powerpoint/2010/main" val="973282340"/>
+      </p:ext>
+    </p:extLst>
+  </p:cSld>
+  <p:clrMapOvr>
+    <a:masterClrMapping/>
+  </p:clrMapOvr>
+</p:sld>
+</file>
+
+<file path=ppt/slides/slide2.xml><?xml version="1.0" encoding="utf-8"?>
+<p:sld xmlns:a="http://schemas.openxmlformats.org/drawingml/2006/main" xmlns:r="http://schemas.openxmlformats.org/officeDocument/2006/relationships" xmlns:p="http://schemas.openxmlformats.org/presentationml/2006/main">
+  <p:cSld>
+    <p:spTree>
+      <p:nvGrpSpPr>
+        <p:cNvPr id="1" name=""/>
+        <p:cNvGrpSpPr/>
+        <p:nvPr/>
+      </p:nvGrpSpPr>
+      <p:grpSpPr>
+        <a:xfrm>
+          <a:off x="0" y="0"/>
+          <a:ext cx="0" cy="0"/>
+          <a:chOff x="0" y="0"/>
+          <a:chExt cx="0" cy="0"/>
+        </a:xfrm>
+      </p:grpSpPr>
+      <p:pic>
+        <p:nvPicPr>
+          <p:cNvPr id="24" name="Picture 23">
+            <a:extLst>
+              <a:ext uri="{FF2B5EF4-FFF2-40B4-BE49-F238E27FC236}">
+                <a16:creationId xmlns:a16="http://schemas.microsoft.com/office/drawing/2014/main" id="{321CD74C-AE24-41A1-B997-D6C4E7DBD0C9}"/>
+              </a:ext>
+            </a:extLst>
+          </p:cNvPr>
+          <p:cNvPicPr>
+            <a:picLocks noChangeAspect="1"/>
+          </p:cNvPicPr>
+          <p:nvPr/>
+        </p:nvPicPr>
+        <p:blipFill rotWithShape="1">
+          <a:blip r:embed="rId2">
+            <a:extLst>
+              <a:ext uri="{28A0092B-C50C-407E-A947-70E740481C1C}">
+                <a14:useLocalDpi xmlns:a14="http://schemas.microsoft.com/office/drawing/2010/main" val="0"/>
+              </a:ext>
+            </a:extLst>
+          </a:blip>
+          <a:srcRect l="1943" t="8246" r="-1" b="39658"/>
+          <a:stretch/>
+        </p:blipFill>
+        <p:spPr>
+          <a:xfrm>
+            <a:off x="507860" y="322095"/>
+            <a:ext cx="4456661" cy="2485747"/>
+          </a:xfrm>
+          <a:prstGeom prst="rect">
+            <a:avLst/>
+          </a:prstGeom>
+        </p:spPr>
+      </p:pic>
+      <p:pic>
+        <p:nvPicPr>
+          <p:cNvPr id="25" name="Picture 24">
+            <a:extLst>
+              <a:ext uri="{FF2B5EF4-FFF2-40B4-BE49-F238E27FC236}">
+                <a16:creationId xmlns:a16="http://schemas.microsoft.com/office/drawing/2014/main" id="{098ADD05-13ED-4E78-867A-2EA2AFBC68EC}"/>
+              </a:ext>
+            </a:extLst>
+          </p:cNvPr>
+          <p:cNvPicPr>
+            <a:picLocks noChangeAspect="1"/>
+          </p:cNvPicPr>
+          <p:nvPr/>
+        </p:nvPicPr>
+        <p:blipFill rotWithShape="1">
+          <a:blip r:embed="rId3">
+            <a:extLst>
+              <a:ext uri="{28A0092B-C50C-407E-A947-70E740481C1C}">
+                <a14:useLocalDpi xmlns:a14="http://schemas.microsoft.com/office/drawing/2010/main" val="0"/>
+              </a:ext>
+            </a:extLst>
+          </a:blip>
+          <a:srcRect l="1942" t="8041" b="39863"/>
+          <a:stretch/>
+        </p:blipFill>
+        <p:spPr>
+          <a:xfrm>
+            <a:off x="5206677" y="306338"/>
+            <a:ext cx="4456661" cy="2485747"/>
+          </a:xfrm>
+          <a:prstGeom prst="rect">
+            <a:avLst/>
+          </a:prstGeom>
+        </p:spPr>
+      </p:pic>
+      <p:pic>
+        <p:nvPicPr>
+          <p:cNvPr id="26" name="Picture 25">
+            <a:extLst>
+              <a:ext uri="{FF2B5EF4-FFF2-40B4-BE49-F238E27FC236}">
+                <a16:creationId xmlns:a16="http://schemas.microsoft.com/office/drawing/2014/main" id="{48B29D12-3D8E-489A-9AB8-8F6687284415}"/>
+              </a:ext>
+            </a:extLst>
+          </p:cNvPr>
+          <p:cNvPicPr>
+            <a:picLocks noChangeAspect="1"/>
+          </p:cNvPicPr>
+          <p:nvPr/>
+        </p:nvPicPr>
+        <p:blipFill rotWithShape="1">
+          <a:blip r:embed="rId4">
+            <a:extLst>
+              <a:ext uri="{28A0092B-C50C-407E-A947-70E740481C1C}">
+                <a14:useLocalDpi xmlns:a14="http://schemas.microsoft.com/office/drawing/2010/main" val="0"/>
+              </a:ext>
+            </a:extLst>
+          </a:blip>
+          <a:srcRect l="1911" t="8877" b="39026"/>
+          <a:stretch/>
+        </p:blipFill>
+        <p:spPr>
+          <a:xfrm>
+            <a:off x="492707" y="3068109"/>
+            <a:ext cx="4456661" cy="2485747"/>
+          </a:xfrm>
+          <a:prstGeom prst="rect">
+            <a:avLst/>
+          </a:prstGeom>
+        </p:spPr>
+      </p:pic>
+      <p:pic>
+        <p:nvPicPr>
+          <p:cNvPr id="27" name="Picture 26">
+            <a:extLst>
+              <a:ext uri="{FF2B5EF4-FFF2-40B4-BE49-F238E27FC236}">
+                <a16:creationId xmlns:a16="http://schemas.microsoft.com/office/drawing/2014/main" id="{642AE956-04F1-44BA-B1FE-D140E064B27D}"/>
+              </a:ext>
+            </a:extLst>
+          </p:cNvPr>
+          <p:cNvPicPr>
+            <a:picLocks noChangeAspect="1"/>
+          </p:cNvPicPr>
+          <p:nvPr/>
+        </p:nvPicPr>
+        <p:blipFill rotWithShape="1">
+          <a:blip r:embed="rId5">
+            <a:extLst>
+              <a:ext uri="{28A0092B-C50C-407E-A947-70E740481C1C}">
+                <a14:useLocalDpi xmlns:a14="http://schemas.microsoft.com/office/drawing/2010/main" val="0"/>
+              </a:ext>
+            </a:extLst>
+          </a:blip>
+          <a:srcRect l="1911" t="9076" b="38827"/>
+          <a:stretch/>
+        </p:blipFill>
+        <p:spPr>
+          <a:xfrm>
+            <a:off x="5206677" y="3087917"/>
+            <a:ext cx="4456661" cy="2485748"/>
+          </a:xfrm>
+          <a:prstGeom prst="rect">
+            <a:avLst/>
+          </a:prstGeom>
+        </p:spPr>
+      </p:pic>
+      <p:sp>
+        <p:nvSpPr>
+          <p:cNvPr id="28" name="TextBox 27">
+            <a:extLst>
+              <a:ext uri="{FF2B5EF4-FFF2-40B4-BE49-F238E27FC236}">
+                <a16:creationId xmlns:a16="http://schemas.microsoft.com/office/drawing/2014/main" id="{B7802FFF-9143-4BC6-BDFF-0CCC95643106}"/>
+              </a:ext>
+            </a:extLst>
+          </p:cNvPr>
+          <p:cNvSpPr txBox="1"/>
+          <p:nvPr/>
+        </p:nvSpPr>
+        <p:spPr>
+          <a:xfrm>
+            <a:off x="1900102" y="2454916"/>
+            <a:ext cx="1599797" cy="307777"/>
+          </a:xfrm>
+          <a:prstGeom prst="rect">
+            <a:avLst/>
+          </a:prstGeom>
+          <a:noFill/>
+        </p:spPr>
+        <p:txBody>
+          <a:bodyPr wrap="none" lIns="0" tIns="0" rIns="0" bIns="0" rtlCol="0">
+            <a:spAutoFit/>
+          </a:bodyPr>
+          <a:lstStyle/>
+          <a:p>
+            <a:r>
+              <a:rPr lang="en-US" sz="2000" dirty="0">
+                <a:solidFill>
+                  <a:srgbClr val="D60093"/>
+                </a:solidFill>
+                <a:latin typeface="Times New Roman" panose="02020603050405020304" pitchFamily="18" charset="0"/>
+                <a:cs typeface="Times New Roman" panose="02020603050405020304" pitchFamily="18" charset="0"/>
+              </a:rPr>
+              <a:t>5V/div 2ms/div</a:t>
+            </a:r>
+          </a:p>
+        </p:txBody>
+      </p:sp>
+      <p:sp>
+        <p:nvSpPr>
+          <p:cNvPr id="29" name="TextBox 28">
+            <a:extLst>
+              <a:ext uri="{FF2B5EF4-FFF2-40B4-BE49-F238E27FC236}">
+                <a16:creationId xmlns:a16="http://schemas.microsoft.com/office/drawing/2014/main" id="{197748D4-FFD0-43F8-A45D-4B02C78D7FEE}"/>
+              </a:ext>
+            </a:extLst>
+          </p:cNvPr>
+          <p:cNvSpPr txBox="1"/>
+          <p:nvPr/>
+        </p:nvSpPr>
+        <p:spPr>
+          <a:xfrm>
+            <a:off x="6509093" y="2468433"/>
+            <a:ext cx="1599797" cy="307777"/>
+          </a:xfrm>
+          <a:prstGeom prst="rect">
+            <a:avLst/>
+          </a:prstGeom>
+          <a:noFill/>
+        </p:spPr>
+        <p:txBody>
+          <a:bodyPr wrap="none" lIns="0" tIns="0" rIns="0" bIns="0" rtlCol="0">
+            <a:spAutoFit/>
+          </a:bodyPr>
+          <a:lstStyle/>
+          <a:p>
+            <a:r>
+              <a:rPr lang="en-US" sz="2000" dirty="0">
+                <a:solidFill>
+                  <a:srgbClr val="D60093"/>
+                </a:solidFill>
+                <a:latin typeface="Times New Roman" panose="02020603050405020304" pitchFamily="18" charset="0"/>
+                <a:cs typeface="Times New Roman" panose="02020603050405020304" pitchFamily="18" charset="0"/>
+              </a:rPr>
+              <a:t>5V/div 2ms/div</a:t>
+            </a:r>
+          </a:p>
+        </p:txBody>
+      </p:sp>
+      <p:sp>
+        <p:nvSpPr>
+          <p:cNvPr id="30" name="TextBox 29">
+            <a:extLst>
+              <a:ext uri="{FF2B5EF4-FFF2-40B4-BE49-F238E27FC236}">
+                <a16:creationId xmlns:a16="http://schemas.microsoft.com/office/drawing/2014/main" id="{AF7A8B1F-B65C-4DD9-AB91-2D73330B0123}"/>
+              </a:ext>
+            </a:extLst>
+          </p:cNvPr>
+          <p:cNvSpPr txBox="1"/>
+          <p:nvPr/>
+        </p:nvSpPr>
+        <p:spPr>
+          <a:xfrm>
+            <a:off x="1900102" y="5179959"/>
+            <a:ext cx="1599797" cy="307777"/>
+          </a:xfrm>
+          <a:prstGeom prst="rect">
+            <a:avLst/>
+          </a:prstGeom>
+          <a:noFill/>
+        </p:spPr>
+        <p:txBody>
+          <a:bodyPr wrap="none" lIns="0" tIns="0" rIns="0" bIns="0" rtlCol="0">
+            <a:spAutoFit/>
+          </a:bodyPr>
+          <a:lstStyle/>
+          <a:p>
+            <a:r>
+              <a:rPr lang="en-US" sz="2000" dirty="0">
+                <a:solidFill>
+                  <a:srgbClr val="D60093"/>
+                </a:solidFill>
+                <a:latin typeface="Times New Roman" panose="02020603050405020304" pitchFamily="18" charset="0"/>
+                <a:cs typeface="Times New Roman" panose="02020603050405020304" pitchFamily="18" charset="0"/>
+              </a:rPr>
+              <a:t>5V/div 2ms/div</a:t>
+            </a:r>
+          </a:p>
+        </p:txBody>
+      </p:sp>
+      <p:sp>
+        <p:nvSpPr>
+          <p:cNvPr id="31" name="TextBox 30">
+            <a:extLst>
+              <a:ext uri="{FF2B5EF4-FFF2-40B4-BE49-F238E27FC236}">
+                <a16:creationId xmlns:a16="http://schemas.microsoft.com/office/drawing/2014/main" id="{FC15C05A-DC71-4884-B4B2-1C9DEDF4649E}"/>
+              </a:ext>
+            </a:extLst>
+          </p:cNvPr>
+          <p:cNvSpPr txBox="1"/>
+          <p:nvPr/>
+        </p:nvSpPr>
+        <p:spPr>
+          <a:xfrm>
+            <a:off x="6509093" y="5176856"/>
+            <a:ext cx="1599797" cy="307777"/>
+          </a:xfrm>
+          <a:prstGeom prst="rect">
+            <a:avLst/>
+          </a:prstGeom>
+          <a:noFill/>
+        </p:spPr>
+        <p:txBody>
+          <a:bodyPr wrap="none" lIns="0" tIns="0" rIns="0" bIns="0" rtlCol="0">
+            <a:spAutoFit/>
+          </a:bodyPr>
+          <a:lstStyle/>
+          <a:p>
+            <a:r>
+              <a:rPr lang="en-US" sz="2000" dirty="0">
+                <a:solidFill>
+                  <a:srgbClr val="D60093"/>
+                </a:solidFill>
+                <a:latin typeface="Times New Roman" panose="02020603050405020304" pitchFamily="18" charset="0"/>
+                <a:cs typeface="Times New Roman" panose="02020603050405020304" pitchFamily="18" charset="0"/>
+              </a:rPr>
+              <a:t>5V/div 2ms/div</a:t>
+            </a:r>
+          </a:p>
+        </p:txBody>
+      </p:sp>
+      <p:sp>
+        <p:nvSpPr>
+          <p:cNvPr id="36" name="Rectangle 35">
+            <a:extLst>
+              <a:ext uri="{FF2B5EF4-FFF2-40B4-BE49-F238E27FC236}">
+                <a16:creationId xmlns:a16="http://schemas.microsoft.com/office/drawing/2014/main" id="{702F9E77-4D7C-4B8B-AB97-96A297C0591C}"/>
+              </a:ext>
+            </a:extLst>
+          </p:cNvPr>
+          <p:cNvSpPr/>
+          <p:nvPr/>
+        </p:nvSpPr>
+        <p:spPr>
+          <a:xfrm>
+            <a:off x="492709" y="259684"/>
+            <a:ext cx="9170629" cy="93309"/>
+          </a:xfrm>
+          <a:prstGeom prst="rect">
+            <a:avLst/>
+          </a:prstGeom>
+          <a:solidFill>
+            <a:schemeClr val="bg1"/>
+          </a:solidFill>
+          <a:ln>
+            <a:solidFill>
+              <a:schemeClr val="bg1"/>
+            </a:solidFill>
+          </a:ln>
+        </p:spPr>
+        <p:style>
+          <a:lnRef idx="2">
+            <a:schemeClr val="accent1">
+              <a:shade val="50000"/>
+            </a:schemeClr>
+          </a:lnRef>
+          <a:fillRef idx="1">
+            <a:schemeClr val="accent1"/>
+          </a:fillRef>
+          <a:effectRef idx="0">
+            <a:schemeClr val="accent1"/>
+          </a:effectRef>
+          <a:fontRef idx="minor">
+            <a:schemeClr val="lt1"/>
+          </a:fontRef>
+        </p:style>
+        <p:txBody>
+          <a:bodyPr rtlCol="0" anchor="ctr"/>
+          <a:lstStyle/>
+          <a:p>
+            <a:pPr algn="ctr"/>
+            <a:endParaRPr lang="en-US" sz="2000"/>
+          </a:p>
+        </p:txBody>
+      </p:sp>
+      <p:sp>
+        <p:nvSpPr>
+          <p:cNvPr id="37" name="Rectangle 36">
+            <a:extLst>
+              <a:ext uri="{FF2B5EF4-FFF2-40B4-BE49-F238E27FC236}">
+                <a16:creationId xmlns:a16="http://schemas.microsoft.com/office/drawing/2014/main" id="{8C3A67CE-A1EE-410E-9879-BFDCC7066E61}"/>
+              </a:ext>
+            </a:extLst>
+          </p:cNvPr>
+          <p:cNvSpPr/>
+          <p:nvPr/>
+        </p:nvSpPr>
+        <p:spPr>
+          <a:xfrm>
+            <a:off x="431747" y="2792085"/>
+            <a:ext cx="9170629" cy="103191"/>
+          </a:xfrm>
+          <a:prstGeom prst="rect">
+            <a:avLst/>
+          </a:prstGeom>
+          <a:solidFill>
+            <a:schemeClr val="bg1"/>
+          </a:solidFill>
+          <a:ln>
+            <a:solidFill>
+              <a:schemeClr val="bg1"/>
+            </a:solidFill>
+          </a:ln>
+        </p:spPr>
+        <p:style>
+          <a:lnRef idx="2">
+            <a:schemeClr val="accent1">
+              <a:shade val="50000"/>
+            </a:schemeClr>
+          </a:lnRef>
+          <a:fillRef idx="1">
+            <a:schemeClr val="accent1"/>
+          </a:fillRef>
+          <a:effectRef idx="0">
+            <a:schemeClr val="accent1"/>
+          </a:effectRef>
+          <a:fontRef idx="minor">
+            <a:schemeClr val="lt1"/>
+          </a:fontRef>
+        </p:style>
+        <p:txBody>
+          <a:bodyPr rtlCol="0" anchor="ctr"/>
+          <a:lstStyle/>
+          <a:p>
+            <a:pPr algn="ctr"/>
+            <a:endParaRPr lang="en-US" sz="2000"/>
+          </a:p>
+        </p:txBody>
+      </p:sp>
+      <p:sp>
+        <p:nvSpPr>
+          <p:cNvPr id="38" name="Rectangle 37">
+            <a:extLst>
+              <a:ext uri="{FF2B5EF4-FFF2-40B4-BE49-F238E27FC236}">
+                <a16:creationId xmlns:a16="http://schemas.microsoft.com/office/drawing/2014/main" id="{78945E7B-FE46-4301-B63F-B90003D5581E}"/>
+              </a:ext>
+            </a:extLst>
+          </p:cNvPr>
+          <p:cNvSpPr/>
+          <p:nvPr/>
+        </p:nvSpPr>
+        <p:spPr>
+          <a:xfrm>
+            <a:off x="507860" y="2981952"/>
+            <a:ext cx="9170629" cy="103191"/>
+          </a:xfrm>
+          <a:prstGeom prst="rect">
+            <a:avLst/>
+          </a:prstGeom>
+          <a:solidFill>
+            <a:schemeClr val="bg1"/>
+          </a:solidFill>
+          <a:ln>
+            <a:solidFill>
+              <a:schemeClr val="bg1"/>
+            </a:solidFill>
+          </a:ln>
+        </p:spPr>
+        <p:style>
+          <a:lnRef idx="2">
+            <a:schemeClr val="accent1">
+              <a:shade val="50000"/>
+            </a:schemeClr>
+          </a:lnRef>
+          <a:fillRef idx="1">
+            <a:schemeClr val="accent1"/>
+          </a:fillRef>
+          <a:effectRef idx="0">
+            <a:schemeClr val="accent1"/>
+          </a:effectRef>
+          <a:fontRef idx="minor">
+            <a:schemeClr val="lt1"/>
+          </a:fontRef>
+        </p:style>
+        <p:txBody>
+          <a:bodyPr rtlCol="0" anchor="ctr"/>
+          <a:lstStyle/>
+          <a:p>
+            <a:pPr algn="ctr"/>
+            <a:endParaRPr lang="en-US" sz="2000"/>
+          </a:p>
+        </p:txBody>
+      </p:sp>
+      <p:sp>
+        <p:nvSpPr>
+          <p:cNvPr id="39" name="Rectangle 38">
+            <a:extLst>
+              <a:ext uri="{FF2B5EF4-FFF2-40B4-BE49-F238E27FC236}">
+                <a16:creationId xmlns:a16="http://schemas.microsoft.com/office/drawing/2014/main" id="{44F1721B-82FC-4CE1-87F3-CCC0099AAFBE}"/>
+              </a:ext>
+            </a:extLst>
+          </p:cNvPr>
+          <p:cNvSpPr/>
+          <p:nvPr/>
+        </p:nvSpPr>
+        <p:spPr>
+          <a:xfrm>
+            <a:off x="431747" y="5524235"/>
+            <a:ext cx="9170629" cy="103191"/>
+          </a:xfrm>
+          <a:prstGeom prst="rect">
+            <a:avLst/>
+          </a:prstGeom>
+          <a:solidFill>
+            <a:schemeClr val="bg1"/>
+          </a:solidFill>
+          <a:ln>
+            <a:solidFill>
+              <a:schemeClr val="bg1"/>
+            </a:solidFill>
+          </a:ln>
+        </p:spPr>
+        <p:style>
+          <a:lnRef idx="2">
+            <a:schemeClr val="accent1">
+              <a:shade val="50000"/>
+            </a:schemeClr>
+          </a:lnRef>
+          <a:fillRef idx="1">
+            <a:schemeClr val="accent1"/>
+          </a:fillRef>
+          <a:effectRef idx="0">
+            <a:schemeClr val="accent1"/>
+          </a:effectRef>
+          <a:fontRef idx="minor">
+            <a:schemeClr val="lt1"/>
+          </a:fontRef>
+        </p:style>
+        <p:txBody>
+          <a:bodyPr rtlCol="0" anchor="ctr"/>
+          <a:lstStyle/>
+          <a:p>
+            <a:pPr algn="ctr"/>
+            <a:endParaRPr lang="en-US"/>
+          </a:p>
+        </p:txBody>
+      </p:sp>
+      <p:sp>
+        <p:nvSpPr>
+          <p:cNvPr id="40" name="TextBox 39">
+            <a:extLst>
+              <a:ext uri="{FF2B5EF4-FFF2-40B4-BE49-F238E27FC236}">
+                <a16:creationId xmlns:a16="http://schemas.microsoft.com/office/drawing/2014/main" id="{BD15A0F4-C358-46B9-B459-F8568B7F9B26}"/>
+              </a:ext>
+            </a:extLst>
+          </p:cNvPr>
+          <p:cNvSpPr txBox="1"/>
+          <p:nvPr/>
+        </p:nvSpPr>
+        <p:spPr>
+          <a:xfrm>
+            <a:off x="2486110" y="2727625"/>
+            <a:ext cx="651849" cy="400110"/>
+          </a:xfrm>
+          <a:prstGeom prst="rect">
+            <a:avLst/>
+          </a:prstGeom>
+          <a:noFill/>
+        </p:spPr>
+        <p:txBody>
+          <a:bodyPr wrap="square" rtlCol="0">
+            <a:spAutoFit/>
+          </a:bodyPr>
+          <a:lstStyle/>
+          <a:p>
+            <a:r>
+              <a:rPr lang="en-US" sz="2000" dirty="0">
+                <a:latin typeface="Times New Roman" panose="02020603050405020304" pitchFamily="18" charset="0"/>
+                <a:cs typeface="Times New Roman" panose="02020603050405020304" pitchFamily="18" charset="0"/>
+              </a:rPr>
+              <a:t>(a)</a:t>
+            </a:r>
+          </a:p>
+        </p:txBody>
+      </p:sp>
+      <p:sp>
+        <p:nvSpPr>
+          <p:cNvPr id="41" name="TextBox 40">
+            <a:extLst>
+              <a:ext uri="{FF2B5EF4-FFF2-40B4-BE49-F238E27FC236}">
+                <a16:creationId xmlns:a16="http://schemas.microsoft.com/office/drawing/2014/main" id="{40AF513E-7968-415D-8C0A-7F0F496F9248}"/>
+              </a:ext>
+            </a:extLst>
+          </p:cNvPr>
+          <p:cNvSpPr txBox="1"/>
+          <p:nvPr/>
+        </p:nvSpPr>
+        <p:spPr>
+          <a:xfrm>
+            <a:off x="7176899" y="2723242"/>
+            <a:ext cx="651849" cy="400110"/>
+          </a:xfrm>
+          <a:prstGeom prst="rect">
+            <a:avLst/>
+          </a:prstGeom>
+          <a:noFill/>
+        </p:spPr>
+        <p:txBody>
+          <a:bodyPr wrap="square" rtlCol="0">
+            <a:spAutoFit/>
+          </a:bodyPr>
+          <a:lstStyle/>
+          <a:p>
+            <a:r>
+              <a:rPr lang="en-US" sz="2000" dirty="0">
+                <a:latin typeface="Times New Roman" panose="02020603050405020304" pitchFamily="18" charset="0"/>
+                <a:cs typeface="Times New Roman" panose="02020603050405020304" pitchFamily="18" charset="0"/>
+              </a:rPr>
+              <a:t>(b)</a:t>
+            </a:r>
+          </a:p>
+        </p:txBody>
+      </p:sp>
+      <p:sp>
+        <p:nvSpPr>
+          <p:cNvPr id="42" name="TextBox 41">
+            <a:extLst>
+              <a:ext uri="{FF2B5EF4-FFF2-40B4-BE49-F238E27FC236}">
+                <a16:creationId xmlns:a16="http://schemas.microsoft.com/office/drawing/2014/main" id="{C6320BB0-5BE9-4AE7-BA38-6C4011F7A5E6}"/>
+              </a:ext>
+            </a:extLst>
+          </p:cNvPr>
+          <p:cNvSpPr txBox="1"/>
+          <p:nvPr/>
+        </p:nvSpPr>
+        <p:spPr>
+          <a:xfrm>
+            <a:off x="2486109" y="5442760"/>
+            <a:ext cx="651849" cy="400110"/>
+          </a:xfrm>
+          <a:prstGeom prst="rect">
+            <a:avLst/>
+          </a:prstGeom>
+          <a:noFill/>
+        </p:spPr>
+        <p:txBody>
+          <a:bodyPr wrap="square" rtlCol="0">
+            <a:spAutoFit/>
+          </a:bodyPr>
+          <a:lstStyle/>
+          <a:p>
+            <a:r>
+              <a:rPr lang="en-US" sz="2000" dirty="0">
+                <a:latin typeface="Times New Roman" panose="02020603050405020304" pitchFamily="18" charset="0"/>
+                <a:cs typeface="Times New Roman" panose="02020603050405020304" pitchFamily="18" charset="0"/>
+              </a:rPr>
+              <a:t>(c)</a:t>
+            </a:r>
+          </a:p>
+        </p:txBody>
+      </p:sp>
+      <p:sp>
+        <p:nvSpPr>
+          <p:cNvPr id="43" name="TextBox 42">
+            <a:extLst>
+              <a:ext uri="{FF2B5EF4-FFF2-40B4-BE49-F238E27FC236}">
+                <a16:creationId xmlns:a16="http://schemas.microsoft.com/office/drawing/2014/main" id="{87824754-B8E7-4C72-828E-0A42F4171AAA}"/>
+              </a:ext>
+            </a:extLst>
+          </p:cNvPr>
+          <p:cNvSpPr txBox="1"/>
+          <p:nvPr/>
+        </p:nvSpPr>
+        <p:spPr>
+          <a:xfrm>
+            <a:off x="7203803" y="5453855"/>
+            <a:ext cx="651849" cy="400110"/>
+          </a:xfrm>
+          <a:prstGeom prst="rect">
+            <a:avLst/>
+          </a:prstGeom>
+          <a:noFill/>
+        </p:spPr>
+        <p:txBody>
+          <a:bodyPr wrap="square" rtlCol="0">
+            <a:spAutoFit/>
+          </a:bodyPr>
+          <a:lstStyle/>
+          <a:p>
+            <a:r>
+              <a:rPr lang="en-US" sz="2000" dirty="0">
+                <a:latin typeface="Times New Roman" panose="02020603050405020304" pitchFamily="18" charset="0"/>
+                <a:cs typeface="Times New Roman" panose="02020603050405020304" pitchFamily="18" charset="0"/>
+              </a:rPr>
+              <a:t>(d)</a:t>
+            </a:r>
+          </a:p>
+        </p:txBody>
+      </p:sp>
+    </p:spTree>
+    <p:extLst>
+      <p:ext uri="{BB962C8B-B14F-4D97-AF65-F5344CB8AC3E}">
+        <p14:creationId xmlns:p14="http://schemas.microsoft.com/office/powerpoint/2010/main" val="2666936553"/>
+      </p:ext>
+    </p:extLst>
+  </p:cSld>
+  <p:clrMapOvr>
+    <a:masterClrMapping/>
+  </p:clrMapOvr>
+</p:sld>
+</file>
+
+<file path=ppt/slides/slide3.xml><?xml version="1.0" encoding="utf-8"?>
+<p:sld xmlns:a="http://schemas.openxmlformats.org/drawingml/2006/main" xmlns:r="http://schemas.openxmlformats.org/officeDocument/2006/relationships" xmlns:p="http://schemas.openxmlformats.org/presentationml/2006/main">
+  <p:cSld>
+    <p:spTree>
+      <p:nvGrpSpPr>
+        <p:cNvPr id="1" name=""/>
+        <p:cNvGrpSpPr/>
+        <p:nvPr/>
+      </p:nvGrpSpPr>
+      <p:grpSpPr>
+        <a:xfrm>
+          <a:off x="0" y="0"/>
+          <a:ext cx="0" cy="0"/>
+          <a:chOff x="0" y="0"/>
+          <a:chExt cx="0" cy="0"/>
+        </a:xfrm>
+      </p:grpSpPr>
+      <p:grpSp>
+        <p:nvGrpSpPr>
+          <p:cNvPr id="3" name="Group 2">
+            <a:extLst>
+              <a:ext uri="{FF2B5EF4-FFF2-40B4-BE49-F238E27FC236}">
+                <a16:creationId xmlns:a16="http://schemas.microsoft.com/office/drawing/2014/main" id="{E180D3EF-801C-4469-8C59-BB095674F2C0}"/>
+              </a:ext>
+            </a:extLst>
+          </p:cNvPr>
+          <p:cNvGrpSpPr/>
+          <p:nvPr/>
+        </p:nvGrpSpPr>
+        <p:grpSpPr>
+          <a:xfrm>
+            <a:off x="679397" y="557494"/>
+            <a:ext cx="4532775" cy="2594694"/>
+            <a:chOff x="431747" y="266034"/>
+            <a:chExt cx="4532775" cy="2594694"/>
+          </a:xfrm>
+        </p:grpSpPr>
+        <p:grpSp>
+          <p:nvGrpSpPr>
+            <p:cNvPr id="2" name="Group 1">
+              <a:extLst>
+                <a:ext uri="{FF2B5EF4-FFF2-40B4-BE49-F238E27FC236}">
+                  <a16:creationId xmlns:a16="http://schemas.microsoft.com/office/drawing/2014/main" id="{8A8CDC99-DE89-41E8-A0C6-39DB0F23B786}"/>
+                </a:ext>
+              </a:extLst>
+            </p:cNvPr>
+            <p:cNvGrpSpPr/>
+            <p:nvPr/>
+          </p:nvGrpSpPr>
+          <p:grpSpPr>
+            <a:xfrm>
+              <a:off x="507860" y="322095"/>
+              <a:ext cx="4456661" cy="2485747"/>
+              <a:chOff x="507860" y="322095"/>
+              <a:chExt cx="4456661" cy="2485747"/>
+            </a:xfrm>
+          </p:grpSpPr>
+          <p:pic>
+            <p:nvPicPr>
+              <p:cNvPr id="24" name="Picture 23">
+                <a:extLst>
+                  <a:ext uri="{FF2B5EF4-FFF2-40B4-BE49-F238E27FC236}">
+                    <a16:creationId xmlns:a16="http://schemas.microsoft.com/office/drawing/2014/main" id="{321CD74C-AE24-41A1-B997-D6C4E7DBD0C9}"/>
+                  </a:ext>
+                </a:extLst>
+              </p:cNvPr>
+              <p:cNvPicPr>
+                <a:picLocks noChangeAspect="1"/>
+              </p:cNvPicPr>
+              <p:nvPr/>
+            </p:nvPicPr>
+            <p:blipFill rotWithShape="1">
+              <a:blip r:embed="rId2">
+                <a:extLst>
+                  <a:ext uri="{28A0092B-C50C-407E-A947-70E740481C1C}">
+                    <a14:useLocalDpi xmlns:a14="http://schemas.microsoft.com/office/drawing/2010/main" val="0"/>
+                  </a:ext>
+                </a:extLst>
+              </a:blip>
+              <a:srcRect l="1943" t="8246" r="-1" b="39658"/>
+              <a:stretch/>
+            </p:blipFill>
+            <p:spPr>
+              <a:xfrm>
+                <a:off x="507860" y="322095"/>
+                <a:ext cx="4456661" cy="2485747"/>
+              </a:xfrm>
+              <a:prstGeom prst="rect">
+                <a:avLst/>
+              </a:prstGeom>
+            </p:spPr>
+          </p:pic>
+          <p:sp>
+            <p:nvSpPr>
+              <p:cNvPr id="28" name="TextBox 27">
+                <a:extLst>
+                  <a:ext uri="{FF2B5EF4-FFF2-40B4-BE49-F238E27FC236}">
+                    <a16:creationId xmlns:a16="http://schemas.microsoft.com/office/drawing/2014/main" id="{B7802FFF-9143-4BC6-BDFF-0CCC95643106}"/>
+                  </a:ext>
+                </a:extLst>
+              </p:cNvPr>
+              <p:cNvSpPr txBox="1"/>
+              <p:nvPr/>
+            </p:nvSpPr>
+            <p:spPr>
+              <a:xfrm>
+                <a:off x="1900102" y="2454916"/>
+                <a:ext cx="1599797" cy="307777"/>
+              </a:xfrm>
+              <a:prstGeom prst="rect">
+                <a:avLst/>
+              </a:prstGeom>
+              <a:noFill/>
+            </p:spPr>
+            <p:txBody>
+              <a:bodyPr wrap="none" lIns="0" tIns="0" rIns="0" bIns="0" rtlCol="0">
+                <a:spAutoFit/>
+              </a:bodyPr>
+              <a:lstStyle/>
+              <a:p>
+                <a:r>
+                  <a:rPr lang="en-US" sz="2000" dirty="0">
+                    <a:solidFill>
+                      <a:srgbClr val="D60093"/>
+                    </a:solidFill>
+                    <a:latin typeface="Times New Roman" panose="02020603050405020304" pitchFamily="18" charset="0"/>
+                    <a:cs typeface="Times New Roman" panose="02020603050405020304" pitchFamily="18" charset="0"/>
+                  </a:rPr>
+                  <a:t>5V/div 2ms/div</a:t>
+                </a:r>
+              </a:p>
+            </p:txBody>
+          </p:sp>
+        </p:grpSp>
+        <p:sp>
+          <p:nvSpPr>
+            <p:cNvPr id="36" name="Rectangle 35">
+              <a:extLst>
+                <a:ext uri="{FF2B5EF4-FFF2-40B4-BE49-F238E27FC236}">
+                  <a16:creationId xmlns:a16="http://schemas.microsoft.com/office/drawing/2014/main" id="{702F9E77-4D7C-4B8B-AB97-96A297C0591C}"/>
+                </a:ext>
+              </a:extLst>
+            </p:cNvPr>
+            <p:cNvSpPr/>
+            <p:nvPr/>
+          </p:nvSpPr>
+          <p:spPr>
+            <a:xfrm>
+              <a:off x="492710" y="266034"/>
+              <a:ext cx="4471812" cy="103191"/>
+            </a:xfrm>
+            <a:prstGeom prst="rect">
+              <a:avLst/>
+            </a:prstGeom>
+            <a:solidFill>
+              <a:schemeClr val="bg1"/>
+            </a:solidFill>
+            <a:ln>
+              <a:solidFill>
+                <a:schemeClr val="bg1"/>
+              </a:solidFill>
+            </a:ln>
+          </p:spPr>
+          <p:style>
+            <a:lnRef idx="2">
+              <a:schemeClr val="accent1">
+                <a:shade val="50000"/>
+              </a:schemeClr>
+            </a:lnRef>
+            <a:fillRef idx="1">
+              <a:schemeClr val="accent1"/>
+            </a:fillRef>
+            <a:effectRef idx="0">
+              <a:schemeClr val="accent1"/>
+            </a:effectRef>
+            <a:fontRef idx="minor">
+              <a:schemeClr val="lt1"/>
+            </a:fontRef>
+          </p:style>
+          <p:txBody>
+            <a:bodyPr rtlCol="0" anchor="ctr"/>
+            <a:lstStyle/>
+            <a:p>
+              <a:pPr algn="ctr"/>
+              <a:endParaRPr lang="en-US" sz="2000"/>
+            </a:p>
+          </p:txBody>
+        </p:sp>
+        <p:sp>
+          <p:nvSpPr>
+            <p:cNvPr id="37" name="Rectangle 36">
+              <a:extLst>
+                <a:ext uri="{FF2B5EF4-FFF2-40B4-BE49-F238E27FC236}">
+                  <a16:creationId xmlns:a16="http://schemas.microsoft.com/office/drawing/2014/main" id="{8C3A67CE-A1EE-410E-9879-BFDCC7066E61}"/>
+                </a:ext>
+              </a:extLst>
+            </p:cNvPr>
+            <p:cNvSpPr/>
+            <p:nvPr/>
+          </p:nvSpPr>
+          <p:spPr>
+            <a:xfrm>
+              <a:off x="431747" y="2782561"/>
+              <a:ext cx="4499027" cy="78167"/>
+            </a:xfrm>
+            <a:prstGeom prst="rect">
+              <a:avLst/>
+            </a:prstGeom>
+            <a:solidFill>
+              <a:schemeClr val="bg1"/>
+            </a:solidFill>
+            <a:ln>
+              <a:solidFill>
+                <a:schemeClr val="bg1"/>
+              </a:solidFill>
+            </a:ln>
+          </p:spPr>
+          <p:style>
+            <a:lnRef idx="2">
+              <a:schemeClr val="accent1">
+                <a:shade val="50000"/>
+              </a:schemeClr>
+            </a:lnRef>
+            <a:fillRef idx="1">
+              <a:schemeClr val="accent1"/>
+            </a:fillRef>
+            <a:effectRef idx="0">
+              <a:schemeClr val="accent1"/>
+            </a:effectRef>
+            <a:fontRef idx="minor">
+              <a:schemeClr val="lt1"/>
+            </a:fontRef>
+          </p:style>
+          <p:txBody>
+            <a:bodyPr rtlCol="0" anchor="ctr"/>
+            <a:lstStyle/>
+            <a:p>
+              <a:pPr algn="ctr"/>
+              <a:endParaRPr lang="en-US" sz="2000"/>
+            </a:p>
+          </p:txBody>
+        </p:sp>
+      </p:grpSp>
+      <p:pic>
+        <p:nvPicPr>
+          <p:cNvPr id="6" name="Picture 5">
+            <a:extLst>
+              <a:ext uri="{FF2B5EF4-FFF2-40B4-BE49-F238E27FC236}">
+                <a16:creationId xmlns:a16="http://schemas.microsoft.com/office/drawing/2014/main" id="{8DC4E6DC-EE69-4142-9CDA-E530879368CF}"/>
+              </a:ext>
+            </a:extLst>
+          </p:cNvPr>
+          <p:cNvPicPr>
+            <a:picLocks noChangeAspect="1"/>
+          </p:cNvPicPr>
+          <p:nvPr/>
+        </p:nvPicPr>
+        <p:blipFill rotWithShape="1">
+          <a:blip r:embed="rId3"/>
+          <a:srcRect b="19465"/>
+          <a:stretch/>
+        </p:blipFill>
+        <p:spPr>
+          <a:xfrm>
+            <a:off x="5334000" y="320650"/>
+            <a:ext cx="4762500" cy="1534191"/>
+          </a:xfrm>
+          <a:prstGeom prst="rect">
+            <a:avLst/>
+          </a:prstGeom>
+        </p:spPr>
+      </p:pic>
+      <p:pic>
+        <p:nvPicPr>
+          <p:cNvPr id="7" name="Picture 6">
+            <a:extLst>
+              <a:ext uri="{FF2B5EF4-FFF2-40B4-BE49-F238E27FC236}">
+                <a16:creationId xmlns:a16="http://schemas.microsoft.com/office/drawing/2014/main" id="{688BC06E-03A2-4495-A922-88E34E88A504}"/>
+              </a:ext>
+            </a:extLst>
+          </p:cNvPr>
+          <p:cNvPicPr>
+            <a:picLocks noChangeAspect="1"/>
+          </p:cNvPicPr>
+          <p:nvPr/>
+        </p:nvPicPr>
+        <p:blipFill>
+          <a:blip r:embed="rId4"/>
+          <a:stretch>
+            <a:fillRect/>
+          </a:stretch>
+        </p:blipFill>
+        <p:spPr>
+          <a:xfrm>
+            <a:off x="5334000" y="1854841"/>
+            <a:ext cx="4762500" cy="1905000"/>
+          </a:xfrm>
+          <a:prstGeom prst="rect">
+            <a:avLst/>
+          </a:prstGeom>
+        </p:spPr>
+      </p:pic>
+      <p:sp>
+        <p:nvSpPr>
+          <p:cNvPr id="21" name="TextBox 20">
+            <a:extLst>
+              <a:ext uri="{FF2B5EF4-FFF2-40B4-BE49-F238E27FC236}">
+                <a16:creationId xmlns:a16="http://schemas.microsoft.com/office/drawing/2014/main" id="{2CC0D401-F1BE-4F2E-B615-ABA225D70093}"/>
+              </a:ext>
+            </a:extLst>
+          </p:cNvPr>
+          <p:cNvSpPr txBox="1"/>
+          <p:nvPr/>
+        </p:nvSpPr>
+        <p:spPr>
+          <a:xfrm>
+            <a:off x="2836457" y="301312"/>
+            <a:ext cx="4143373" cy="307777"/>
+          </a:xfrm>
+          <a:prstGeom prst="rect">
+            <a:avLst/>
+          </a:prstGeom>
+          <a:noFill/>
+        </p:spPr>
+        <p:txBody>
+          <a:bodyPr wrap="square" rtlCol="0">
+            <a:spAutoFit/>
+          </a:bodyPr>
+          <a:lstStyle/>
+          <a:p>
+            <a:r>
+              <a:rPr lang="en-US" sz="1400" dirty="0">
+                <a:latin typeface="Times New Roman" panose="02020603050405020304" pitchFamily="18" charset="0"/>
+                <a:cs typeface="Times New Roman" panose="02020603050405020304" pitchFamily="18" charset="0"/>
+              </a:rPr>
+              <a:t>Switching frequency and its sidebands</a:t>
+            </a:r>
+          </a:p>
+        </p:txBody>
+      </p:sp>
+      <p:sp>
+        <p:nvSpPr>
+          <p:cNvPr id="47" name="TextBox 46">
+            <a:extLst>
+              <a:ext uri="{FF2B5EF4-FFF2-40B4-BE49-F238E27FC236}">
+                <a16:creationId xmlns:a16="http://schemas.microsoft.com/office/drawing/2014/main" id="{AEA3AB18-AC36-439C-8400-FB2FD2B194B7}"/>
+              </a:ext>
+            </a:extLst>
+          </p:cNvPr>
+          <p:cNvSpPr txBox="1"/>
+          <p:nvPr/>
+        </p:nvSpPr>
+        <p:spPr>
+          <a:xfrm>
+            <a:off x="3398432" y="3191593"/>
+            <a:ext cx="4143373" cy="307777"/>
+          </a:xfrm>
+          <a:prstGeom prst="rect">
+            <a:avLst/>
+          </a:prstGeom>
+          <a:noFill/>
+        </p:spPr>
+        <p:txBody>
+          <a:bodyPr wrap="square" rtlCol="0">
+            <a:spAutoFit/>
+          </a:bodyPr>
+          <a:lstStyle/>
+          <a:p>
+            <a:r>
+              <a:rPr lang="en-US" sz="1400" dirty="0">
+                <a:latin typeface="Times New Roman" panose="02020603050405020304" pitchFamily="18" charset="0"/>
+                <a:cs typeface="Times New Roman" panose="02020603050405020304" pitchFamily="18" charset="0"/>
+              </a:rPr>
+              <a:t>Fundamental frequency</a:t>
+            </a:r>
+          </a:p>
+        </p:txBody>
+      </p:sp>
+    </p:spTree>
+    <p:extLst>
+      <p:ext uri="{BB962C8B-B14F-4D97-AF65-F5344CB8AC3E}">
+        <p14:creationId xmlns:p14="http://schemas.microsoft.com/office/powerpoint/2010/main" val="2807581272"/>
+      </p:ext>
+    </p:extLst>
+  </p:cSld>
+  <p:clrMapOvr>
+    <a:masterClrMapping/>
+  </p:clrMapOvr>
+</p:sld>
+</file>
+
+<file path=ppt/slides/slide4.xml><?xml version="1.0" encoding="utf-8"?>
+<p:sld xmlns:a="http://schemas.openxmlformats.org/drawingml/2006/main" xmlns:r="http://schemas.openxmlformats.org/officeDocument/2006/relationships" xmlns:p="http://schemas.openxmlformats.org/presentationml/2006/main">
+  <p:cSld>
+    <p:spTree>
+      <p:nvGrpSpPr>
+        <p:cNvPr id="1" name=""/>
+        <p:cNvGrpSpPr/>
+        <p:nvPr/>
+      </p:nvGrpSpPr>
+      <p:grpSpPr>
+        <a:xfrm>
+          <a:off x="0" y="0"/>
+          <a:ext cx="0" cy="0"/>
+          <a:chOff x="0" y="0"/>
+          <a:chExt cx="0" cy="0"/>
+        </a:xfrm>
+      </p:grpSpPr>
+      <p:grpSp>
+        <p:nvGrpSpPr>
+          <p:cNvPr id="4" name="Group 3">
+            <a:extLst>
+              <a:ext uri="{FF2B5EF4-FFF2-40B4-BE49-F238E27FC236}">
+                <a16:creationId xmlns:a16="http://schemas.microsoft.com/office/drawing/2014/main" id="{13E78190-F262-47A6-BBE6-F08ECC3E295F}"/>
+              </a:ext>
+            </a:extLst>
+          </p:cNvPr>
+          <p:cNvGrpSpPr/>
+          <p:nvPr/>
+        </p:nvGrpSpPr>
+        <p:grpSpPr>
+          <a:xfrm>
+            <a:off x="964240" y="859053"/>
+            <a:ext cx="4517623" cy="2527975"/>
+            <a:chOff x="5145715" y="306338"/>
+            <a:chExt cx="4517623" cy="2527975"/>
+          </a:xfrm>
+        </p:grpSpPr>
+        <p:pic>
+          <p:nvPicPr>
+            <p:cNvPr id="12" name="Picture 11">
+              <a:extLst>
+                <a:ext uri="{FF2B5EF4-FFF2-40B4-BE49-F238E27FC236}">
+                  <a16:creationId xmlns:a16="http://schemas.microsoft.com/office/drawing/2014/main" id="{35999B61-699E-48FC-BBC2-8ADC927DB047}"/>
+                </a:ext>
+              </a:extLst>
+            </p:cNvPr>
+            <p:cNvPicPr>
+              <a:picLocks noChangeAspect="1"/>
+            </p:cNvPicPr>
+            <p:nvPr/>
+          </p:nvPicPr>
+          <p:blipFill rotWithShape="1">
+            <a:blip r:embed="rId2">
+              <a:extLst>
+                <a:ext uri="{28A0092B-C50C-407E-A947-70E740481C1C}">
+                  <a14:useLocalDpi xmlns:a14="http://schemas.microsoft.com/office/drawing/2010/main" val="0"/>
+                </a:ext>
+              </a:extLst>
+            </a:blip>
+            <a:srcRect l="1942" t="8041" b="39863"/>
+            <a:stretch/>
+          </p:blipFill>
+          <p:spPr>
+            <a:xfrm>
+              <a:off x="5206677" y="306338"/>
+              <a:ext cx="4456661" cy="2485747"/>
+            </a:xfrm>
+            <a:prstGeom prst="rect">
+              <a:avLst/>
+            </a:prstGeom>
+          </p:spPr>
+        </p:pic>
+        <p:sp>
+          <p:nvSpPr>
+            <p:cNvPr id="14" name="TextBox 13">
+              <a:extLst>
+                <a:ext uri="{FF2B5EF4-FFF2-40B4-BE49-F238E27FC236}">
+                  <a16:creationId xmlns:a16="http://schemas.microsoft.com/office/drawing/2014/main" id="{68B5FFE4-3313-4975-BA22-2A22CA6B63D5}"/>
+                </a:ext>
+              </a:extLst>
+            </p:cNvPr>
+            <p:cNvSpPr txBox="1"/>
+            <p:nvPr/>
+          </p:nvSpPr>
+          <p:spPr>
+            <a:xfrm>
+              <a:off x="6509093" y="2468433"/>
+              <a:ext cx="1599797" cy="307777"/>
+            </a:xfrm>
+            <a:prstGeom prst="rect">
+              <a:avLst/>
+            </a:prstGeom>
+            <a:noFill/>
+          </p:spPr>
+          <p:txBody>
+            <a:bodyPr wrap="none" lIns="0" tIns="0" rIns="0" bIns="0" rtlCol="0">
+              <a:spAutoFit/>
+            </a:bodyPr>
+            <a:lstStyle/>
+            <a:p>
+              <a:r>
+                <a:rPr lang="en-US" sz="2000" dirty="0">
+                  <a:solidFill>
+                    <a:srgbClr val="D60093"/>
+                  </a:solidFill>
+                  <a:latin typeface="Times New Roman" panose="02020603050405020304" pitchFamily="18" charset="0"/>
+                  <a:cs typeface="Times New Roman" panose="02020603050405020304" pitchFamily="18" charset="0"/>
+                </a:rPr>
+                <a:t>5V/div 2ms/div</a:t>
+              </a:r>
+            </a:p>
+          </p:txBody>
+        </p:sp>
+        <p:sp>
+          <p:nvSpPr>
+            <p:cNvPr id="15" name="Rectangle 14">
+              <a:extLst>
+                <a:ext uri="{FF2B5EF4-FFF2-40B4-BE49-F238E27FC236}">
+                  <a16:creationId xmlns:a16="http://schemas.microsoft.com/office/drawing/2014/main" id="{78DFC47B-2121-4E62-A325-F5D8437DC917}"/>
+                </a:ext>
+              </a:extLst>
+            </p:cNvPr>
+            <p:cNvSpPr/>
+            <p:nvPr/>
+          </p:nvSpPr>
+          <p:spPr>
+            <a:xfrm>
+              <a:off x="5145715" y="316834"/>
+              <a:ext cx="4517623" cy="45719"/>
+            </a:xfrm>
+            <a:prstGeom prst="rect">
+              <a:avLst/>
+            </a:prstGeom>
+            <a:solidFill>
+              <a:schemeClr val="bg1"/>
+            </a:solidFill>
+            <a:ln>
+              <a:solidFill>
+                <a:schemeClr val="bg1"/>
+              </a:solidFill>
+            </a:ln>
+          </p:spPr>
+          <p:style>
+            <a:lnRef idx="2">
+              <a:schemeClr val="accent1">
+                <a:shade val="50000"/>
+              </a:schemeClr>
+            </a:lnRef>
+            <a:fillRef idx="1">
+              <a:schemeClr val="accent1"/>
+            </a:fillRef>
+            <a:effectRef idx="0">
+              <a:schemeClr val="accent1"/>
+            </a:effectRef>
+            <a:fontRef idx="minor">
+              <a:schemeClr val="lt1"/>
+            </a:fontRef>
+          </p:style>
+          <p:txBody>
+            <a:bodyPr rtlCol="0" anchor="ctr"/>
+            <a:lstStyle/>
+            <a:p>
+              <a:pPr algn="ctr"/>
+              <a:endParaRPr lang="en-US" sz="2000"/>
+            </a:p>
+          </p:txBody>
+        </p:sp>
+        <p:sp>
+          <p:nvSpPr>
+            <p:cNvPr id="16" name="Rectangle 15">
+              <a:extLst>
+                <a:ext uri="{FF2B5EF4-FFF2-40B4-BE49-F238E27FC236}">
+                  <a16:creationId xmlns:a16="http://schemas.microsoft.com/office/drawing/2014/main" id="{618753A9-6D96-409A-9FF4-CE4D5597EC24}"/>
+                </a:ext>
+              </a:extLst>
+            </p:cNvPr>
+            <p:cNvSpPr/>
+            <p:nvPr/>
+          </p:nvSpPr>
+          <p:spPr>
+            <a:xfrm>
+              <a:off x="5145715" y="2788594"/>
+              <a:ext cx="4517623" cy="45719"/>
+            </a:xfrm>
+            <a:prstGeom prst="rect">
+              <a:avLst/>
+            </a:prstGeom>
+            <a:solidFill>
+              <a:schemeClr val="bg1"/>
+            </a:solidFill>
+            <a:ln>
+              <a:solidFill>
+                <a:schemeClr val="bg1"/>
+              </a:solidFill>
+            </a:ln>
+          </p:spPr>
+          <p:style>
+            <a:lnRef idx="2">
+              <a:schemeClr val="accent1">
+                <a:shade val="50000"/>
+              </a:schemeClr>
+            </a:lnRef>
+            <a:fillRef idx="1">
+              <a:schemeClr val="accent1"/>
+            </a:fillRef>
+            <a:effectRef idx="0">
+              <a:schemeClr val="accent1"/>
+            </a:effectRef>
+            <a:fontRef idx="minor">
+              <a:schemeClr val="lt1"/>
+            </a:fontRef>
+          </p:style>
+          <p:txBody>
+            <a:bodyPr rtlCol="0" anchor="ctr"/>
+            <a:lstStyle/>
+            <a:p>
+              <a:pPr algn="ctr"/>
+              <a:endParaRPr lang="en-US" sz="2000"/>
+            </a:p>
+          </p:txBody>
+        </p:sp>
+      </p:grpSp>
+      <p:pic>
+        <p:nvPicPr>
+          <p:cNvPr id="5" name="Picture 4">
+            <a:extLst>
+              <a:ext uri="{FF2B5EF4-FFF2-40B4-BE49-F238E27FC236}">
+                <a16:creationId xmlns:a16="http://schemas.microsoft.com/office/drawing/2014/main" id="{F4E15698-7BAF-4E99-8555-CC7268C6DA3E}"/>
+              </a:ext>
+            </a:extLst>
+          </p:cNvPr>
+          <p:cNvPicPr>
+            <a:picLocks noChangeAspect="1"/>
+          </p:cNvPicPr>
+          <p:nvPr/>
+        </p:nvPicPr>
+        <p:blipFill rotWithShape="1">
+          <a:blip r:embed="rId3"/>
+          <a:srcRect b="19400"/>
+          <a:stretch/>
+        </p:blipFill>
+        <p:spPr>
+          <a:xfrm>
+            <a:off x="5600700" y="600075"/>
+            <a:ext cx="4762500" cy="1535431"/>
+          </a:xfrm>
+          <a:prstGeom prst="rect">
+            <a:avLst/>
+          </a:prstGeom>
+        </p:spPr>
+      </p:pic>
+      <p:pic>
+        <p:nvPicPr>
+          <p:cNvPr id="8" name="Picture 7">
+            <a:extLst>
+              <a:ext uri="{FF2B5EF4-FFF2-40B4-BE49-F238E27FC236}">
+                <a16:creationId xmlns:a16="http://schemas.microsoft.com/office/drawing/2014/main" id="{37563B49-F58E-4093-82F4-AFA27FD5600D}"/>
+              </a:ext>
+            </a:extLst>
+          </p:cNvPr>
+          <p:cNvPicPr>
+            <a:picLocks noChangeAspect="1"/>
+          </p:cNvPicPr>
+          <p:nvPr/>
+        </p:nvPicPr>
+        <p:blipFill>
+          <a:blip r:embed="rId4"/>
+          <a:stretch>
+            <a:fillRect/>
+          </a:stretch>
+        </p:blipFill>
+        <p:spPr>
+          <a:xfrm>
+            <a:off x="5600700" y="2135506"/>
+            <a:ext cx="4762500" cy="1905000"/>
+          </a:xfrm>
+          <a:prstGeom prst="rect">
+            <a:avLst/>
+          </a:prstGeom>
+        </p:spPr>
+      </p:pic>
+      <p:grpSp>
+        <p:nvGrpSpPr>
+          <p:cNvPr id="23" name="Group 22">
+            <a:extLst>
+              <a:ext uri="{FF2B5EF4-FFF2-40B4-BE49-F238E27FC236}">
+                <a16:creationId xmlns:a16="http://schemas.microsoft.com/office/drawing/2014/main" id="{7E85E6A9-6CEF-4CDB-9325-733478B88D65}"/>
+              </a:ext>
+            </a:extLst>
+          </p:cNvPr>
+          <p:cNvGrpSpPr/>
+          <p:nvPr/>
+        </p:nvGrpSpPr>
+        <p:grpSpPr>
+          <a:xfrm>
+            <a:off x="4754972" y="824194"/>
+            <a:ext cx="1179103" cy="414056"/>
+            <a:chOff x="4573997" y="595594"/>
+            <a:chExt cx="1179103" cy="414056"/>
+          </a:xfrm>
+        </p:grpSpPr>
+        <p:cxnSp>
+          <p:nvCxnSpPr>
+            <p:cNvPr id="25" name="Straight Arrow Connector 24">
+              <a:extLst>
+                <a:ext uri="{FF2B5EF4-FFF2-40B4-BE49-F238E27FC236}">
+                  <a16:creationId xmlns:a16="http://schemas.microsoft.com/office/drawing/2014/main" id="{556227A5-1191-4F95-A96F-29EA30DB1A3E}"/>
+                </a:ext>
+              </a:extLst>
+            </p:cNvPr>
+            <p:cNvCxnSpPr>
+              <a:cxnSpLocks/>
+            </p:cNvCxnSpPr>
+            <p:nvPr/>
+          </p:nvCxnSpPr>
+          <p:spPr>
+            <a:xfrm>
+              <a:off x="4573997" y="595594"/>
+              <a:ext cx="1179103" cy="13495"/>
+            </a:xfrm>
+            <a:prstGeom prst="straightConnector1">
+              <a:avLst/>
+            </a:prstGeom>
+            <a:ln>
+              <a:solidFill>
+                <a:schemeClr val="tx1"/>
+              </a:solidFill>
+              <a:tailEnd type="triangle"/>
+            </a:ln>
+          </p:spPr>
+          <p:style>
+            <a:lnRef idx="1">
+              <a:schemeClr val="accent1"/>
+            </a:lnRef>
+            <a:fillRef idx="0">
+              <a:schemeClr val="accent1"/>
+            </a:fillRef>
+            <a:effectRef idx="0">
+              <a:schemeClr val="accent1"/>
+            </a:effectRef>
+            <a:fontRef idx="minor">
+              <a:schemeClr val="tx1"/>
+            </a:fontRef>
+          </p:style>
+        </p:cxnSp>
+        <p:cxnSp>
+          <p:nvCxnSpPr>
+            <p:cNvPr id="26" name="Straight Connector 25">
+              <a:extLst>
+                <a:ext uri="{FF2B5EF4-FFF2-40B4-BE49-F238E27FC236}">
+                  <a16:creationId xmlns:a16="http://schemas.microsoft.com/office/drawing/2014/main" id="{8694E0D3-2DF4-451F-B1A5-F01D923266D0}"/>
+                </a:ext>
+              </a:extLst>
+            </p:cNvPr>
+            <p:cNvCxnSpPr>
+              <a:cxnSpLocks/>
+            </p:cNvCxnSpPr>
+            <p:nvPr/>
+          </p:nvCxnSpPr>
+          <p:spPr>
+            <a:xfrm>
+              <a:off x="4573997" y="609089"/>
+              <a:ext cx="0" cy="400561"/>
+            </a:xfrm>
+            <a:prstGeom prst="line">
+              <a:avLst/>
+            </a:prstGeom>
+            <a:ln>
+              <a:solidFill>
+                <a:schemeClr val="tx1"/>
+              </a:solidFill>
+            </a:ln>
+          </p:spPr>
+          <p:style>
+            <a:lnRef idx="1">
+              <a:schemeClr val="accent1"/>
+            </a:lnRef>
+            <a:fillRef idx="0">
+              <a:schemeClr val="accent1"/>
+            </a:fillRef>
+            <a:effectRef idx="0">
+              <a:schemeClr val="accent1"/>
+            </a:effectRef>
+            <a:fontRef idx="minor">
+              <a:schemeClr val="tx1"/>
+            </a:fontRef>
+          </p:style>
+        </p:cxnSp>
+      </p:grpSp>
+      <p:grpSp>
+        <p:nvGrpSpPr>
+          <p:cNvPr id="27" name="Group 26">
+            <a:extLst>
+              <a:ext uri="{FF2B5EF4-FFF2-40B4-BE49-F238E27FC236}">
+                <a16:creationId xmlns:a16="http://schemas.microsoft.com/office/drawing/2014/main" id="{61A919A9-1834-4833-B994-EA6344FAFE0F}"/>
+              </a:ext>
+            </a:extLst>
+          </p:cNvPr>
+          <p:cNvGrpSpPr/>
+          <p:nvPr/>
+        </p:nvGrpSpPr>
+        <p:grpSpPr>
+          <a:xfrm>
+            <a:off x="4731214" y="3011292"/>
+            <a:ext cx="1179103" cy="444630"/>
+            <a:chOff x="4573997" y="164459"/>
+            <a:chExt cx="1179103" cy="444630"/>
+          </a:xfrm>
+        </p:grpSpPr>
+        <p:cxnSp>
+          <p:nvCxnSpPr>
+            <p:cNvPr id="29" name="Straight Arrow Connector 28">
+              <a:extLst>
+                <a:ext uri="{FF2B5EF4-FFF2-40B4-BE49-F238E27FC236}">
+                  <a16:creationId xmlns:a16="http://schemas.microsoft.com/office/drawing/2014/main" id="{9855CE49-DF3E-4306-B270-FA4518641FC5}"/>
+                </a:ext>
+              </a:extLst>
+            </p:cNvPr>
+            <p:cNvCxnSpPr>
+              <a:cxnSpLocks/>
+            </p:cNvCxnSpPr>
+            <p:nvPr/>
+          </p:nvCxnSpPr>
+          <p:spPr>
+            <a:xfrm>
+              <a:off x="4573997" y="595594"/>
+              <a:ext cx="1179103" cy="13495"/>
+            </a:xfrm>
+            <a:prstGeom prst="straightConnector1">
+              <a:avLst/>
+            </a:prstGeom>
+            <a:ln>
+              <a:solidFill>
+                <a:schemeClr val="tx1"/>
+              </a:solidFill>
+              <a:tailEnd type="triangle"/>
+            </a:ln>
+          </p:spPr>
+          <p:style>
+            <a:lnRef idx="1">
+              <a:schemeClr val="accent1"/>
+            </a:lnRef>
+            <a:fillRef idx="0">
+              <a:schemeClr val="accent1"/>
+            </a:fillRef>
+            <a:effectRef idx="0">
+              <a:schemeClr val="accent1"/>
+            </a:effectRef>
+            <a:fontRef idx="minor">
+              <a:schemeClr val="tx1"/>
+            </a:fontRef>
+          </p:style>
+        </p:cxnSp>
+        <p:cxnSp>
+          <p:nvCxnSpPr>
+            <p:cNvPr id="30" name="Straight Connector 29">
+              <a:extLst>
+                <a:ext uri="{FF2B5EF4-FFF2-40B4-BE49-F238E27FC236}">
+                  <a16:creationId xmlns:a16="http://schemas.microsoft.com/office/drawing/2014/main" id="{48FBECC1-6E15-4F72-82AC-51B50450EA8F}"/>
+                </a:ext>
+              </a:extLst>
+            </p:cNvPr>
+            <p:cNvCxnSpPr>
+              <a:cxnSpLocks/>
+            </p:cNvCxnSpPr>
+            <p:nvPr/>
+          </p:nvCxnSpPr>
+          <p:spPr>
+            <a:xfrm flipV="1">
+              <a:off x="4573997" y="164459"/>
+              <a:ext cx="0" cy="444630"/>
+            </a:xfrm>
+            <a:prstGeom prst="line">
+              <a:avLst/>
+            </a:prstGeom>
+            <a:ln>
+              <a:solidFill>
+                <a:schemeClr val="tx1"/>
+              </a:solidFill>
+            </a:ln>
+          </p:spPr>
+          <p:style>
+            <a:lnRef idx="1">
+              <a:schemeClr val="accent1"/>
+            </a:lnRef>
+            <a:fillRef idx="0">
+              <a:schemeClr val="accent1"/>
+            </a:fillRef>
+            <a:effectRef idx="0">
+              <a:schemeClr val="accent1"/>
+            </a:effectRef>
+            <a:fontRef idx="minor">
+              <a:schemeClr val="tx1"/>
+            </a:fontRef>
+          </p:style>
+        </p:cxnSp>
+      </p:grpSp>
+      <p:sp>
+        <p:nvSpPr>
+          <p:cNvPr id="31" name="TextBox 30">
+            <a:extLst>
+              <a:ext uri="{FF2B5EF4-FFF2-40B4-BE49-F238E27FC236}">
+                <a16:creationId xmlns:a16="http://schemas.microsoft.com/office/drawing/2014/main" id="{1918311D-1D58-406D-807B-3E9C011639D2}"/>
+              </a:ext>
+            </a:extLst>
+          </p:cNvPr>
+          <p:cNvSpPr txBox="1"/>
+          <p:nvPr/>
+        </p:nvSpPr>
+        <p:spPr>
+          <a:xfrm>
+            <a:off x="3017432" y="529912"/>
+            <a:ext cx="4143373" cy="307777"/>
+          </a:xfrm>
+          <a:prstGeom prst="rect">
+            <a:avLst/>
+          </a:prstGeom>
+          <a:noFill/>
+        </p:spPr>
+        <p:txBody>
+          <a:bodyPr wrap="square" rtlCol="0">
+            <a:spAutoFit/>
+          </a:bodyPr>
+          <a:lstStyle/>
+          <a:p>
+            <a:r>
+              <a:rPr lang="en-US" sz="1400" dirty="0">
+                <a:latin typeface="Times New Roman" panose="02020603050405020304" pitchFamily="18" charset="0"/>
+                <a:cs typeface="Times New Roman" panose="02020603050405020304" pitchFamily="18" charset="0"/>
+              </a:rPr>
+              <a:t>Switching frequency and its sidebands</a:t>
+            </a:r>
+          </a:p>
+        </p:txBody>
+      </p:sp>
+      <p:sp>
+        <p:nvSpPr>
+          <p:cNvPr id="32" name="TextBox 31">
+            <a:extLst>
+              <a:ext uri="{FF2B5EF4-FFF2-40B4-BE49-F238E27FC236}">
+                <a16:creationId xmlns:a16="http://schemas.microsoft.com/office/drawing/2014/main" id="{1AE634E9-E02D-4E23-B514-F0F07EBAAEE7}"/>
+              </a:ext>
+            </a:extLst>
+          </p:cNvPr>
+          <p:cNvSpPr txBox="1"/>
+          <p:nvPr/>
+        </p:nvSpPr>
+        <p:spPr>
+          <a:xfrm>
+            <a:off x="3579407" y="3420193"/>
+            <a:ext cx="4143373" cy="307777"/>
+          </a:xfrm>
+          <a:prstGeom prst="rect">
+            <a:avLst/>
+          </a:prstGeom>
+          <a:noFill/>
+        </p:spPr>
+        <p:txBody>
+          <a:bodyPr wrap="square" rtlCol="0">
+            <a:spAutoFit/>
+          </a:bodyPr>
+          <a:lstStyle/>
+          <a:p>
+            <a:r>
+              <a:rPr lang="en-US" sz="1400" dirty="0">
+                <a:latin typeface="Times New Roman" panose="02020603050405020304" pitchFamily="18" charset="0"/>
+                <a:cs typeface="Times New Roman" panose="02020603050405020304" pitchFamily="18" charset="0"/>
+              </a:rPr>
+              <a:t>Fundamental frequency</a:t>
+            </a:r>
+          </a:p>
+        </p:txBody>
+      </p:sp>
+    </p:spTree>
+    <p:extLst>
+      <p:ext uri="{BB962C8B-B14F-4D97-AF65-F5344CB8AC3E}">
+        <p14:creationId xmlns:p14="http://schemas.microsoft.com/office/powerpoint/2010/main" val="933321443"/>
+      </p:ext>
+    </p:extLst>
+  </p:cSld>
+  <p:clrMapOvr>
+    <a:masterClrMapping/>
+  </p:clrMapOvr>
+</p:sld>
+</file>
+
+<file path=ppt/slides/slide5.xml><?xml version="1.0" encoding="utf-8"?>
+<p:sld xmlns:a="http://schemas.openxmlformats.org/drawingml/2006/main" xmlns:r="http://schemas.openxmlformats.org/officeDocument/2006/relationships" xmlns:p="http://schemas.openxmlformats.org/presentationml/2006/main">
+  <p:cSld>
+    <p:spTree>
+      <p:nvGrpSpPr>
+        <p:cNvPr id="1" name=""/>
+        <p:cNvGrpSpPr/>
+        <p:nvPr/>
+      </p:nvGrpSpPr>
+      <p:grpSpPr>
+        <a:xfrm>
+          <a:off x="0" y="0"/>
+          <a:ext cx="0" cy="0"/>
+          <a:chOff x="0" y="0"/>
+          <a:chExt cx="0" cy="0"/>
+        </a:xfrm>
+      </p:grpSpPr>
+      <p:sp>
+        <p:nvSpPr>
+          <p:cNvPr id="12" name="Rectangle 11">
+            <a:extLst>
+              <a:ext uri="{FF2B5EF4-FFF2-40B4-BE49-F238E27FC236}">
+                <a16:creationId xmlns:a16="http://schemas.microsoft.com/office/drawing/2014/main" id="{C72B1B23-D317-4BD2-9329-59B506477B95}"/>
+              </a:ext>
+            </a:extLst>
+          </p:cNvPr>
+          <p:cNvSpPr/>
+          <p:nvPr/>
+        </p:nvSpPr>
+        <p:spPr>
+          <a:xfrm>
+            <a:off x="492709" y="259684"/>
+            <a:ext cx="9170629" cy="93309"/>
+          </a:xfrm>
+          <a:prstGeom prst="rect">
+            <a:avLst/>
+          </a:prstGeom>
+          <a:solidFill>
+            <a:schemeClr val="bg1"/>
+          </a:solidFill>
+          <a:ln>
+            <a:solidFill>
+              <a:schemeClr val="bg1"/>
+            </a:solidFill>
+          </a:ln>
+        </p:spPr>
+        <p:style>
+          <a:lnRef idx="2">
+            <a:schemeClr val="accent1">
+              <a:shade val="50000"/>
+            </a:schemeClr>
+          </a:lnRef>
+          <a:fillRef idx="1">
+            <a:schemeClr val="accent1"/>
+          </a:fillRef>
+          <a:effectRef idx="0">
+            <a:schemeClr val="accent1"/>
+          </a:effectRef>
+          <a:fontRef idx="minor">
+            <a:schemeClr val="lt1"/>
+          </a:fontRef>
+        </p:style>
+        <p:txBody>
+          <a:bodyPr rtlCol="0" anchor="ctr"/>
+          <a:lstStyle/>
+          <a:p>
+            <a:pPr algn="ctr"/>
+            <a:endParaRPr lang="en-US" sz="2000"/>
+          </a:p>
+        </p:txBody>
+      </p:sp>
+      <p:grpSp>
+        <p:nvGrpSpPr>
+          <p:cNvPr id="20" name="Group 19">
+            <a:extLst>
+              <a:ext uri="{FF2B5EF4-FFF2-40B4-BE49-F238E27FC236}">
+                <a16:creationId xmlns:a16="http://schemas.microsoft.com/office/drawing/2014/main" id="{881B778E-9970-4510-868C-57C4C1FFDEC9}"/>
+              </a:ext>
+            </a:extLst>
+          </p:cNvPr>
+          <p:cNvGrpSpPr/>
+          <p:nvPr/>
+        </p:nvGrpSpPr>
+        <p:grpSpPr>
+          <a:xfrm>
+            <a:off x="786587" y="835685"/>
+            <a:ext cx="4578582" cy="2616542"/>
+            <a:chOff x="431747" y="2981952"/>
+            <a:chExt cx="4578582" cy="2616542"/>
+          </a:xfrm>
+        </p:grpSpPr>
+        <p:pic>
+          <p:nvPicPr>
+            <p:cNvPr id="6" name="Picture 5">
+              <a:extLst>
+                <a:ext uri="{FF2B5EF4-FFF2-40B4-BE49-F238E27FC236}">
+                  <a16:creationId xmlns:a16="http://schemas.microsoft.com/office/drawing/2014/main" id="{4DE14318-4A62-4CF1-A61C-13700AA4C248}"/>
+                </a:ext>
+              </a:extLst>
+            </p:cNvPr>
+            <p:cNvPicPr>
+              <a:picLocks noChangeAspect="1"/>
+            </p:cNvPicPr>
+            <p:nvPr/>
+          </p:nvPicPr>
+          <p:blipFill rotWithShape="1">
+            <a:blip r:embed="rId2">
+              <a:extLst>
+                <a:ext uri="{28A0092B-C50C-407E-A947-70E740481C1C}">
+                  <a14:useLocalDpi xmlns:a14="http://schemas.microsoft.com/office/drawing/2010/main" val="0"/>
+                </a:ext>
+              </a:extLst>
+            </a:blip>
+            <a:srcRect l="1911" t="8877" b="39026"/>
+            <a:stretch/>
+          </p:blipFill>
+          <p:spPr>
+            <a:xfrm>
+              <a:off x="492707" y="3068109"/>
+              <a:ext cx="4456661" cy="2485747"/>
+            </a:xfrm>
+            <a:prstGeom prst="rect">
+              <a:avLst/>
+            </a:prstGeom>
+          </p:spPr>
+        </p:pic>
+        <p:sp>
+          <p:nvSpPr>
+            <p:cNvPr id="10" name="TextBox 9">
+              <a:extLst>
+                <a:ext uri="{FF2B5EF4-FFF2-40B4-BE49-F238E27FC236}">
+                  <a16:creationId xmlns:a16="http://schemas.microsoft.com/office/drawing/2014/main" id="{D95980EB-B92C-4606-8879-5E9255E50FE3}"/>
+                </a:ext>
+              </a:extLst>
+            </p:cNvPr>
+            <p:cNvSpPr txBox="1"/>
+            <p:nvPr/>
+          </p:nvSpPr>
+          <p:spPr>
+            <a:xfrm>
+              <a:off x="1900102" y="5179959"/>
+              <a:ext cx="1599797" cy="307777"/>
+            </a:xfrm>
+            <a:prstGeom prst="rect">
+              <a:avLst/>
+            </a:prstGeom>
+            <a:noFill/>
+          </p:spPr>
+          <p:txBody>
+            <a:bodyPr wrap="none" lIns="0" tIns="0" rIns="0" bIns="0" rtlCol="0">
+              <a:spAutoFit/>
+            </a:bodyPr>
+            <a:lstStyle/>
+            <a:p>
+              <a:r>
+                <a:rPr lang="en-US" sz="2000" dirty="0">
+                  <a:solidFill>
+                    <a:srgbClr val="D60093"/>
+                  </a:solidFill>
+                  <a:latin typeface="Times New Roman" panose="02020603050405020304" pitchFamily="18" charset="0"/>
+                  <a:cs typeface="Times New Roman" panose="02020603050405020304" pitchFamily="18" charset="0"/>
+                </a:rPr>
+                <a:t>5V/div 2ms/div</a:t>
+              </a:r>
+            </a:p>
+          </p:txBody>
+        </p:sp>
+        <p:sp>
+          <p:nvSpPr>
+            <p:cNvPr id="14" name="Rectangle 13">
+              <a:extLst>
+                <a:ext uri="{FF2B5EF4-FFF2-40B4-BE49-F238E27FC236}">
+                  <a16:creationId xmlns:a16="http://schemas.microsoft.com/office/drawing/2014/main" id="{D781DF8E-1AC1-40BB-89F1-D5C893A3D904}"/>
+                </a:ext>
+              </a:extLst>
+            </p:cNvPr>
+            <p:cNvSpPr/>
+            <p:nvPr/>
+          </p:nvSpPr>
+          <p:spPr>
+            <a:xfrm>
+              <a:off x="507861" y="2981952"/>
+              <a:ext cx="4502468" cy="98599"/>
+            </a:xfrm>
+            <a:prstGeom prst="rect">
+              <a:avLst/>
+            </a:prstGeom>
+            <a:solidFill>
+              <a:schemeClr val="bg1"/>
+            </a:solidFill>
+            <a:ln>
+              <a:solidFill>
+                <a:schemeClr val="bg1"/>
+              </a:solidFill>
+            </a:ln>
+          </p:spPr>
+          <p:style>
+            <a:lnRef idx="2">
+              <a:schemeClr val="accent1">
+                <a:shade val="50000"/>
+              </a:schemeClr>
+            </a:lnRef>
+            <a:fillRef idx="1">
+              <a:schemeClr val="accent1"/>
+            </a:fillRef>
+            <a:effectRef idx="0">
+              <a:schemeClr val="accent1"/>
+            </a:effectRef>
+            <a:fontRef idx="minor">
+              <a:schemeClr val="lt1"/>
+            </a:fontRef>
+          </p:style>
+          <p:txBody>
+            <a:bodyPr rtlCol="0" anchor="ctr"/>
+            <a:lstStyle/>
+            <a:p>
+              <a:pPr algn="ctr"/>
+              <a:endParaRPr lang="en-US" sz="2000"/>
+            </a:p>
+          </p:txBody>
+        </p:sp>
+        <p:sp>
+          <p:nvSpPr>
+            <p:cNvPr id="15" name="Rectangle 14">
+              <a:extLst>
+                <a:ext uri="{FF2B5EF4-FFF2-40B4-BE49-F238E27FC236}">
+                  <a16:creationId xmlns:a16="http://schemas.microsoft.com/office/drawing/2014/main" id="{722A8A9F-776E-45EE-8545-4DCFA5CFED73}"/>
+                </a:ext>
+              </a:extLst>
+            </p:cNvPr>
+            <p:cNvSpPr/>
+            <p:nvPr/>
+          </p:nvSpPr>
+          <p:spPr>
+            <a:xfrm>
+              <a:off x="431747" y="5505185"/>
+              <a:ext cx="4517621" cy="93309"/>
+            </a:xfrm>
+            <a:prstGeom prst="rect">
+              <a:avLst/>
+            </a:prstGeom>
+            <a:solidFill>
+              <a:schemeClr val="bg1"/>
+            </a:solidFill>
+            <a:ln>
+              <a:solidFill>
+                <a:schemeClr val="bg1"/>
+              </a:solidFill>
+            </a:ln>
+          </p:spPr>
+          <p:style>
+            <a:lnRef idx="2">
+              <a:schemeClr val="accent1">
+                <a:shade val="50000"/>
+              </a:schemeClr>
+            </a:lnRef>
+            <a:fillRef idx="1">
+              <a:schemeClr val="accent1"/>
+            </a:fillRef>
+            <a:effectRef idx="0">
+              <a:schemeClr val="accent1"/>
+            </a:effectRef>
+            <a:fontRef idx="minor">
+              <a:schemeClr val="lt1"/>
+            </a:fontRef>
+          </p:style>
+          <p:txBody>
+            <a:bodyPr rtlCol="0" anchor="ctr"/>
+            <a:lstStyle/>
+            <a:p>
+              <a:pPr algn="ctr"/>
+              <a:endParaRPr lang="en-US"/>
+            </a:p>
+          </p:txBody>
+        </p:sp>
+      </p:grpSp>
+      <p:pic>
+        <p:nvPicPr>
+          <p:cNvPr id="21" name="Picture 20">
+            <a:extLst>
+              <a:ext uri="{FF2B5EF4-FFF2-40B4-BE49-F238E27FC236}">
+                <a16:creationId xmlns:a16="http://schemas.microsoft.com/office/drawing/2014/main" id="{201864F2-79C7-48E7-9D2A-C5C192A39ACC}"/>
+              </a:ext>
+            </a:extLst>
+          </p:cNvPr>
+          <p:cNvPicPr>
+            <a:picLocks noChangeAspect="1"/>
+          </p:cNvPicPr>
+          <p:nvPr/>
+        </p:nvPicPr>
+        <p:blipFill>
+          <a:blip r:embed="rId3"/>
+          <a:stretch>
+            <a:fillRect/>
+          </a:stretch>
+        </p:blipFill>
+        <p:spPr>
+          <a:xfrm>
+            <a:off x="5486400" y="2124075"/>
+            <a:ext cx="4762500" cy="1905000"/>
+          </a:xfrm>
+          <a:prstGeom prst="rect">
+            <a:avLst/>
+          </a:prstGeom>
+        </p:spPr>
+      </p:pic>
+      <p:pic>
+        <p:nvPicPr>
+          <p:cNvPr id="22" name="Picture 21">
+            <a:extLst>
+              <a:ext uri="{FF2B5EF4-FFF2-40B4-BE49-F238E27FC236}">
+                <a16:creationId xmlns:a16="http://schemas.microsoft.com/office/drawing/2014/main" id="{0FA30E4E-2AA0-4F3B-91C6-7C108EB224B6}"/>
+              </a:ext>
+            </a:extLst>
+          </p:cNvPr>
+          <p:cNvPicPr>
+            <a:picLocks noChangeAspect="1"/>
+          </p:cNvPicPr>
+          <p:nvPr/>
+        </p:nvPicPr>
+        <p:blipFill rotWithShape="1">
+          <a:blip r:embed="rId4"/>
+          <a:srcRect b="19312"/>
+          <a:stretch/>
+        </p:blipFill>
+        <p:spPr>
+          <a:xfrm>
+            <a:off x="5486400" y="586972"/>
+            <a:ext cx="4762500" cy="1537103"/>
+          </a:xfrm>
+          <a:prstGeom prst="rect">
+            <a:avLst/>
+          </a:prstGeom>
+        </p:spPr>
+      </p:pic>
+      <p:sp>
+        <p:nvSpPr>
+          <p:cNvPr id="29" name="TextBox 28">
+            <a:extLst>
+              <a:ext uri="{FF2B5EF4-FFF2-40B4-BE49-F238E27FC236}">
+                <a16:creationId xmlns:a16="http://schemas.microsoft.com/office/drawing/2014/main" id="{E18F7933-4D1B-4352-8F5A-45BF25F12320}"/>
+              </a:ext>
+            </a:extLst>
+          </p:cNvPr>
+          <p:cNvSpPr txBox="1"/>
+          <p:nvPr/>
+        </p:nvSpPr>
+        <p:spPr>
+          <a:xfrm>
+            <a:off x="2884082" y="526217"/>
+            <a:ext cx="4143373" cy="307777"/>
+          </a:xfrm>
+          <a:prstGeom prst="rect">
+            <a:avLst/>
+          </a:prstGeom>
+          <a:noFill/>
+        </p:spPr>
+        <p:txBody>
+          <a:bodyPr wrap="square" rtlCol="0">
+            <a:spAutoFit/>
+          </a:bodyPr>
+          <a:lstStyle/>
+          <a:p>
+            <a:r>
+              <a:rPr lang="en-US" sz="1400" dirty="0">
+                <a:latin typeface="Times New Roman" panose="02020603050405020304" pitchFamily="18" charset="0"/>
+                <a:cs typeface="Times New Roman" panose="02020603050405020304" pitchFamily="18" charset="0"/>
+              </a:rPr>
+              <a:t>Switching frequency and its sidebands</a:t>
+            </a:r>
+          </a:p>
+        </p:txBody>
+      </p:sp>
+      <p:sp>
+        <p:nvSpPr>
+          <p:cNvPr id="30" name="TextBox 29">
+            <a:extLst>
+              <a:ext uri="{FF2B5EF4-FFF2-40B4-BE49-F238E27FC236}">
+                <a16:creationId xmlns:a16="http://schemas.microsoft.com/office/drawing/2014/main" id="{3790486B-5ECD-404B-9981-25AB80FB3D6D}"/>
+              </a:ext>
+            </a:extLst>
+          </p:cNvPr>
+          <p:cNvSpPr txBox="1"/>
+          <p:nvPr/>
+        </p:nvSpPr>
+        <p:spPr>
+          <a:xfrm>
+            <a:off x="3446057" y="3416498"/>
+            <a:ext cx="4143373" cy="307777"/>
+          </a:xfrm>
+          <a:prstGeom prst="rect">
+            <a:avLst/>
+          </a:prstGeom>
+          <a:noFill/>
+        </p:spPr>
+        <p:txBody>
+          <a:bodyPr wrap="square" rtlCol="0">
+            <a:spAutoFit/>
+          </a:bodyPr>
+          <a:lstStyle/>
+          <a:p>
+            <a:r>
+              <a:rPr lang="en-US" sz="1400" dirty="0">
+                <a:latin typeface="Times New Roman" panose="02020603050405020304" pitchFamily="18" charset="0"/>
+                <a:cs typeface="Times New Roman" panose="02020603050405020304" pitchFamily="18" charset="0"/>
+              </a:rPr>
+              <a:t>Fundamental frequency</a:t>
+            </a:r>
+          </a:p>
+        </p:txBody>
+      </p:sp>
+    </p:spTree>
+    <p:extLst>
+      <p:ext uri="{BB962C8B-B14F-4D97-AF65-F5344CB8AC3E}">
+        <p14:creationId xmlns:p14="http://schemas.microsoft.com/office/powerpoint/2010/main" val="2499011430"/>
+      </p:ext>
+    </p:extLst>
+  </p:cSld>
+  <p:clrMapOvr>
+    <a:masterClrMapping/>
+  </p:clrMapOvr>
+</p:sld>
+</file>
+
+<file path=ppt/slides/slide6.xml><?xml version="1.0" encoding="utf-8"?>
+<p:sld xmlns:a="http://schemas.openxmlformats.org/drawingml/2006/main" xmlns:r="http://schemas.openxmlformats.org/officeDocument/2006/relationships" xmlns:p="http://schemas.openxmlformats.org/presentationml/2006/main">
+  <p:cSld>
+    <p:spTree>
+      <p:nvGrpSpPr>
+        <p:cNvPr id="1" name=""/>
+        <p:cNvGrpSpPr/>
+        <p:nvPr/>
+      </p:nvGrpSpPr>
+      <p:grpSpPr>
+        <a:xfrm>
+          <a:off x="0" y="0"/>
+          <a:ext cx="0" cy="0"/>
+          <a:chOff x="0" y="0"/>
+          <a:chExt cx="0" cy="0"/>
+        </a:xfrm>
+      </p:grpSpPr>
+      <p:sp>
+        <p:nvSpPr>
+          <p:cNvPr id="36" name="Rectangle 35">
+            <a:extLst>
+              <a:ext uri="{FF2B5EF4-FFF2-40B4-BE49-F238E27FC236}">
+                <a16:creationId xmlns:a16="http://schemas.microsoft.com/office/drawing/2014/main" id="{702F9E77-4D7C-4B8B-AB97-96A297C0591C}"/>
+              </a:ext>
+            </a:extLst>
+          </p:cNvPr>
+          <p:cNvSpPr/>
+          <p:nvPr/>
+        </p:nvSpPr>
+        <p:spPr>
+          <a:xfrm>
+            <a:off x="492709" y="259684"/>
+            <a:ext cx="9170629" cy="93309"/>
+          </a:xfrm>
+          <a:prstGeom prst="rect">
+            <a:avLst/>
+          </a:prstGeom>
+          <a:solidFill>
+            <a:schemeClr val="bg1"/>
+          </a:solidFill>
+          <a:ln>
+            <a:solidFill>
+              <a:schemeClr val="bg1"/>
+            </a:solidFill>
+          </a:ln>
+        </p:spPr>
+        <p:style>
+          <a:lnRef idx="2">
+            <a:schemeClr val="accent1">
+              <a:shade val="50000"/>
+            </a:schemeClr>
+          </a:lnRef>
+          <a:fillRef idx="1">
+            <a:schemeClr val="accent1"/>
+          </a:fillRef>
+          <a:effectRef idx="0">
+            <a:schemeClr val="accent1"/>
+          </a:effectRef>
+          <a:fontRef idx="minor">
+            <a:schemeClr val="lt1"/>
+          </a:fontRef>
+        </p:style>
+        <p:txBody>
+          <a:bodyPr rtlCol="0" anchor="ctr"/>
+          <a:lstStyle/>
+          <a:p>
+            <a:pPr algn="ctr"/>
+            <a:endParaRPr lang="en-US" sz="2000"/>
+          </a:p>
+        </p:txBody>
+      </p:sp>
+      <p:grpSp>
+        <p:nvGrpSpPr>
+          <p:cNvPr id="2" name="Group 1">
+            <a:extLst>
+              <a:ext uri="{FF2B5EF4-FFF2-40B4-BE49-F238E27FC236}">
+                <a16:creationId xmlns:a16="http://schemas.microsoft.com/office/drawing/2014/main" id="{EE99D99E-C21B-47F0-83AF-57B0771D7C2C}"/>
+              </a:ext>
+            </a:extLst>
+          </p:cNvPr>
+          <p:cNvGrpSpPr/>
+          <p:nvPr/>
+        </p:nvGrpSpPr>
+        <p:grpSpPr>
+          <a:xfrm>
+            <a:off x="446898" y="734052"/>
+            <a:ext cx="4532774" cy="2616899"/>
+            <a:chOff x="446898" y="734052"/>
+            <a:chExt cx="4532774" cy="2616899"/>
+          </a:xfrm>
+        </p:grpSpPr>
+        <p:pic>
+          <p:nvPicPr>
+            <p:cNvPr id="27" name="Picture 26">
+              <a:extLst>
+                <a:ext uri="{FF2B5EF4-FFF2-40B4-BE49-F238E27FC236}">
+                  <a16:creationId xmlns:a16="http://schemas.microsoft.com/office/drawing/2014/main" id="{642AE956-04F1-44BA-B1FE-D140E064B27D}"/>
+                </a:ext>
+              </a:extLst>
+            </p:cNvPr>
+            <p:cNvPicPr>
+              <a:picLocks noChangeAspect="1"/>
+            </p:cNvPicPr>
+            <p:nvPr/>
+          </p:nvPicPr>
+          <p:blipFill rotWithShape="1">
+            <a:blip r:embed="rId2">
+              <a:extLst>
+                <a:ext uri="{28A0092B-C50C-407E-A947-70E740481C1C}">
+                  <a14:useLocalDpi xmlns:a14="http://schemas.microsoft.com/office/drawing/2010/main" val="0"/>
+                </a:ext>
+              </a:extLst>
+            </a:blip>
+            <a:srcRect l="1911" t="9076" b="38827"/>
+            <a:stretch/>
+          </p:blipFill>
+          <p:spPr>
+            <a:xfrm>
+              <a:off x="507860" y="830492"/>
+              <a:ext cx="4456661" cy="2485748"/>
+            </a:xfrm>
+            <a:prstGeom prst="rect">
+              <a:avLst/>
+            </a:prstGeom>
+          </p:spPr>
+        </p:pic>
+        <p:sp>
+          <p:nvSpPr>
+            <p:cNvPr id="31" name="TextBox 30">
+              <a:extLst>
+                <a:ext uri="{FF2B5EF4-FFF2-40B4-BE49-F238E27FC236}">
+                  <a16:creationId xmlns:a16="http://schemas.microsoft.com/office/drawing/2014/main" id="{FC15C05A-DC71-4884-B4B2-1C9DEDF4649E}"/>
+                </a:ext>
+              </a:extLst>
+            </p:cNvPr>
+            <p:cNvSpPr txBox="1"/>
+            <p:nvPr/>
+          </p:nvSpPr>
+          <p:spPr>
+            <a:xfrm>
+              <a:off x="1810276" y="2919431"/>
+              <a:ext cx="1599797" cy="307777"/>
+            </a:xfrm>
+            <a:prstGeom prst="rect">
+              <a:avLst/>
+            </a:prstGeom>
+            <a:noFill/>
+          </p:spPr>
+          <p:txBody>
+            <a:bodyPr wrap="none" lIns="0" tIns="0" rIns="0" bIns="0" rtlCol="0">
+              <a:spAutoFit/>
+            </a:bodyPr>
+            <a:lstStyle/>
+            <a:p>
+              <a:r>
+                <a:rPr lang="en-US" sz="2000" dirty="0">
+                  <a:solidFill>
+                    <a:srgbClr val="D60093"/>
+                  </a:solidFill>
+                  <a:latin typeface="Times New Roman" panose="02020603050405020304" pitchFamily="18" charset="0"/>
+                  <a:cs typeface="Times New Roman" panose="02020603050405020304" pitchFamily="18" charset="0"/>
+                </a:rPr>
+                <a:t>5V/div 2ms/div</a:t>
+              </a:r>
+            </a:p>
+          </p:txBody>
+        </p:sp>
+        <p:sp>
+          <p:nvSpPr>
+            <p:cNvPr id="38" name="Rectangle 37">
+              <a:extLst>
+                <a:ext uri="{FF2B5EF4-FFF2-40B4-BE49-F238E27FC236}">
+                  <a16:creationId xmlns:a16="http://schemas.microsoft.com/office/drawing/2014/main" id="{78945E7B-FE46-4301-B63F-B90003D5581E}"/>
+                </a:ext>
+              </a:extLst>
+            </p:cNvPr>
+            <p:cNvSpPr/>
+            <p:nvPr/>
+          </p:nvSpPr>
+          <p:spPr>
+            <a:xfrm>
+              <a:off x="446898" y="734052"/>
+              <a:ext cx="4532774" cy="85413"/>
+            </a:xfrm>
+            <a:prstGeom prst="rect">
+              <a:avLst/>
+            </a:prstGeom>
+            <a:solidFill>
+              <a:schemeClr val="bg1"/>
+            </a:solidFill>
+            <a:ln>
+              <a:solidFill>
+                <a:schemeClr val="bg1"/>
+              </a:solidFill>
+            </a:ln>
+          </p:spPr>
+          <p:style>
+            <a:lnRef idx="2">
+              <a:schemeClr val="accent1">
+                <a:shade val="50000"/>
+              </a:schemeClr>
+            </a:lnRef>
+            <a:fillRef idx="1">
+              <a:schemeClr val="accent1"/>
+            </a:fillRef>
+            <a:effectRef idx="0">
+              <a:schemeClr val="accent1"/>
+            </a:effectRef>
+            <a:fontRef idx="minor">
+              <a:schemeClr val="lt1"/>
+            </a:fontRef>
+          </p:style>
+          <p:txBody>
+            <a:bodyPr rtlCol="0" anchor="ctr"/>
+            <a:lstStyle/>
+            <a:p>
+              <a:pPr algn="ctr"/>
+              <a:endParaRPr lang="en-US" sz="2000"/>
+            </a:p>
+          </p:txBody>
+        </p:sp>
+        <p:sp>
+          <p:nvSpPr>
+            <p:cNvPr id="39" name="Rectangle 38">
+              <a:extLst>
+                <a:ext uri="{FF2B5EF4-FFF2-40B4-BE49-F238E27FC236}">
+                  <a16:creationId xmlns:a16="http://schemas.microsoft.com/office/drawing/2014/main" id="{44F1721B-82FC-4CE1-87F3-CCC0099AAFBE}"/>
+                </a:ext>
+              </a:extLst>
+            </p:cNvPr>
+            <p:cNvSpPr/>
+            <p:nvPr/>
+          </p:nvSpPr>
+          <p:spPr>
+            <a:xfrm>
+              <a:off x="446898" y="3247760"/>
+              <a:ext cx="4456661" cy="103191"/>
+            </a:xfrm>
+            <a:prstGeom prst="rect">
+              <a:avLst/>
+            </a:prstGeom>
+            <a:solidFill>
+              <a:schemeClr val="bg1"/>
+            </a:solidFill>
+            <a:ln>
+              <a:solidFill>
+                <a:schemeClr val="bg1"/>
+              </a:solidFill>
+            </a:ln>
+          </p:spPr>
+          <p:style>
+            <a:lnRef idx="2">
+              <a:schemeClr val="accent1">
+                <a:shade val="50000"/>
+              </a:schemeClr>
+            </a:lnRef>
+            <a:fillRef idx="1">
+              <a:schemeClr val="accent1"/>
+            </a:fillRef>
+            <a:effectRef idx="0">
+              <a:schemeClr val="accent1"/>
+            </a:effectRef>
+            <a:fontRef idx="minor">
+              <a:schemeClr val="lt1"/>
+            </a:fontRef>
+          </p:style>
+          <p:txBody>
+            <a:bodyPr rtlCol="0" anchor="ctr"/>
+            <a:lstStyle/>
+            <a:p>
+              <a:pPr algn="ctr"/>
+              <a:endParaRPr lang="en-US"/>
+            </a:p>
+          </p:txBody>
+        </p:sp>
+      </p:grpSp>
+      <p:pic>
+        <p:nvPicPr>
+          <p:cNvPr id="3" name="Picture 2">
+            <a:extLst>
+              <a:ext uri="{FF2B5EF4-FFF2-40B4-BE49-F238E27FC236}">
+                <a16:creationId xmlns:a16="http://schemas.microsoft.com/office/drawing/2014/main" id="{445917F4-01AB-4761-A470-3713E8AEF648}"/>
+              </a:ext>
+            </a:extLst>
+          </p:cNvPr>
+          <p:cNvPicPr>
+            <a:picLocks noChangeAspect="1"/>
+          </p:cNvPicPr>
+          <p:nvPr/>
+        </p:nvPicPr>
+        <p:blipFill rotWithShape="1">
+          <a:blip r:embed="rId3"/>
+          <a:srcRect b="20631"/>
+          <a:stretch/>
+        </p:blipFill>
+        <p:spPr>
+          <a:xfrm>
+            <a:off x="5200650" y="486343"/>
+            <a:ext cx="4762500" cy="1511966"/>
+          </a:xfrm>
+          <a:prstGeom prst="rect">
+            <a:avLst/>
+          </a:prstGeom>
+        </p:spPr>
+      </p:pic>
+      <p:pic>
+        <p:nvPicPr>
+          <p:cNvPr id="4" name="Picture 3">
+            <a:extLst>
+              <a:ext uri="{FF2B5EF4-FFF2-40B4-BE49-F238E27FC236}">
+                <a16:creationId xmlns:a16="http://schemas.microsoft.com/office/drawing/2014/main" id="{8700B793-992E-48D2-BEF4-EB099157428C}"/>
+              </a:ext>
+            </a:extLst>
+          </p:cNvPr>
+          <p:cNvPicPr>
+            <a:picLocks noChangeAspect="1"/>
+          </p:cNvPicPr>
+          <p:nvPr/>
+        </p:nvPicPr>
+        <p:blipFill>
+          <a:blip r:embed="rId4"/>
+          <a:stretch>
+            <a:fillRect/>
+          </a:stretch>
+        </p:blipFill>
+        <p:spPr>
+          <a:xfrm>
+            <a:off x="5200650" y="1998309"/>
+            <a:ext cx="4762500" cy="1905000"/>
+          </a:xfrm>
+          <a:prstGeom prst="rect">
+            <a:avLst/>
+          </a:prstGeom>
+        </p:spPr>
+      </p:pic>
+    </p:spTree>
+    <p:extLst>
+      <p:ext uri="{BB962C8B-B14F-4D97-AF65-F5344CB8AC3E}">
+        <p14:creationId xmlns:p14="http://schemas.microsoft.com/office/powerpoint/2010/main" val="3668613595"/>
+      </p:ext>
+    </p:extLst>
+  </p:cSld>
+  <p:clrMapOvr>
+    <a:masterClrMapping/>
+  </p:clrMapOvr>
+</p:sld>
+</file>
+
 <file path=ppt/slides/slide7.xml><?xml version="1.0" encoding="utf-8"?>
 <p:sld xmlns:a="http://schemas.openxmlformats.org/drawingml/2006/main" xmlns:r="http://schemas.openxmlformats.org/officeDocument/2006/relationships" xmlns:p="http://schemas.openxmlformats.org/presentationml/2006/main">
   <p:cSld>
@@ -7113,10 +10975,10 @@
       </p:grpSpPr>
       <p:pic>
         <p:nvPicPr>
-          <p:cNvPr id="25" name="Picture 24">
-            <a:extLst>
-              <a:ext uri="{FF2B5EF4-FFF2-40B4-BE49-F238E27FC236}">
-                <a16:creationId xmlns:a16="http://schemas.microsoft.com/office/drawing/2014/main" id="{058711D1-089F-47FC-95A8-19BE621D7EF8}"/>
+          <p:cNvPr id="4" name="Picture 3">
+            <a:extLst>
+              <a:ext uri="{FF2B5EF4-FFF2-40B4-BE49-F238E27FC236}">
+                <a16:creationId xmlns:a16="http://schemas.microsoft.com/office/drawing/2014/main" id="{68337F68-5980-47CA-A596-DFBE826F26E0}"/>
               </a:ext>
             </a:extLst>
           </p:cNvPr>
@@ -7125,34 +10987,175 @@
           </p:cNvPicPr>
           <p:nvPr/>
         </p:nvPicPr>
+        <p:blipFill rotWithShape="1">
+          <a:blip r:embed="rId2"/>
+          <a:srcRect b="19817"/>
+          <a:stretch/>
+        </p:blipFill>
+        <p:spPr>
+          <a:xfrm>
+            <a:off x="5835988" y="295174"/>
+            <a:ext cx="4762500" cy="1527488"/>
+          </a:xfrm>
+          <a:prstGeom prst="rect">
+            <a:avLst/>
+          </a:prstGeom>
+        </p:spPr>
+      </p:pic>
+      <p:pic>
+        <p:nvPicPr>
+          <p:cNvPr id="5" name="Picture 4">
+            <a:extLst>
+              <a:ext uri="{FF2B5EF4-FFF2-40B4-BE49-F238E27FC236}">
+                <a16:creationId xmlns:a16="http://schemas.microsoft.com/office/drawing/2014/main" id="{A79D24BC-1886-48D2-859E-45995641332E}"/>
+              </a:ext>
+            </a:extLst>
+          </p:cNvPr>
+          <p:cNvPicPr>
+            <a:picLocks noChangeAspect="1"/>
+          </p:cNvPicPr>
+          <p:nvPr/>
+        </p:nvPicPr>
         <p:blipFill>
-          <a:blip r:embed="rId2">
-            <a:extLst>
-              <a:ext uri="{28A0092B-C50C-407E-A947-70E740481C1C}">
-                <a14:useLocalDpi xmlns:a14="http://schemas.microsoft.com/office/drawing/2010/main" val="0"/>
-              </a:ext>
-            </a:extLst>
-          </a:blip>
+          <a:blip r:embed="rId3"/>
           <a:stretch>
             <a:fillRect/>
           </a:stretch>
         </p:blipFill>
         <p:spPr>
           <a:xfrm>
-            <a:off x="115383" y="395217"/>
-            <a:ext cx="11428571" cy="4771428"/>
+            <a:off x="5829633" y="1841712"/>
+            <a:ext cx="4762500" cy="1905000"/>
           </a:xfrm>
           <a:prstGeom prst="rect">
             <a:avLst/>
           </a:prstGeom>
         </p:spPr>
       </p:pic>
-      <p:sp>
-        <p:nvSpPr>
-          <p:cNvPr id="8" name="Rectangle 7">
-            <a:extLst>
-              <a:ext uri="{FF2B5EF4-FFF2-40B4-BE49-F238E27FC236}">
-                <a16:creationId xmlns:a16="http://schemas.microsoft.com/office/drawing/2014/main" id="{0DDA51F3-000E-4780-B357-D05EE8DFEF9B}"/>
+      <p:pic>
+        <p:nvPicPr>
+          <p:cNvPr id="9" name="Picture 8">
+            <a:extLst>
+              <a:ext uri="{FF2B5EF4-FFF2-40B4-BE49-F238E27FC236}">
+                <a16:creationId xmlns:a16="http://schemas.microsoft.com/office/drawing/2014/main" id="{924264D2-266A-444E-9B58-DC1C573A5C19}"/>
+              </a:ext>
+            </a:extLst>
+          </p:cNvPr>
+          <p:cNvPicPr>
+            <a:picLocks noChangeAspect="1"/>
+          </p:cNvPicPr>
+          <p:nvPr/>
+        </p:nvPicPr>
+        <p:blipFill rotWithShape="1">
+          <a:blip r:embed="rId4">
+            <a:extLst>
+              <a:ext uri="{28A0092B-C50C-407E-A947-70E740481C1C}">
+                <a14:useLocalDpi xmlns:a14="http://schemas.microsoft.com/office/drawing/2010/main" val="0"/>
+              </a:ext>
+            </a:extLst>
+          </a:blip>
+          <a:srcRect b="30038"/>
+          <a:stretch/>
+        </p:blipFill>
+        <p:spPr>
+          <a:xfrm>
+            <a:off x="1210431" y="515838"/>
+            <a:ext cx="4585552" cy="2913162"/>
+          </a:xfrm>
+          <a:prstGeom prst="rect">
+            <a:avLst/>
+          </a:prstGeom>
+        </p:spPr>
+      </p:pic>
+      <p:sp>
+        <p:nvSpPr>
+          <p:cNvPr id="16" name="TextBox 15">
+            <a:extLst>
+              <a:ext uri="{FF2B5EF4-FFF2-40B4-BE49-F238E27FC236}">
+                <a16:creationId xmlns:a16="http://schemas.microsoft.com/office/drawing/2014/main" id="{40CB3ECC-B06D-4526-ABF0-B5B0154AAE26}"/>
+              </a:ext>
+            </a:extLst>
+          </p:cNvPr>
+          <p:cNvSpPr txBox="1"/>
+          <p:nvPr/>
+        </p:nvSpPr>
+        <p:spPr>
+          <a:xfrm>
+            <a:off x="1359878" y="3036147"/>
+            <a:ext cx="1599797" cy="307777"/>
+          </a:xfrm>
+          <a:prstGeom prst="rect">
+            <a:avLst/>
+          </a:prstGeom>
+          <a:noFill/>
+        </p:spPr>
+        <p:txBody>
+          <a:bodyPr wrap="none" lIns="0" tIns="0" rIns="0" bIns="0" rtlCol="0">
+            <a:spAutoFit/>
+          </a:bodyPr>
+          <a:lstStyle/>
+          <a:p>
+            <a:r>
+              <a:rPr lang="en-US" sz="2000" dirty="0">
+                <a:solidFill>
+                  <a:srgbClr val="D60093"/>
+                </a:solidFill>
+                <a:latin typeface="Times New Roman" panose="02020603050405020304" pitchFamily="18" charset="0"/>
+                <a:cs typeface="Times New Roman" panose="02020603050405020304" pitchFamily="18" charset="0"/>
+              </a:rPr>
+              <a:t>5V/div 2ms/div</a:t>
+            </a:r>
+          </a:p>
+        </p:txBody>
+      </p:sp>
+      <p:cxnSp>
+        <p:nvCxnSpPr>
+          <p:cNvPr id="17" name="Straight Arrow Connector 16">
+            <a:extLst>
+              <a:ext uri="{FF2B5EF4-FFF2-40B4-BE49-F238E27FC236}">
+                <a16:creationId xmlns:a16="http://schemas.microsoft.com/office/drawing/2014/main" id="{DC782404-D5CF-4217-9720-29063EB191F1}"/>
+              </a:ext>
+            </a:extLst>
+          </p:cNvPr>
+          <p:cNvCxnSpPr>
+            <a:cxnSpLocks/>
+            <a:stCxn id="18" idx="3"/>
+          </p:cNvCxnSpPr>
+          <p:nvPr/>
+        </p:nvCxnSpPr>
+        <p:spPr>
+          <a:xfrm>
+            <a:off x="5034973" y="948851"/>
+            <a:ext cx="847667" cy="0"/>
+          </a:xfrm>
+          <a:prstGeom prst="straightConnector1">
+            <a:avLst/>
+          </a:prstGeom>
+          <a:ln>
+            <a:tailEnd type="triangle"/>
+          </a:ln>
+        </p:spPr>
+        <p:style>
+          <a:lnRef idx="2">
+            <a:schemeClr val="dk1"/>
+          </a:lnRef>
+          <a:fillRef idx="0">
+            <a:schemeClr val="dk1"/>
+          </a:fillRef>
+          <a:effectRef idx="1">
+            <a:schemeClr val="dk1"/>
+          </a:effectRef>
+          <a:fontRef idx="minor">
+            <a:schemeClr val="tx1"/>
+          </a:fontRef>
+        </p:style>
+      </p:cxnSp>
+      <p:sp>
+        <p:nvSpPr>
+          <p:cNvPr id="18" name="Rectangle 17">
+            <a:extLst>
+              <a:ext uri="{FF2B5EF4-FFF2-40B4-BE49-F238E27FC236}">
+                <a16:creationId xmlns:a16="http://schemas.microsoft.com/office/drawing/2014/main" id="{5A3B5DF6-4C7D-4D38-8F1B-A0C7DD2D424E}"/>
               </a:ext>
             </a:extLst>
           </p:cNvPr>
@@ -7161,8 +11164,8 @@
         </p:nvSpPr>
         <p:spPr>
           <a:xfrm>
-            <a:off x="115383" y="3808520"/>
-            <a:ext cx="11428571" cy="644371"/>
+            <a:off x="1990491" y="823121"/>
+            <a:ext cx="3044482" cy="251460"/>
           </a:xfrm>
           <a:prstGeom prst="rect">
             <a:avLst/>
@@ -7172,7 +11175,7 @@
           </a:solidFill>
           <a:ln>
             <a:solidFill>
-              <a:schemeClr val="bg1"/>
+              <a:schemeClr val="tx1"/>
             </a:solidFill>
           </a:ln>
         </p:spPr>
@@ -7197,16 +11200,67 @@
           <a:lstStyle/>
           <a:p>
             <a:pPr algn="ctr"/>
-            <a:endParaRPr lang="en-US"/>
-          </a:p>
-        </p:txBody>
-      </p:sp>
-      <p:sp>
-        <p:nvSpPr>
-          <p:cNvPr id="20" name="Rectangle 19">
-            <a:extLst>
-              <a:ext uri="{FF2B5EF4-FFF2-40B4-BE49-F238E27FC236}">
-                <a16:creationId xmlns:a16="http://schemas.microsoft.com/office/drawing/2014/main" id="{6BE394EC-DFE6-4446-98EB-3412290997BE}"/>
+            <a:r>
+              <a:rPr lang="en-US" sz="1400" dirty="0">
+                <a:solidFill>
+                  <a:schemeClr val="tx1"/>
+                </a:solidFill>
+                <a:latin typeface="Times New Roman" panose="02020603050405020304" pitchFamily="18" charset="0"/>
+                <a:cs typeface="Times New Roman" panose="02020603050405020304" pitchFamily="18" charset="0"/>
+              </a:rPr>
+              <a:t>Switching frequency and its sidebands</a:t>
+            </a:r>
+          </a:p>
+        </p:txBody>
+      </p:sp>
+      <p:cxnSp>
+        <p:nvCxnSpPr>
+          <p:cNvPr id="29" name="Straight Arrow Connector 28">
+            <a:extLst>
+              <a:ext uri="{FF2B5EF4-FFF2-40B4-BE49-F238E27FC236}">
+                <a16:creationId xmlns:a16="http://schemas.microsoft.com/office/drawing/2014/main" id="{8A183307-536B-4E8B-B117-F0A1FA334EBF}"/>
+              </a:ext>
+            </a:extLst>
+          </p:cNvPr>
+          <p:cNvCxnSpPr>
+            <a:cxnSpLocks/>
+            <a:endCxn id="18" idx="2"/>
+          </p:cNvCxnSpPr>
+          <p:nvPr/>
+        </p:nvCxnSpPr>
+        <p:spPr>
+          <a:xfrm flipV="1">
+            <a:off x="3512732" y="1074581"/>
+            <a:ext cx="0" cy="167479"/>
+          </a:xfrm>
+          <a:prstGeom prst="straightConnector1">
+            <a:avLst/>
+          </a:prstGeom>
+          <a:ln>
+            <a:tailEnd type="triangle"/>
+          </a:ln>
+        </p:spPr>
+        <p:style>
+          <a:lnRef idx="2">
+            <a:schemeClr val="dk1"/>
+          </a:lnRef>
+          <a:fillRef idx="0">
+            <a:schemeClr val="dk1"/>
+          </a:fillRef>
+          <a:effectRef idx="1">
+            <a:schemeClr val="dk1"/>
+          </a:effectRef>
+          <a:fontRef idx="minor">
+            <a:schemeClr val="tx1"/>
+          </a:fontRef>
+        </p:style>
+      </p:cxnSp>
+      <p:sp>
+        <p:nvSpPr>
+          <p:cNvPr id="34" name="Rectangle 33">
+            <a:extLst>
+              <a:ext uri="{FF2B5EF4-FFF2-40B4-BE49-F238E27FC236}">
+                <a16:creationId xmlns:a16="http://schemas.microsoft.com/office/drawing/2014/main" id="{6B49794E-1835-485C-832F-5E5C472B680D}"/>
               </a:ext>
             </a:extLst>
           </p:cNvPr>
@@ -7215,8 +11269,8 @@
         </p:nvSpPr>
         <p:spPr>
           <a:xfrm>
-            <a:off x="2388094" y="2574894"/>
-            <a:ext cx="6782540" cy="1384757"/>
+            <a:off x="2561991" y="2784687"/>
+            <a:ext cx="1901482" cy="251460"/>
           </a:xfrm>
           <a:prstGeom prst="rect">
             <a:avLst/>
@@ -7226,7 +11280,7 @@
           </a:solidFill>
           <a:ln>
             <a:solidFill>
-              <a:schemeClr val="bg1"/>
+              <a:schemeClr val="tx1"/>
             </a:solidFill>
           </a:ln>
         </p:spPr>
@@ -7250,297 +11304,106 @@
           <a:bodyPr rtlCol="0" anchor="ctr"/>
           <a:lstStyle/>
           <a:p>
-            <a:pPr algn="ctr"/>
-            <a:endParaRPr lang="en-US"/>
-          </a:p>
-        </p:txBody>
-      </p:sp>
-      <p:pic>
-        <p:nvPicPr>
-          <p:cNvPr id="23" name="Picture 22">
-            <a:extLst>
-              <a:ext uri="{FF2B5EF4-FFF2-40B4-BE49-F238E27FC236}">
-                <a16:creationId xmlns:a16="http://schemas.microsoft.com/office/drawing/2014/main" id="{C0FF3653-FA5E-4144-A674-711FCCC88C4E}"/>
-              </a:ext>
-            </a:extLst>
-          </p:cNvPr>
-          <p:cNvPicPr>
-            <a:picLocks noChangeAspect="1"/>
-          </p:cNvPicPr>
-          <p:nvPr/>
-        </p:nvPicPr>
-        <p:blipFill>
-          <a:blip r:embed="rId3"/>
-          <a:stretch>
-            <a:fillRect/>
-          </a:stretch>
-        </p:blipFill>
-        <p:spPr>
-          <a:xfrm>
-            <a:off x="2286000" y="2476500"/>
-            <a:ext cx="7620000" cy="1905000"/>
-          </a:xfrm>
-          <a:prstGeom prst="rect">
-            <a:avLst/>
-          </a:prstGeom>
-        </p:spPr>
-      </p:pic>
-      <p:sp>
-        <p:nvSpPr>
-          <p:cNvPr id="26" name="Rectangle 25">
-            <a:extLst>
-              <a:ext uri="{FF2B5EF4-FFF2-40B4-BE49-F238E27FC236}">
-                <a16:creationId xmlns:a16="http://schemas.microsoft.com/office/drawing/2014/main" id="{81662835-1CE6-4A2A-B327-493712CD0A0B}"/>
-              </a:ext>
-            </a:extLst>
-          </p:cNvPr>
-          <p:cNvSpPr/>
-          <p:nvPr/>
-        </p:nvSpPr>
-        <p:spPr>
-          <a:xfrm>
-            <a:off x="5829668" y="3147425"/>
-            <a:ext cx="754602" cy="119847"/>
-          </a:xfrm>
-          <a:prstGeom prst="rect">
-            <a:avLst/>
-          </a:prstGeom>
-          <a:noFill/>
-          <a:ln>
-            <a:noFill/>
-          </a:ln>
-        </p:spPr>
-        <p:style>
-          <a:lnRef idx="2">
-            <a:schemeClr val="accent1">
-              <a:shade val="50000"/>
-            </a:schemeClr>
-          </a:lnRef>
-          <a:fillRef idx="1">
-            <a:schemeClr val="accent1"/>
-          </a:fillRef>
-          <a:effectRef idx="0">
-            <a:schemeClr val="accent1"/>
-          </a:effectRef>
-          <a:fontRef idx="minor">
-            <a:schemeClr val="lt1"/>
-          </a:fontRef>
-        </p:style>
-        <p:txBody>
-          <a:bodyPr rtlCol="0" anchor="ctr"/>
-          <a:lstStyle/>
-          <a:p>
-            <a:pPr algn="ctr"/>
             <a:r>
-              <a:rPr lang="en-US" sz="1500" dirty="0">
+              <a:rPr lang="en-US" sz="1400" dirty="0">
                 <a:solidFill>
-                  <a:srgbClr val="002060"/>
+                  <a:schemeClr val="tx1"/>
                 </a:solidFill>
                 <a:latin typeface="Times New Roman" panose="02020603050405020304" pitchFamily="18" charset="0"/>
                 <a:cs typeface="Times New Roman" panose="02020603050405020304" pitchFamily="18" charset="0"/>
               </a:rPr>
-              <a:t>0.42</a:t>
+              <a:t>Fundamental frequency</a:t>
             </a:r>
-            <a:endParaRPr lang="en-US" sz="1500" dirty="0">
-              <a:latin typeface="Times New Roman" panose="02020603050405020304" pitchFamily="18" charset="0"/>
-              <a:cs typeface="Times New Roman" panose="02020603050405020304" pitchFamily="18" charset="0"/>
-            </a:endParaRPr>
-          </a:p>
-        </p:txBody>
-      </p:sp>
-      <p:sp>
-        <p:nvSpPr>
-          <p:cNvPr id="27" name="Rectangle 26">
-            <a:extLst>
-              <a:ext uri="{FF2B5EF4-FFF2-40B4-BE49-F238E27FC236}">
-                <a16:creationId xmlns:a16="http://schemas.microsoft.com/office/drawing/2014/main" id="{C31D2F43-7212-4422-AEC8-28BEEA29644D}"/>
-              </a:ext>
-            </a:extLst>
-          </p:cNvPr>
-          <p:cNvSpPr/>
-          <p:nvPr/>
-        </p:nvSpPr>
-        <p:spPr>
-          <a:xfrm>
-            <a:off x="5600328" y="3655301"/>
-            <a:ext cx="754602" cy="119847"/>
-          </a:xfrm>
-          <a:prstGeom prst="rect">
-            <a:avLst/>
-          </a:prstGeom>
-          <a:noFill/>
+          </a:p>
+        </p:txBody>
+      </p:sp>
+      <p:cxnSp>
+        <p:nvCxnSpPr>
+          <p:cNvPr id="35" name="Straight Arrow Connector 34">
+            <a:extLst>
+              <a:ext uri="{FF2B5EF4-FFF2-40B4-BE49-F238E27FC236}">
+                <a16:creationId xmlns:a16="http://schemas.microsoft.com/office/drawing/2014/main" id="{1861B001-CA9B-40AE-9DAC-E18EDBB3C185}"/>
+              </a:ext>
+            </a:extLst>
+          </p:cNvPr>
+          <p:cNvCxnSpPr>
+            <a:cxnSpLocks/>
+          </p:cNvCxnSpPr>
+          <p:nvPr/>
+        </p:nvCxnSpPr>
+        <p:spPr>
+          <a:xfrm>
+            <a:off x="3512732" y="2593765"/>
+            <a:ext cx="0" cy="190922"/>
+          </a:xfrm>
+          <a:prstGeom prst="straightConnector1">
+            <a:avLst/>
+          </a:prstGeom>
           <a:ln>
-            <a:noFill/>
+            <a:tailEnd type="triangle"/>
           </a:ln>
         </p:spPr>
         <p:style>
           <a:lnRef idx="2">
-            <a:schemeClr val="accent1">
-              <a:shade val="50000"/>
-            </a:schemeClr>
+            <a:schemeClr val="dk1"/>
           </a:lnRef>
-          <a:fillRef idx="1">
-            <a:schemeClr val="accent1"/>
+          <a:fillRef idx="0">
+            <a:schemeClr val="dk1"/>
           </a:fillRef>
-          <a:effectRef idx="0">
-            <a:schemeClr val="accent1"/>
+          <a:effectRef idx="1">
+            <a:schemeClr val="dk1"/>
           </a:effectRef>
           <a:fontRef idx="minor">
-            <a:schemeClr val="lt1"/>
+            <a:schemeClr val="tx1"/>
           </a:fontRef>
         </p:style>
-        <p:txBody>
-          <a:bodyPr rtlCol="0" anchor="ctr"/>
-          <a:lstStyle/>
-          <a:p>
-            <a:pPr algn="ctr"/>
-            <a:r>
-              <a:rPr lang="en-US" sz="1500" dirty="0">
-                <a:solidFill>
-                  <a:srgbClr val="002060"/>
-                </a:solidFill>
-                <a:latin typeface="Times New Roman" panose="02020603050405020304" pitchFamily="18" charset="0"/>
-                <a:cs typeface="Times New Roman" panose="02020603050405020304" pitchFamily="18" charset="0"/>
-              </a:rPr>
-              <a:t>0.02</a:t>
-            </a:r>
-            <a:endParaRPr lang="en-US" sz="1500" dirty="0">
-              <a:latin typeface="Times New Roman" panose="02020603050405020304" pitchFamily="18" charset="0"/>
-              <a:cs typeface="Times New Roman" panose="02020603050405020304" pitchFamily="18" charset="0"/>
-            </a:endParaRPr>
-          </a:p>
-        </p:txBody>
-      </p:sp>
-      <p:sp>
-        <p:nvSpPr>
-          <p:cNvPr id="28" name="Rectangle 27">
-            <a:extLst>
-              <a:ext uri="{FF2B5EF4-FFF2-40B4-BE49-F238E27FC236}">
-                <a16:creationId xmlns:a16="http://schemas.microsoft.com/office/drawing/2014/main" id="{D3DA55ED-3874-4944-9B52-690728AA5C6F}"/>
-              </a:ext>
-            </a:extLst>
-          </p:cNvPr>
-          <p:cNvSpPr/>
-          <p:nvPr/>
-        </p:nvSpPr>
-        <p:spPr>
-          <a:xfrm>
-            <a:off x="6079723" y="3655301"/>
-            <a:ext cx="754602" cy="119847"/>
-          </a:xfrm>
-          <a:prstGeom prst="rect">
-            <a:avLst/>
-          </a:prstGeom>
-          <a:noFill/>
+      </p:cxnSp>
+      <p:cxnSp>
+        <p:nvCxnSpPr>
+          <p:cNvPr id="38" name="Straight Arrow Connector 37">
+            <a:extLst>
+              <a:ext uri="{FF2B5EF4-FFF2-40B4-BE49-F238E27FC236}">
+                <a16:creationId xmlns:a16="http://schemas.microsoft.com/office/drawing/2014/main" id="{941100EF-9876-4640-9517-813388999F25}"/>
+              </a:ext>
+            </a:extLst>
+          </p:cNvPr>
+          <p:cNvCxnSpPr>
+            <a:cxnSpLocks/>
+            <a:stCxn id="34" idx="3"/>
+          </p:cNvCxnSpPr>
+          <p:nvPr/>
+        </p:nvCxnSpPr>
+        <p:spPr>
+          <a:xfrm>
+            <a:off x="4463473" y="2910417"/>
+            <a:ext cx="1372515" cy="0"/>
+          </a:xfrm>
+          <a:prstGeom prst="straightConnector1">
+            <a:avLst/>
+          </a:prstGeom>
           <a:ln>
-            <a:noFill/>
+            <a:tailEnd type="triangle"/>
           </a:ln>
         </p:spPr>
         <p:style>
           <a:lnRef idx="2">
-            <a:schemeClr val="accent1">
-              <a:shade val="50000"/>
-            </a:schemeClr>
+            <a:schemeClr val="dk1"/>
           </a:lnRef>
-          <a:fillRef idx="1">
-            <a:schemeClr val="accent1"/>
+          <a:fillRef idx="0">
+            <a:schemeClr val="dk1"/>
           </a:fillRef>
-          <a:effectRef idx="0">
-            <a:schemeClr val="accent1"/>
+          <a:effectRef idx="1">
+            <a:schemeClr val="dk1"/>
           </a:effectRef>
           <a:fontRef idx="minor">
-            <a:schemeClr val="lt1"/>
+            <a:schemeClr val="tx1"/>
           </a:fontRef>
         </p:style>
-        <p:txBody>
-          <a:bodyPr rtlCol="0" anchor="ctr"/>
-          <a:lstStyle/>
-          <a:p>
-            <a:pPr algn="ctr"/>
-            <a:r>
-              <a:rPr lang="en-US" sz="1500" dirty="0">
-                <a:solidFill>
-                  <a:srgbClr val="002060"/>
-                </a:solidFill>
-                <a:latin typeface="Times New Roman" panose="02020603050405020304" pitchFamily="18" charset="0"/>
-                <a:cs typeface="Times New Roman" panose="02020603050405020304" pitchFamily="18" charset="0"/>
-              </a:rPr>
-              <a:t>0.02</a:t>
-            </a:r>
-            <a:endParaRPr lang="en-US" sz="1500" dirty="0">
-              <a:latin typeface="Times New Roman" panose="02020603050405020304" pitchFamily="18" charset="0"/>
-              <a:cs typeface="Times New Roman" panose="02020603050405020304" pitchFamily="18" charset="0"/>
-            </a:endParaRPr>
-          </a:p>
-        </p:txBody>
-      </p:sp>
-      <p:sp>
-        <p:nvSpPr>
-          <p:cNvPr id="29" name="Rectangle 28">
-            <a:extLst>
-              <a:ext uri="{FF2B5EF4-FFF2-40B4-BE49-F238E27FC236}">
-                <a16:creationId xmlns:a16="http://schemas.microsoft.com/office/drawing/2014/main" id="{AD1A19A5-22BE-4856-BC6A-E6B60278D5F4}"/>
-              </a:ext>
-            </a:extLst>
-          </p:cNvPr>
-          <p:cNvSpPr/>
-          <p:nvPr/>
-        </p:nvSpPr>
-        <p:spPr>
-          <a:xfrm>
-            <a:off x="3096825" y="3427151"/>
-            <a:ext cx="754602" cy="119847"/>
-          </a:xfrm>
-          <a:prstGeom prst="rect">
-            <a:avLst/>
-          </a:prstGeom>
-          <a:noFill/>
-          <a:ln>
-            <a:noFill/>
-          </a:ln>
-        </p:spPr>
-        <p:style>
-          <a:lnRef idx="2">
-            <a:schemeClr val="accent1">
-              <a:shade val="50000"/>
-            </a:schemeClr>
-          </a:lnRef>
-          <a:fillRef idx="1">
-            <a:schemeClr val="accent1"/>
-          </a:fillRef>
-          <a:effectRef idx="0">
-            <a:schemeClr val="accent1"/>
-          </a:effectRef>
-          <a:fontRef idx="minor">
-            <a:schemeClr val="lt1"/>
-          </a:fontRef>
-        </p:style>
-        <p:txBody>
-          <a:bodyPr rtlCol="0" anchor="ctr"/>
-          <a:lstStyle/>
-          <a:p>
-            <a:pPr algn="ctr"/>
-            <a:r>
-              <a:rPr lang="en-US" sz="1500" dirty="0">
-                <a:solidFill>
-                  <a:srgbClr val="002060"/>
-                </a:solidFill>
-                <a:latin typeface="Times New Roman" panose="02020603050405020304" pitchFamily="18" charset="0"/>
-                <a:cs typeface="Times New Roman" panose="02020603050405020304" pitchFamily="18" charset="0"/>
-              </a:rPr>
-              <a:t>0.23</a:t>
-            </a:r>
-            <a:endParaRPr lang="en-US" sz="1500" dirty="0">
-              <a:latin typeface="Times New Roman" panose="02020603050405020304" pitchFamily="18" charset="0"/>
-              <a:cs typeface="Times New Roman" panose="02020603050405020304" pitchFamily="18" charset="0"/>
-            </a:endParaRPr>
-          </a:p>
-        </p:txBody>
-      </p:sp>
+      </p:cxnSp>
     </p:spTree>
     <p:extLst>
       <p:ext uri="{BB962C8B-B14F-4D97-AF65-F5344CB8AC3E}">
-        <p14:creationId xmlns:p14="http://schemas.microsoft.com/office/powerpoint/2010/main" val="235068604"/>
+        <p14:creationId xmlns:p14="http://schemas.microsoft.com/office/powerpoint/2010/main" val="1486025218"/>
       </p:ext>
     </p:extLst>
   </p:cSld>
@@ -7572,7 +11435,7 @@
           <p:cNvPr id="3" name="Picture 2">
             <a:extLst>
               <a:ext uri="{FF2B5EF4-FFF2-40B4-BE49-F238E27FC236}">
-                <a16:creationId xmlns:a16="http://schemas.microsoft.com/office/drawing/2014/main" id="{A89EE9AA-0013-441C-8CBD-45C89FECAD1B}"/>
+                <a16:creationId xmlns:a16="http://schemas.microsoft.com/office/drawing/2014/main" id="{7636FC52-8272-4FD8-A586-A73A5EF89102}"/>
               </a:ext>
             </a:extLst>
           </p:cNvPr>
@@ -7581,22 +11444,21 @@
           </p:cNvPicPr>
           <p:nvPr/>
         </p:nvPicPr>
-        <p:blipFill>
-          <a:blip r:embed="rId2">
+        <p:blipFill rotWithShape="1">
+          <a:blip r:embed="rId3">
             <a:extLst>
               <a:ext uri="{28A0092B-C50C-407E-A947-70E740481C1C}">
                 <a14:useLocalDpi xmlns:a14="http://schemas.microsoft.com/office/drawing/2010/main" val="0"/>
               </a:ext>
             </a:extLst>
           </a:blip>
-          <a:stretch>
-            <a:fillRect/>
-          </a:stretch>
+          <a:srcRect b="30270"/>
+          <a:stretch/>
         </p:blipFill>
         <p:spPr>
           <a:xfrm>
-            <a:off x="115383" y="421900"/>
-            <a:ext cx="11428571" cy="4771428"/>
+            <a:off x="1219956" y="501336"/>
+            <a:ext cx="4585552" cy="2927664"/>
           </a:xfrm>
           <a:prstGeom prst="rect">
             <a:avLst/>
@@ -7605,10 +11467,93 @@
       </p:pic>
       <p:sp>
         <p:nvSpPr>
-          <p:cNvPr id="8" name="Rectangle 7">
-            <a:extLst>
-              <a:ext uri="{FF2B5EF4-FFF2-40B4-BE49-F238E27FC236}">
-                <a16:creationId xmlns:a16="http://schemas.microsoft.com/office/drawing/2014/main" id="{0DDA51F3-000E-4780-B357-D05EE8DFEF9B}"/>
+          <p:cNvPr id="16" name="TextBox 15">
+            <a:extLst>
+              <a:ext uri="{FF2B5EF4-FFF2-40B4-BE49-F238E27FC236}">
+                <a16:creationId xmlns:a16="http://schemas.microsoft.com/office/drawing/2014/main" id="{40CB3ECC-B06D-4526-ABF0-B5B0154AAE26}"/>
+              </a:ext>
+            </a:extLst>
+          </p:cNvPr>
+          <p:cNvSpPr txBox="1"/>
+          <p:nvPr/>
+        </p:nvSpPr>
+        <p:spPr>
+          <a:xfrm>
+            <a:off x="1359878" y="3036147"/>
+            <a:ext cx="1599797" cy="307777"/>
+          </a:xfrm>
+          <a:prstGeom prst="rect">
+            <a:avLst/>
+          </a:prstGeom>
+          <a:noFill/>
+        </p:spPr>
+        <p:txBody>
+          <a:bodyPr wrap="none" lIns="0" tIns="0" rIns="0" bIns="0" rtlCol="0">
+            <a:spAutoFit/>
+          </a:bodyPr>
+          <a:lstStyle/>
+          <a:p>
+            <a:r>
+              <a:rPr lang="en-US" sz="2000" dirty="0">
+                <a:solidFill>
+                  <a:srgbClr val="D60093"/>
+                </a:solidFill>
+                <a:latin typeface="Times New Roman" panose="02020603050405020304" pitchFamily="18" charset="0"/>
+                <a:cs typeface="Times New Roman" panose="02020603050405020304" pitchFamily="18" charset="0"/>
+              </a:rPr>
+              <a:t>5V/div 2ms/div</a:t>
+            </a:r>
+          </a:p>
+        </p:txBody>
+      </p:sp>
+      <p:cxnSp>
+        <p:nvCxnSpPr>
+          <p:cNvPr id="17" name="Straight Arrow Connector 16">
+            <a:extLst>
+              <a:ext uri="{FF2B5EF4-FFF2-40B4-BE49-F238E27FC236}">
+                <a16:creationId xmlns:a16="http://schemas.microsoft.com/office/drawing/2014/main" id="{DC782404-D5CF-4217-9720-29063EB191F1}"/>
+              </a:ext>
+            </a:extLst>
+          </p:cNvPr>
+          <p:cNvCxnSpPr>
+            <a:cxnSpLocks/>
+            <a:stCxn id="18" idx="3"/>
+          </p:cNvCxnSpPr>
+          <p:nvPr/>
+        </p:nvCxnSpPr>
+        <p:spPr>
+          <a:xfrm>
+            <a:off x="5034973" y="948851"/>
+            <a:ext cx="847667" cy="0"/>
+          </a:xfrm>
+          <a:prstGeom prst="straightConnector1">
+            <a:avLst/>
+          </a:prstGeom>
+          <a:ln>
+            <a:tailEnd type="triangle"/>
+          </a:ln>
+        </p:spPr>
+        <p:style>
+          <a:lnRef idx="2">
+            <a:schemeClr val="dk1"/>
+          </a:lnRef>
+          <a:fillRef idx="0">
+            <a:schemeClr val="dk1"/>
+          </a:fillRef>
+          <a:effectRef idx="1">
+            <a:schemeClr val="dk1"/>
+          </a:effectRef>
+          <a:fontRef idx="minor">
+            <a:schemeClr val="tx1"/>
+          </a:fontRef>
+        </p:style>
+      </p:cxnSp>
+      <p:sp>
+        <p:nvSpPr>
+          <p:cNvPr id="18" name="Rectangle 17">
+            <a:extLst>
+              <a:ext uri="{FF2B5EF4-FFF2-40B4-BE49-F238E27FC236}">
+                <a16:creationId xmlns:a16="http://schemas.microsoft.com/office/drawing/2014/main" id="{5A3B5DF6-4C7D-4D38-8F1B-A0C7DD2D424E}"/>
               </a:ext>
             </a:extLst>
           </p:cNvPr>
@@ -7617,8 +11562,8 @@
         </p:nvSpPr>
         <p:spPr>
           <a:xfrm>
-            <a:off x="115383" y="3808520"/>
-            <a:ext cx="11428571" cy="644371"/>
+            <a:off x="1990491" y="823121"/>
+            <a:ext cx="3044482" cy="251460"/>
           </a:xfrm>
           <a:prstGeom prst="rect">
             <a:avLst/>
@@ -7628,7 +11573,7 @@
           </a:solidFill>
           <a:ln>
             <a:solidFill>
-              <a:schemeClr val="bg1"/>
+              <a:schemeClr val="tx1"/>
             </a:solidFill>
           </a:ln>
         </p:spPr>
@@ -7653,16 +11598,67 @@
           <a:lstStyle/>
           <a:p>
             <a:pPr algn="ctr"/>
-            <a:endParaRPr lang="en-US"/>
-          </a:p>
-        </p:txBody>
-      </p:sp>
-      <p:sp>
-        <p:nvSpPr>
-          <p:cNvPr id="20" name="Rectangle 19">
-            <a:extLst>
-              <a:ext uri="{FF2B5EF4-FFF2-40B4-BE49-F238E27FC236}">
-                <a16:creationId xmlns:a16="http://schemas.microsoft.com/office/drawing/2014/main" id="{6BE394EC-DFE6-4446-98EB-3412290997BE}"/>
+            <a:r>
+              <a:rPr lang="en-US" sz="1400" dirty="0">
+                <a:solidFill>
+                  <a:schemeClr val="tx1"/>
+                </a:solidFill>
+                <a:latin typeface="Times New Roman" panose="02020603050405020304" pitchFamily="18" charset="0"/>
+                <a:cs typeface="Times New Roman" panose="02020603050405020304" pitchFamily="18" charset="0"/>
+              </a:rPr>
+              <a:t>Switching frequency and its sidebands</a:t>
+            </a:r>
+          </a:p>
+        </p:txBody>
+      </p:sp>
+      <p:cxnSp>
+        <p:nvCxnSpPr>
+          <p:cNvPr id="29" name="Straight Arrow Connector 28">
+            <a:extLst>
+              <a:ext uri="{FF2B5EF4-FFF2-40B4-BE49-F238E27FC236}">
+                <a16:creationId xmlns:a16="http://schemas.microsoft.com/office/drawing/2014/main" id="{8A183307-536B-4E8B-B117-F0A1FA334EBF}"/>
+              </a:ext>
+            </a:extLst>
+          </p:cNvPr>
+          <p:cNvCxnSpPr>
+            <a:cxnSpLocks/>
+            <a:endCxn id="18" idx="2"/>
+          </p:cNvCxnSpPr>
+          <p:nvPr/>
+        </p:nvCxnSpPr>
+        <p:spPr>
+          <a:xfrm flipV="1">
+            <a:off x="3512732" y="1074581"/>
+            <a:ext cx="0" cy="167479"/>
+          </a:xfrm>
+          <a:prstGeom prst="straightConnector1">
+            <a:avLst/>
+          </a:prstGeom>
+          <a:ln>
+            <a:tailEnd type="triangle"/>
+          </a:ln>
+        </p:spPr>
+        <p:style>
+          <a:lnRef idx="2">
+            <a:schemeClr val="dk1"/>
+          </a:lnRef>
+          <a:fillRef idx="0">
+            <a:schemeClr val="dk1"/>
+          </a:fillRef>
+          <a:effectRef idx="1">
+            <a:schemeClr val="dk1"/>
+          </a:effectRef>
+          <a:fontRef idx="minor">
+            <a:schemeClr val="tx1"/>
+          </a:fontRef>
+        </p:style>
+      </p:cxnSp>
+      <p:sp>
+        <p:nvSpPr>
+          <p:cNvPr id="34" name="Rectangle 33">
+            <a:extLst>
+              <a:ext uri="{FF2B5EF4-FFF2-40B4-BE49-F238E27FC236}">
+                <a16:creationId xmlns:a16="http://schemas.microsoft.com/office/drawing/2014/main" id="{6B49794E-1835-485C-832F-5E5C472B680D}"/>
               </a:ext>
             </a:extLst>
           </p:cNvPr>
@@ -7671,8 +11667,8 @@
         </p:nvSpPr>
         <p:spPr>
           <a:xfrm>
-            <a:off x="2388094" y="2574894"/>
-            <a:ext cx="6782540" cy="1384757"/>
+            <a:off x="2561991" y="2784687"/>
+            <a:ext cx="1901482" cy="251460"/>
           </a:xfrm>
           <a:prstGeom prst="rect">
             <a:avLst/>
@@ -7682,7 +11678,7 @@
           </a:solidFill>
           <a:ln>
             <a:solidFill>
-              <a:schemeClr val="bg1"/>
+              <a:schemeClr val="tx1"/>
             </a:solidFill>
           </a:ln>
         </p:spPr>
@@ -7706,17 +11702,107 @@
           <a:bodyPr rtlCol="0" anchor="ctr"/>
           <a:lstStyle/>
           <a:p>
-            <a:pPr algn="ctr"/>
-            <a:endParaRPr lang="en-US"/>
-          </a:p>
-        </p:txBody>
-      </p:sp>
+            <a:r>
+              <a:rPr lang="en-US" sz="1400" dirty="0">
+                <a:solidFill>
+                  <a:schemeClr val="tx1"/>
+                </a:solidFill>
+                <a:latin typeface="Times New Roman" panose="02020603050405020304" pitchFamily="18" charset="0"/>
+                <a:cs typeface="Times New Roman" panose="02020603050405020304" pitchFamily="18" charset="0"/>
+              </a:rPr>
+              <a:t>Fundamental frequency</a:t>
+            </a:r>
+          </a:p>
+        </p:txBody>
+      </p:sp>
+      <p:cxnSp>
+        <p:nvCxnSpPr>
+          <p:cNvPr id="35" name="Straight Arrow Connector 34">
+            <a:extLst>
+              <a:ext uri="{FF2B5EF4-FFF2-40B4-BE49-F238E27FC236}">
+                <a16:creationId xmlns:a16="http://schemas.microsoft.com/office/drawing/2014/main" id="{1861B001-CA9B-40AE-9DAC-E18EDBB3C185}"/>
+              </a:ext>
+            </a:extLst>
+          </p:cNvPr>
+          <p:cNvCxnSpPr>
+            <a:cxnSpLocks/>
+          </p:cNvCxnSpPr>
+          <p:nvPr/>
+        </p:nvCxnSpPr>
+        <p:spPr>
+          <a:xfrm>
+            <a:off x="3512732" y="2593765"/>
+            <a:ext cx="0" cy="190922"/>
+          </a:xfrm>
+          <a:prstGeom prst="straightConnector1">
+            <a:avLst/>
+          </a:prstGeom>
+          <a:ln>
+            <a:tailEnd type="triangle"/>
+          </a:ln>
+        </p:spPr>
+        <p:style>
+          <a:lnRef idx="2">
+            <a:schemeClr val="dk1"/>
+          </a:lnRef>
+          <a:fillRef idx="0">
+            <a:schemeClr val="dk1"/>
+          </a:fillRef>
+          <a:effectRef idx="1">
+            <a:schemeClr val="dk1"/>
+          </a:effectRef>
+          <a:fontRef idx="minor">
+            <a:schemeClr val="tx1"/>
+          </a:fontRef>
+        </p:style>
+      </p:cxnSp>
+      <p:cxnSp>
+        <p:nvCxnSpPr>
+          <p:cNvPr id="38" name="Straight Arrow Connector 37">
+            <a:extLst>
+              <a:ext uri="{FF2B5EF4-FFF2-40B4-BE49-F238E27FC236}">
+                <a16:creationId xmlns:a16="http://schemas.microsoft.com/office/drawing/2014/main" id="{941100EF-9876-4640-9517-813388999F25}"/>
+              </a:ext>
+            </a:extLst>
+          </p:cNvPr>
+          <p:cNvCxnSpPr>
+            <a:cxnSpLocks/>
+          </p:cNvCxnSpPr>
+          <p:nvPr/>
+        </p:nvCxnSpPr>
+        <p:spPr>
+          <a:xfrm>
+            <a:off x="4463473" y="2910417"/>
+            <a:ext cx="1365827" cy="0"/>
+          </a:xfrm>
+          <a:prstGeom prst="straightConnector1">
+            <a:avLst/>
+          </a:prstGeom>
+          <a:ln>
+            <a:tailEnd type="triangle"/>
+          </a:ln>
+        </p:spPr>
+        <p:style>
+          <a:lnRef idx="2">
+            <a:schemeClr val="dk1"/>
+          </a:lnRef>
+          <a:fillRef idx="0">
+            <a:schemeClr val="dk1"/>
+          </a:fillRef>
+          <a:effectRef idx="1">
+            <a:schemeClr val="dk1"/>
+          </a:effectRef>
+          <a:fontRef idx="minor">
+            <a:schemeClr val="tx1"/>
+          </a:fontRef>
+        </p:style>
+      </p:cxnSp>
       <p:pic>
         <p:nvPicPr>
-          <p:cNvPr id="21" name="Picture 20">
-            <a:extLst>
-              <a:ext uri="{FF2B5EF4-FFF2-40B4-BE49-F238E27FC236}">
-                <a16:creationId xmlns:a16="http://schemas.microsoft.com/office/drawing/2014/main" id="{14FCFBC7-72A6-49BB-A619-234EE91D068C}"/>
+          <p:cNvPr id="6" name="Picture 5">
+            <a:extLst>
+              <a:ext uri="{FF2B5EF4-FFF2-40B4-BE49-F238E27FC236}">
+                <a16:creationId xmlns:a16="http://schemas.microsoft.com/office/drawing/2014/main" id="{74EC6E84-076E-4881-BD5A-70FCF018D04B}"/>
               </a:ext>
             </a:extLst>
           </p:cNvPr>
@@ -7725,285 +11811,55 @@
           </p:cNvPicPr>
           <p:nvPr/>
         </p:nvPicPr>
+        <p:blipFill rotWithShape="1">
+          <a:blip r:embed="rId4"/>
+          <a:srcRect b="20139"/>
+          <a:stretch/>
+        </p:blipFill>
+        <p:spPr>
+          <a:xfrm>
+            <a:off x="5829300" y="313905"/>
+            <a:ext cx="4762500" cy="1521351"/>
+          </a:xfrm>
+          <a:prstGeom prst="rect">
+            <a:avLst/>
+          </a:prstGeom>
+        </p:spPr>
+      </p:pic>
+      <p:pic>
+        <p:nvPicPr>
+          <p:cNvPr id="7" name="Picture 6">
+            <a:extLst>
+              <a:ext uri="{FF2B5EF4-FFF2-40B4-BE49-F238E27FC236}">
+                <a16:creationId xmlns:a16="http://schemas.microsoft.com/office/drawing/2014/main" id="{8A1B052B-CB61-46BA-BB7A-052C8547C738}"/>
+              </a:ext>
+            </a:extLst>
+          </p:cNvPr>
+          <p:cNvPicPr>
+            <a:picLocks noChangeAspect="1"/>
+          </p:cNvPicPr>
+          <p:nvPr/>
+        </p:nvPicPr>
         <p:blipFill>
-          <a:blip r:embed="rId3"/>
+          <a:blip r:embed="rId5"/>
           <a:stretch>
             <a:fillRect/>
           </a:stretch>
         </p:blipFill>
         <p:spPr>
           <a:xfrm>
-            <a:off x="2179467" y="2476500"/>
-            <a:ext cx="7620000" cy="1905000"/>
+            <a:off x="5805508" y="1832187"/>
+            <a:ext cx="4762500" cy="1905000"/>
           </a:xfrm>
           <a:prstGeom prst="rect">
             <a:avLst/>
           </a:prstGeom>
         </p:spPr>
       </p:pic>
-      <p:sp>
-        <p:nvSpPr>
-          <p:cNvPr id="9" name="Rectangle 8">
-            <a:extLst>
-              <a:ext uri="{FF2B5EF4-FFF2-40B4-BE49-F238E27FC236}">
-                <a16:creationId xmlns:a16="http://schemas.microsoft.com/office/drawing/2014/main" id="{7B56FCD5-C63F-4D1E-AFE8-B98F4AF77667}"/>
-              </a:ext>
-            </a:extLst>
-          </p:cNvPr>
-          <p:cNvSpPr/>
-          <p:nvPr/>
-        </p:nvSpPr>
-        <p:spPr>
-          <a:xfrm>
-            <a:off x="5718699" y="3147425"/>
-            <a:ext cx="754602" cy="119847"/>
-          </a:xfrm>
-          <a:prstGeom prst="rect">
-            <a:avLst/>
-          </a:prstGeom>
-          <a:noFill/>
-          <a:ln>
-            <a:noFill/>
-          </a:ln>
-        </p:spPr>
-        <p:style>
-          <a:lnRef idx="2">
-            <a:schemeClr val="accent1">
-              <a:shade val="50000"/>
-            </a:schemeClr>
-          </a:lnRef>
-          <a:fillRef idx="1">
-            <a:schemeClr val="accent1"/>
-          </a:fillRef>
-          <a:effectRef idx="0">
-            <a:schemeClr val="accent1"/>
-          </a:effectRef>
-          <a:fontRef idx="minor">
-            <a:schemeClr val="lt1"/>
-          </a:fontRef>
-        </p:style>
-        <p:txBody>
-          <a:bodyPr rtlCol="0" anchor="ctr"/>
-          <a:lstStyle/>
-          <a:p>
-            <a:pPr algn="ctr"/>
-            <a:r>
-              <a:rPr lang="en-US" sz="1500" dirty="0">
-                <a:solidFill>
-                  <a:srgbClr val="002060"/>
-                </a:solidFill>
-                <a:latin typeface="Times New Roman" panose="02020603050405020304" pitchFamily="18" charset="0"/>
-                <a:cs typeface="Times New Roman" panose="02020603050405020304" pitchFamily="18" charset="0"/>
-              </a:rPr>
-              <a:t>0.40</a:t>
-            </a:r>
-            <a:endParaRPr lang="en-US" sz="1500" dirty="0">
-              <a:latin typeface="Times New Roman" panose="02020603050405020304" pitchFamily="18" charset="0"/>
-              <a:cs typeface="Times New Roman" panose="02020603050405020304" pitchFamily="18" charset="0"/>
-            </a:endParaRPr>
-          </a:p>
-        </p:txBody>
-      </p:sp>
-      <p:sp>
-        <p:nvSpPr>
-          <p:cNvPr id="11" name="Rectangle 10">
-            <a:extLst>
-              <a:ext uri="{FF2B5EF4-FFF2-40B4-BE49-F238E27FC236}">
-                <a16:creationId xmlns:a16="http://schemas.microsoft.com/office/drawing/2014/main" id="{396B777C-3B0A-492B-8BF8-3575569904B7}"/>
-              </a:ext>
-            </a:extLst>
-          </p:cNvPr>
-          <p:cNvSpPr/>
-          <p:nvPr/>
-        </p:nvSpPr>
-        <p:spPr>
-          <a:xfrm>
-            <a:off x="5452367" y="3617282"/>
-            <a:ext cx="754602" cy="119847"/>
-          </a:xfrm>
-          <a:prstGeom prst="rect">
-            <a:avLst/>
-          </a:prstGeom>
-          <a:noFill/>
-          <a:ln>
-            <a:noFill/>
-          </a:ln>
-        </p:spPr>
-        <p:style>
-          <a:lnRef idx="2">
-            <a:schemeClr val="accent1">
-              <a:shade val="50000"/>
-            </a:schemeClr>
-          </a:lnRef>
-          <a:fillRef idx="1">
-            <a:schemeClr val="accent1"/>
-          </a:fillRef>
-          <a:effectRef idx="0">
-            <a:schemeClr val="accent1"/>
-          </a:effectRef>
-          <a:fontRef idx="minor">
-            <a:schemeClr val="lt1"/>
-          </a:fontRef>
-        </p:style>
-        <p:txBody>
-          <a:bodyPr rtlCol="0" anchor="ctr"/>
-          <a:lstStyle/>
-          <a:p>
-            <a:pPr algn="ctr"/>
-            <a:r>
-              <a:rPr lang="en-US" sz="1500" dirty="0">
-                <a:latin typeface="Times New Roman" panose="02020603050405020304" pitchFamily="18" charset="0"/>
-                <a:cs typeface="Times New Roman" panose="02020603050405020304" pitchFamily="18" charset="0"/>
-              </a:rPr>
-              <a:t>S</a:t>
-            </a:r>
-            <a:r>
-              <a:rPr lang="en-US" sz="1500" dirty="0">
-                <a:solidFill>
-                  <a:srgbClr val="002060"/>
-                </a:solidFill>
-                <a:latin typeface="Times New Roman" panose="02020603050405020304" pitchFamily="18" charset="0"/>
-                <a:cs typeface="Times New Roman" panose="02020603050405020304" pitchFamily="18" charset="0"/>
-              </a:rPr>
-              <a:t>0.10</a:t>
-            </a:r>
-            <a:endParaRPr lang="en-US" sz="1500" dirty="0">
-              <a:latin typeface="Times New Roman" panose="02020603050405020304" pitchFamily="18" charset="0"/>
-              <a:cs typeface="Times New Roman" panose="02020603050405020304" pitchFamily="18" charset="0"/>
-            </a:endParaRPr>
-          </a:p>
-        </p:txBody>
-      </p:sp>
-      <p:sp>
-        <p:nvSpPr>
-          <p:cNvPr id="12" name="Rectangle 11">
-            <a:extLst>
-              <a:ext uri="{FF2B5EF4-FFF2-40B4-BE49-F238E27FC236}">
-                <a16:creationId xmlns:a16="http://schemas.microsoft.com/office/drawing/2014/main" id="{5A3373B8-56B5-4E27-9278-471EA56EF30E}"/>
-              </a:ext>
-            </a:extLst>
-          </p:cNvPr>
-          <p:cNvSpPr/>
-          <p:nvPr/>
-        </p:nvSpPr>
-        <p:spPr>
-          <a:xfrm>
-            <a:off x="5947309" y="3617282"/>
-            <a:ext cx="754602" cy="119847"/>
-          </a:xfrm>
-          <a:prstGeom prst="rect">
-            <a:avLst/>
-          </a:prstGeom>
-          <a:noFill/>
-          <a:ln>
-            <a:noFill/>
-          </a:ln>
-        </p:spPr>
-        <p:style>
-          <a:lnRef idx="2">
-            <a:schemeClr val="accent1">
-              <a:shade val="50000"/>
-            </a:schemeClr>
-          </a:lnRef>
-          <a:fillRef idx="1">
-            <a:schemeClr val="accent1"/>
-          </a:fillRef>
-          <a:effectRef idx="0">
-            <a:schemeClr val="accent1"/>
-          </a:effectRef>
-          <a:fontRef idx="minor">
-            <a:schemeClr val="lt1"/>
-          </a:fontRef>
-        </p:style>
-        <p:txBody>
-          <a:bodyPr rtlCol="0" anchor="ctr"/>
-          <a:lstStyle/>
-          <a:p>
-            <a:pPr algn="ctr"/>
-            <a:r>
-              <a:rPr lang="en-US" sz="1500" dirty="0">
-                <a:solidFill>
-                  <a:srgbClr val="002060"/>
-                </a:solidFill>
-                <a:latin typeface="Times New Roman" panose="02020603050405020304" pitchFamily="18" charset="0"/>
-                <a:cs typeface="Times New Roman" panose="02020603050405020304" pitchFamily="18" charset="0"/>
-              </a:rPr>
-              <a:t>0.10</a:t>
-            </a:r>
-            <a:endParaRPr lang="en-US" sz="1500" dirty="0">
-              <a:latin typeface="Times New Roman" panose="02020603050405020304" pitchFamily="18" charset="0"/>
-              <a:cs typeface="Times New Roman" panose="02020603050405020304" pitchFamily="18" charset="0"/>
-            </a:endParaRPr>
-          </a:p>
-        </p:txBody>
-      </p:sp>
-      <p:sp>
-        <p:nvSpPr>
-          <p:cNvPr id="13" name="Rectangle 12">
-            <a:extLst>
-              <a:ext uri="{FF2B5EF4-FFF2-40B4-BE49-F238E27FC236}">
-                <a16:creationId xmlns:a16="http://schemas.microsoft.com/office/drawing/2014/main" id="{B1DDA6FF-7A70-4C92-8CB5-9CBF8E9DEC4D}"/>
-              </a:ext>
-            </a:extLst>
-          </p:cNvPr>
-          <p:cNvSpPr/>
-          <p:nvPr/>
-        </p:nvSpPr>
-        <p:spPr>
-          <a:xfrm>
-            <a:off x="3021366" y="3082587"/>
-            <a:ext cx="754602" cy="119847"/>
-          </a:xfrm>
-          <a:prstGeom prst="rect">
-            <a:avLst/>
-          </a:prstGeom>
-          <a:noFill/>
-          <a:ln>
-            <a:noFill/>
-          </a:ln>
-        </p:spPr>
-        <p:style>
-          <a:lnRef idx="2">
-            <a:schemeClr val="accent1">
-              <a:shade val="50000"/>
-            </a:schemeClr>
-          </a:lnRef>
-          <a:fillRef idx="1">
-            <a:schemeClr val="accent1"/>
-          </a:fillRef>
-          <a:effectRef idx="0">
-            <a:schemeClr val="accent1"/>
-          </a:effectRef>
-          <a:fontRef idx="minor">
-            <a:schemeClr val="lt1"/>
-          </a:fontRef>
-        </p:style>
-        <p:txBody>
-          <a:bodyPr rtlCol="0" anchor="ctr"/>
-          <a:lstStyle/>
-          <a:p>
-            <a:pPr algn="ctr"/>
-            <a:r>
-              <a:rPr lang="en-US" sz="1500" dirty="0">
-                <a:solidFill>
-                  <a:srgbClr val="002060"/>
-                </a:solidFill>
-                <a:latin typeface="Times New Roman" panose="02020603050405020304" pitchFamily="18" charset="0"/>
-                <a:cs typeface="Times New Roman" panose="02020603050405020304" pitchFamily="18" charset="0"/>
-              </a:rPr>
-              <a:t>0.48</a:t>
-            </a:r>
-            <a:endParaRPr lang="en-US" sz="1500" dirty="0">
-              <a:latin typeface="Times New Roman" panose="02020603050405020304" pitchFamily="18" charset="0"/>
-              <a:cs typeface="Times New Roman" panose="02020603050405020304" pitchFamily="18" charset="0"/>
-            </a:endParaRPr>
-          </a:p>
-        </p:txBody>
-      </p:sp>
     </p:spTree>
     <p:extLst>
       <p:ext uri="{BB962C8B-B14F-4D97-AF65-F5344CB8AC3E}">
-        <p14:creationId xmlns:p14="http://schemas.microsoft.com/office/powerpoint/2010/main" val="3909986564"/>
+        <p14:creationId xmlns:p14="http://schemas.microsoft.com/office/powerpoint/2010/main" val="4035851673"/>
       </p:ext>
     </p:extLst>
   </p:cSld>
@@ -8032,10 +11888,10 @@
       </p:grpSpPr>
       <p:pic>
         <p:nvPicPr>
-          <p:cNvPr id="6" name="Picture 5">
-            <a:extLst>
-              <a:ext uri="{FF2B5EF4-FFF2-40B4-BE49-F238E27FC236}">
-                <a16:creationId xmlns:a16="http://schemas.microsoft.com/office/drawing/2014/main" id="{2080A9F8-0719-4AA8-A3DD-2205C042053E}"/>
+          <p:cNvPr id="4" name="Picture 3">
+            <a:extLst>
+              <a:ext uri="{FF2B5EF4-FFF2-40B4-BE49-F238E27FC236}">
+                <a16:creationId xmlns:a16="http://schemas.microsoft.com/office/drawing/2014/main" id="{4597A0C1-13F0-41E9-B2DF-3B4609D7FCB5}"/>
               </a:ext>
             </a:extLst>
           </p:cNvPr>
@@ -8044,22 +11900,21 @@
           </p:cNvPicPr>
           <p:nvPr/>
         </p:nvPicPr>
-        <p:blipFill>
-          <a:blip r:embed="rId2">
+        <p:blipFill rotWithShape="1">
+          <a:blip r:embed="rId3">
             <a:extLst>
               <a:ext uri="{28A0092B-C50C-407E-A947-70E740481C1C}">
                 <a14:useLocalDpi xmlns:a14="http://schemas.microsoft.com/office/drawing/2010/main" val="0"/>
               </a:ext>
             </a:extLst>
           </a:blip>
-          <a:stretch>
-            <a:fillRect/>
-          </a:stretch>
+          <a:srcRect b="29789"/>
+          <a:stretch/>
         </p:blipFill>
         <p:spPr>
           <a:xfrm>
-            <a:off x="115383" y="421849"/>
-            <a:ext cx="11428571" cy="4771428"/>
+            <a:off x="1201896" y="501336"/>
+            <a:ext cx="4585552" cy="2927664"/>
           </a:xfrm>
           <a:prstGeom prst="rect">
             <a:avLst/>
@@ -8068,10 +11923,93 @@
       </p:pic>
       <p:sp>
         <p:nvSpPr>
-          <p:cNvPr id="8" name="Rectangle 7">
-            <a:extLst>
-              <a:ext uri="{FF2B5EF4-FFF2-40B4-BE49-F238E27FC236}">
-                <a16:creationId xmlns:a16="http://schemas.microsoft.com/office/drawing/2014/main" id="{0DDA51F3-000E-4780-B357-D05EE8DFEF9B}"/>
+          <p:cNvPr id="16" name="TextBox 15">
+            <a:extLst>
+              <a:ext uri="{FF2B5EF4-FFF2-40B4-BE49-F238E27FC236}">
+                <a16:creationId xmlns:a16="http://schemas.microsoft.com/office/drawing/2014/main" id="{40CB3ECC-B06D-4526-ABF0-B5B0154AAE26}"/>
+              </a:ext>
+            </a:extLst>
+          </p:cNvPr>
+          <p:cNvSpPr txBox="1"/>
+          <p:nvPr/>
+        </p:nvSpPr>
+        <p:spPr>
+          <a:xfrm>
+            <a:off x="1359878" y="3036147"/>
+            <a:ext cx="1599797" cy="307777"/>
+          </a:xfrm>
+          <a:prstGeom prst="rect">
+            <a:avLst/>
+          </a:prstGeom>
+          <a:noFill/>
+        </p:spPr>
+        <p:txBody>
+          <a:bodyPr wrap="none" lIns="0" tIns="0" rIns="0" bIns="0" rtlCol="0">
+            <a:spAutoFit/>
+          </a:bodyPr>
+          <a:lstStyle/>
+          <a:p>
+            <a:r>
+              <a:rPr lang="en-US" sz="2000" dirty="0">
+                <a:solidFill>
+                  <a:srgbClr val="D60093"/>
+                </a:solidFill>
+                <a:latin typeface="Times New Roman" panose="02020603050405020304" pitchFamily="18" charset="0"/>
+                <a:cs typeface="Times New Roman" panose="02020603050405020304" pitchFamily="18" charset="0"/>
+              </a:rPr>
+              <a:t>5V/div 2ms/div</a:t>
+            </a:r>
+          </a:p>
+        </p:txBody>
+      </p:sp>
+      <p:cxnSp>
+        <p:nvCxnSpPr>
+          <p:cNvPr id="17" name="Straight Arrow Connector 16">
+            <a:extLst>
+              <a:ext uri="{FF2B5EF4-FFF2-40B4-BE49-F238E27FC236}">
+                <a16:creationId xmlns:a16="http://schemas.microsoft.com/office/drawing/2014/main" id="{DC782404-D5CF-4217-9720-29063EB191F1}"/>
+              </a:ext>
+            </a:extLst>
+          </p:cNvPr>
+          <p:cNvCxnSpPr>
+            <a:cxnSpLocks/>
+            <a:stCxn id="18" idx="3"/>
+          </p:cNvCxnSpPr>
+          <p:nvPr/>
+        </p:nvCxnSpPr>
+        <p:spPr>
+          <a:xfrm>
+            <a:off x="5034973" y="948851"/>
+            <a:ext cx="847667" cy="0"/>
+          </a:xfrm>
+          <a:prstGeom prst="straightConnector1">
+            <a:avLst/>
+          </a:prstGeom>
+          <a:ln>
+            <a:tailEnd type="triangle"/>
+          </a:ln>
+        </p:spPr>
+        <p:style>
+          <a:lnRef idx="2">
+            <a:schemeClr val="dk1"/>
+          </a:lnRef>
+          <a:fillRef idx="0">
+            <a:schemeClr val="dk1"/>
+          </a:fillRef>
+          <a:effectRef idx="1">
+            <a:schemeClr val="dk1"/>
+          </a:effectRef>
+          <a:fontRef idx="minor">
+            <a:schemeClr val="tx1"/>
+          </a:fontRef>
+        </p:style>
+      </p:cxnSp>
+      <p:sp>
+        <p:nvSpPr>
+          <p:cNvPr id="18" name="Rectangle 17">
+            <a:extLst>
+              <a:ext uri="{FF2B5EF4-FFF2-40B4-BE49-F238E27FC236}">
+                <a16:creationId xmlns:a16="http://schemas.microsoft.com/office/drawing/2014/main" id="{5A3B5DF6-4C7D-4D38-8F1B-A0C7DD2D424E}"/>
               </a:ext>
             </a:extLst>
           </p:cNvPr>
@@ -8080,8 +12018,8 @@
         </p:nvSpPr>
         <p:spPr>
           <a:xfrm>
-            <a:off x="115383" y="3808520"/>
-            <a:ext cx="11428571" cy="644371"/>
+            <a:off x="1990491" y="823121"/>
+            <a:ext cx="3044482" cy="251460"/>
           </a:xfrm>
           <a:prstGeom prst="rect">
             <a:avLst/>
@@ -8091,7 +12029,7 @@
           </a:solidFill>
           <a:ln>
             <a:solidFill>
-              <a:schemeClr val="bg1"/>
+              <a:schemeClr val="tx1"/>
             </a:solidFill>
           </a:ln>
         </p:spPr>
@@ -8116,16 +12054,67 @@
           <a:lstStyle/>
           <a:p>
             <a:pPr algn="ctr"/>
-            <a:endParaRPr lang="en-US"/>
-          </a:p>
-        </p:txBody>
-      </p:sp>
-      <p:sp>
-        <p:nvSpPr>
-          <p:cNvPr id="20" name="Rectangle 19">
-            <a:extLst>
-              <a:ext uri="{FF2B5EF4-FFF2-40B4-BE49-F238E27FC236}">
-                <a16:creationId xmlns:a16="http://schemas.microsoft.com/office/drawing/2014/main" id="{6BE394EC-DFE6-4446-98EB-3412290997BE}"/>
+            <a:r>
+              <a:rPr lang="en-US" sz="1400" dirty="0">
+                <a:solidFill>
+                  <a:schemeClr val="tx1"/>
+                </a:solidFill>
+                <a:latin typeface="Times New Roman" panose="02020603050405020304" pitchFamily="18" charset="0"/>
+                <a:cs typeface="Times New Roman" panose="02020603050405020304" pitchFamily="18" charset="0"/>
+              </a:rPr>
+              <a:t>Switching frequency and its sidebands</a:t>
+            </a:r>
+          </a:p>
+        </p:txBody>
+      </p:sp>
+      <p:cxnSp>
+        <p:nvCxnSpPr>
+          <p:cNvPr id="29" name="Straight Arrow Connector 28">
+            <a:extLst>
+              <a:ext uri="{FF2B5EF4-FFF2-40B4-BE49-F238E27FC236}">
+                <a16:creationId xmlns:a16="http://schemas.microsoft.com/office/drawing/2014/main" id="{8A183307-536B-4E8B-B117-F0A1FA334EBF}"/>
+              </a:ext>
+            </a:extLst>
+          </p:cNvPr>
+          <p:cNvCxnSpPr>
+            <a:cxnSpLocks/>
+            <a:endCxn id="18" idx="2"/>
+          </p:cNvCxnSpPr>
+          <p:nvPr/>
+        </p:nvCxnSpPr>
+        <p:spPr>
+          <a:xfrm flipV="1">
+            <a:off x="3512732" y="1074581"/>
+            <a:ext cx="0" cy="167479"/>
+          </a:xfrm>
+          <a:prstGeom prst="straightConnector1">
+            <a:avLst/>
+          </a:prstGeom>
+          <a:ln>
+            <a:tailEnd type="triangle"/>
+          </a:ln>
+        </p:spPr>
+        <p:style>
+          <a:lnRef idx="2">
+            <a:schemeClr val="dk1"/>
+          </a:lnRef>
+          <a:fillRef idx="0">
+            <a:schemeClr val="dk1"/>
+          </a:fillRef>
+          <a:effectRef idx="1">
+            <a:schemeClr val="dk1"/>
+          </a:effectRef>
+          <a:fontRef idx="minor">
+            <a:schemeClr val="tx1"/>
+          </a:fontRef>
+        </p:style>
+      </p:cxnSp>
+      <p:sp>
+        <p:nvSpPr>
+          <p:cNvPr id="34" name="Rectangle 33">
+            <a:extLst>
+              <a:ext uri="{FF2B5EF4-FFF2-40B4-BE49-F238E27FC236}">
+                <a16:creationId xmlns:a16="http://schemas.microsoft.com/office/drawing/2014/main" id="{6B49794E-1835-485C-832F-5E5C472B680D}"/>
               </a:ext>
             </a:extLst>
           </p:cNvPr>
@@ -8134,8 +12123,8 @@
         </p:nvSpPr>
         <p:spPr>
           <a:xfrm>
-            <a:off x="2388094" y="2574894"/>
-            <a:ext cx="6782540" cy="1384757"/>
+            <a:off x="2561991" y="2784687"/>
+            <a:ext cx="1901482" cy="251460"/>
           </a:xfrm>
           <a:prstGeom prst="rect">
             <a:avLst/>
@@ -8145,7 +12134,7 @@
           </a:solidFill>
           <a:ln>
             <a:solidFill>
-              <a:schemeClr val="bg1"/>
+              <a:schemeClr val="tx1"/>
             </a:solidFill>
           </a:ln>
         </p:spPr>
@@ -8169,17 +12158,107 @@
           <a:bodyPr rtlCol="0" anchor="ctr"/>
           <a:lstStyle/>
           <a:p>
-            <a:pPr algn="ctr"/>
-            <a:endParaRPr lang="en-US"/>
-          </a:p>
-        </p:txBody>
-      </p:sp>
+            <a:r>
+              <a:rPr lang="en-US" sz="1400" dirty="0">
+                <a:solidFill>
+                  <a:schemeClr val="tx1"/>
+                </a:solidFill>
+                <a:latin typeface="Times New Roman" panose="02020603050405020304" pitchFamily="18" charset="0"/>
+                <a:cs typeface="Times New Roman" panose="02020603050405020304" pitchFamily="18" charset="0"/>
+              </a:rPr>
+              <a:t>Fundamental frequency</a:t>
+            </a:r>
+          </a:p>
+        </p:txBody>
+      </p:sp>
+      <p:cxnSp>
+        <p:nvCxnSpPr>
+          <p:cNvPr id="35" name="Straight Arrow Connector 34">
+            <a:extLst>
+              <a:ext uri="{FF2B5EF4-FFF2-40B4-BE49-F238E27FC236}">
+                <a16:creationId xmlns:a16="http://schemas.microsoft.com/office/drawing/2014/main" id="{1861B001-CA9B-40AE-9DAC-E18EDBB3C185}"/>
+              </a:ext>
+            </a:extLst>
+          </p:cNvPr>
+          <p:cNvCxnSpPr>
+            <a:cxnSpLocks/>
+          </p:cNvCxnSpPr>
+          <p:nvPr/>
+        </p:nvCxnSpPr>
+        <p:spPr>
+          <a:xfrm>
+            <a:off x="3512732" y="2593765"/>
+            <a:ext cx="0" cy="190922"/>
+          </a:xfrm>
+          <a:prstGeom prst="straightConnector1">
+            <a:avLst/>
+          </a:prstGeom>
+          <a:ln>
+            <a:tailEnd type="triangle"/>
+          </a:ln>
+        </p:spPr>
+        <p:style>
+          <a:lnRef idx="2">
+            <a:schemeClr val="dk1"/>
+          </a:lnRef>
+          <a:fillRef idx="0">
+            <a:schemeClr val="dk1"/>
+          </a:fillRef>
+          <a:effectRef idx="1">
+            <a:schemeClr val="dk1"/>
+          </a:effectRef>
+          <a:fontRef idx="minor">
+            <a:schemeClr val="tx1"/>
+          </a:fontRef>
+        </p:style>
+      </p:cxnSp>
+      <p:cxnSp>
+        <p:nvCxnSpPr>
+          <p:cNvPr id="38" name="Straight Arrow Connector 37">
+            <a:extLst>
+              <a:ext uri="{FF2B5EF4-FFF2-40B4-BE49-F238E27FC236}">
+                <a16:creationId xmlns:a16="http://schemas.microsoft.com/office/drawing/2014/main" id="{941100EF-9876-4640-9517-813388999F25}"/>
+              </a:ext>
+            </a:extLst>
+          </p:cNvPr>
+          <p:cNvCxnSpPr>
+            <a:cxnSpLocks/>
+          </p:cNvCxnSpPr>
+          <p:nvPr/>
+        </p:nvCxnSpPr>
+        <p:spPr>
+          <a:xfrm>
+            <a:off x="4463473" y="2910417"/>
+            <a:ext cx="1365827" cy="0"/>
+          </a:xfrm>
+          <a:prstGeom prst="straightConnector1">
+            <a:avLst/>
+          </a:prstGeom>
+          <a:ln>
+            <a:tailEnd type="triangle"/>
+          </a:ln>
+        </p:spPr>
+        <p:style>
+          <a:lnRef idx="2">
+            <a:schemeClr val="dk1"/>
+          </a:lnRef>
+          <a:fillRef idx="0">
+            <a:schemeClr val="dk1"/>
+          </a:fillRef>
+          <a:effectRef idx="1">
+            <a:schemeClr val="dk1"/>
+          </a:effectRef>
+          <a:fontRef idx="minor">
+            <a:schemeClr val="tx1"/>
+          </a:fontRef>
+        </p:style>
+      </p:cxnSp>
       <p:pic>
         <p:nvPicPr>
-          <p:cNvPr id="21" name="Picture 20">
-            <a:extLst>
-              <a:ext uri="{FF2B5EF4-FFF2-40B4-BE49-F238E27FC236}">
-                <a16:creationId xmlns:a16="http://schemas.microsoft.com/office/drawing/2014/main" id="{14FCFBC7-72A6-49BB-A619-234EE91D068C}"/>
+          <p:cNvPr id="5" name="Picture 4">
+            <a:extLst>
+              <a:ext uri="{FF2B5EF4-FFF2-40B4-BE49-F238E27FC236}">
+                <a16:creationId xmlns:a16="http://schemas.microsoft.com/office/drawing/2014/main" id="{B4BE6B00-309E-4133-99D7-685CE5148894}"/>
               </a:ext>
             </a:extLst>
           </p:cNvPr>
@@ -8188,16 +12267,45 @@
           </p:cNvPicPr>
           <p:nvPr/>
         </p:nvPicPr>
+        <p:blipFill rotWithShape="1">
+          <a:blip r:embed="rId4"/>
+          <a:srcRect b="20409"/>
+          <a:stretch/>
+        </p:blipFill>
+        <p:spPr>
+          <a:xfrm>
+            <a:off x="5800725" y="275885"/>
+            <a:ext cx="4762500" cy="1516216"/>
+          </a:xfrm>
+          <a:prstGeom prst="rect">
+            <a:avLst/>
+          </a:prstGeom>
+        </p:spPr>
+      </p:pic>
+      <p:pic>
+        <p:nvPicPr>
+          <p:cNvPr id="8" name="Picture 7">
+            <a:extLst>
+              <a:ext uri="{FF2B5EF4-FFF2-40B4-BE49-F238E27FC236}">
+                <a16:creationId xmlns:a16="http://schemas.microsoft.com/office/drawing/2014/main" id="{5899AB90-92CB-46E6-8A8A-BA4452F72F12}"/>
+              </a:ext>
+            </a:extLst>
+          </p:cNvPr>
+          <p:cNvPicPr>
+            <a:picLocks noChangeAspect="1"/>
+          </p:cNvPicPr>
+          <p:nvPr/>
+        </p:nvPicPr>
         <p:blipFill>
-          <a:blip r:embed="rId3"/>
+          <a:blip r:embed="rId5"/>
           <a:stretch>
             <a:fillRect/>
           </a:stretch>
         </p:blipFill>
         <p:spPr>
           <a:xfrm>
-            <a:off x="2179467" y="2476500"/>
-            <a:ext cx="7620000" cy="1905000"/>
+            <a:off x="5791200" y="1832187"/>
+            <a:ext cx="4762500" cy="1905000"/>
           </a:xfrm>
           <a:prstGeom prst="rect">
             <a:avLst/>
@@ -8207,7 +12315,7 @@
     </p:spTree>
     <p:extLst>
       <p:ext uri="{BB962C8B-B14F-4D97-AF65-F5344CB8AC3E}">
-        <p14:creationId xmlns:p14="http://schemas.microsoft.com/office/powerpoint/2010/main" val="3457228470"/>
+        <p14:creationId xmlns:p14="http://schemas.microsoft.com/office/powerpoint/2010/main" val="2424993883"/>
       </p:ext>
     </p:extLst>
   </p:cSld>
@@ -8510,4 +12618,299 @@
     </a:ext>
   </a:extLst>
 </a:theme>
+</file>
+
+<file path=ppt/theme/theme2.xml><?xml version="1.0" encoding="utf-8"?>
+<a:theme xmlns:a="http://schemas.openxmlformats.org/drawingml/2006/main" name="Office Theme">
+  <a:themeElements>
+    <a:clrScheme name="Office">
+      <a:dk1>
+        <a:sysClr val="windowText" lastClr="000000"/>
+      </a:dk1>
+      <a:lt1>
+        <a:sysClr val="window" lastClr="FFFFFF"/>
+      </a:lt1>
+      <a:dk2>
+        <a:srgbClr val="44546A"/>
+      </a:dk2>
+      <a:lt2>
+        <a:srgbClr val="E7E6E6"/>
+      </a:lt2>
+      <a:accent1>
+        <a:srgbClr val="4472C4"/>
+      </a:accent1>
+      <a:accent2>
+        <a:srgbClr val="ED7D31"/>
+      </a:accent2>
+      <a:accent3>
+        <a:srgbClr val="A5A5A5"/>
+      </a:accent3>
+      <a:accent4>
+        <a:srgbClr val="FFC000"/>
+      </a:accent4>
+      <a:accent5>
+        <a:srgbClr val="5B9BD5"/>
+      </a:accent5>
+      <a:accent6>
+        <a:srgbClr val="70AD47"/>
+      </a:accent6>
+      <a:hlink>
+        <a:srgbClr val="0563C1"/>
+      </a:hlink>
+      <a:folHlink>
+        <a:srgbClr val="954F72"/>
+      </a:folHlink>
+    </a:clrScheme>
+    <a:fontScheme name="Office">
+      <a:majorFont>
+        <a:latin typeface="Calibri Light" panose="020F0302020204030204"/>
+        <a:ea typeface=""/>
+        <a:cs typeface=""/>
+        <a:font script="Jpan" typeface="游ゴシック Light"/>
+        <a:font script="Hang" typeface="맑은 고딕"/>
+        <a:font script="Hans" typeface="等线 Light"/>
+        <a:font script="Hant" typeface="新細明體"/>
+        <a:font script="Arab" typeface="Times New Roman"/>
+        <a:font script="Hebr" typeface="Times New Roman"/>
+        <a:font script="Thai" typeface="Angsana New"/>
+        <a:font script="Ethi" typeface="Nyala"/>
+        <a:font script="Beng" typeface="Vrinda"/>
+        <a:font script="Gujr" typeface="Shruti"/>
+        <a:font script="Khmr" typeface="MoolBoran"/>
+        <a:font script="Knda" typeface="Tunga"/>
+        <a:font script="Guru" typeface="Raavi"/>
+        <a:font script="Cans" typeface="Euphemia"/>
+        <a:font script="Cher" typeface="Plantagenet Cherokee"/>
+        <a:font script="Yiii" typeface="Microsoft Yi Baiti"/>
+        <a:font script="Tibt" typeface="Microsoft Himalaya"/>
+        <a:font script="Thaa" typeface="MV Boli"/>
+        <a:font script="Deva" typeface="Mangal"/>
+        <a:font script="Telu" typeface="Gautami"/>
+        <a:font script="Taml" typeface="Latha"/>
+        <a:font script="Syrc" typeface="Estrangelo Edessa"/>
+        <a:font script="Orya" typeface="Kalinga"/>
+        <a:font script="Mlym" typeface="Kartika"/>
+        <a:font script="Laoo" typeface="DokChampa"/>
+        <a:font script="Sinh" typeface="Iskoola Pota"/>
+        <a:font script="Mong" typeface="Mongolian Baiti"/>
+        <a:font script="Viet" typeface="Times New Roman"/>
+        <a:font script="Uigh" typeface="Microsoft Uighur"/>
+        <a:font script="Geor" typeface="Sylfaen"/>
+        <a:font script="Armn" typeface="Arial"/>
+        <a:font script="Bugi" typeface="Leelawadee UI"/>
+        <a:font script="Bopo" typeface="Microsoft JhengHei"/>
+        <a:font script="Java" typeface="Javanese Text"/>
+        <a:font script="Lisu" typeface="Segoe UI"/>
+        <a:font script="Mymr" typeface="Myanmar Text"/>
+        <a:font script="Nkoo" typeface="Ebrima"/>
+        <a:font script="Olck" typeface="Nirmala UI"/>
+        <a:font script="Osma" typeface="Ebrima"/>
+        <a:font script="Phag" typeface="Phagspa"/>
+        <a:font script="Syrn" typeface="Estrangelo Edessa"/>
+        <a:font script="Syrj" typeface="Estrangelo Edessa"/>
+        <a:font script="Syre" typeface="Estrangelo Edessa"/>
+        <a:font script="Sora" typeface="Nirmala UI"/>
+        <a:font script="Tale" typeface="Microsoft Tai Le"/>
+        <a:font script="Talu" typeface="Microsoft New Tai Lue"/>
+        <a:font script="Tfng" typeface="Ebrima"/>
+      </a:majorFont>
+      <a:minorFont>
+        <a:latin typeface="Calibri" panose="020F0502020204030204"/>
+        <a:ea typeface=""/>
+        <a:cs typeface=""/>
+        <a:font script="Jpan" typeface="游ゴシック"/>
+        <a:font script="Hang" typeface="맑은 고딕"/>
+        <a:font script="Hans" typeface="等线"/>
+        <a:font script="Hant" typeface="新細明體"/>
+        <a:font script="Arab" typeface="Arial"/>
+        <a:font script="Hebr" typeface="Arial"/>
+        <a:font script="Thai" typeface="Cordia New"/>
+        <a:font script="Ethi" typeface="Nyala"/>
+        <a:font script="Beng" typeface="Vrinda"/>
+        <a:font script="Gujr" typeface="Shruti"/>
+        <a:font script="Khmr" typeface="DaunPenh"/>
+        <a:font script="Knda" typeface="Tunga"/>
+        <a:font script="Guru" typeface="Raavi"/>
+        <a:font script="Cans" typeface="Euphemia"/>
+        <a:font script="Cher" typeface="Plantagenet Cherokee"/>
+        <a:font script="Yiii" typeface="Microsoft Yi Baiti"/>
+        <a:font script="Tibt" typeface="Microsoft Himalaya"/>
+        <a:font script="Thaa" typeface="MV Boli"/>
+        <a:font script="Deva" typeface="Mangal"/>
+        <a:font script="Telu" typeface="Gautami"/>
+        <a:font script="Taml" typeface="Latha"/>
+        <a:font script="Syrc" typeface="Estrangelo Edessa"/>
+        <a:font script="Orya" typeface="Kalinga"/>
+        <a:font script="Mlym" typeface="Kartika"/>
+        <a:font script="Laoo" typeface="DokChampa"/>
+        <a:font script="Sinh" typeface="Iskoola Pota"/>
+        <a:font script="Mong" typeface="Mongolian Baiti"/>
+        <a:font script="Viet" typeface="Arial"/>
+        <a:font script="Uigh" typeface="Microsoft Uighur"/>
+        <a:font script="Geor" typeface="Sylfaen"/>
+        <a:font script="Armn" typeface="Arial"/>
+        <a:font script="Bugi" typeface="Leelawadee UI"/>
+        <a:font script="Bopo" typeface="Microsoft JhengHei"/>
+        <a:font script="Java" typeface="Javanese Text"/>
+        <a:font script="Lisu" typeface="Segoe UI"/>
+        <a:font script="Mymr" typeface="Myanmar Text"/>
+        <a:font script="Nkoo" typeface="Ebrima"/>
+        <a:font script="Olck" typeface="Nirmala UI"/>
+        <a:font script="Osma" typeface="Ebrima"/>
+        <a:font script="Phag" typeface="Phagspa"/>
+        <a:font script="Syrn" typeface="Estrangelo Edessa"/>
+        <a:font script="Syrj" typeface="Estrangelo Edessa"/>
+        <a:font script="Syre" typeface="Estrangelo Edessa"/>
+        <a:font script="Sora" typeface="Nirmala UI"/>
+        <a:font script="Tale" typeface="Microsoft Tai Le"/>
+        <a:font script="Talu" typeface="Microsoft New Tai Lue"/>
+        <a:font script="Tfng" typeface="Ebrima"/>
+      </a:minorFont>
+    </a:fontScheme>
+    <a:fmtScheme name="Office">
+      <a:fillStyleLst>
+        <a:solidFill>
+          <a:schemeClr val="phClr"/>
+        </a:solidFill>
+        <a:gradFill rotWithShape="1">
+          <a:gsLst>
+            <a:gs pos="0">
+              <a:schemeClr val="phClr">
+                <a:lumMod val="110000"/>
+                <a:satMod val="105000"/>
+                <a:tint val="67000"/>
+              </a:schemeClr>
+            </a:gs>
+            <a:gs pos="50000">
+              <a:schemeClr val="phClr">
+                <a:lumMod val="105000"/>
+                <a:satMod val="103000"/>
+                <a:tint val="73000"/>
+              </a:schemeClr>
+            </a:gs>
+            <a:gs pos="100000">
+              <a:schemeClr val="phClr">
+                <a:lumMod val="105000"/>
+                <a:satMod val="109000"/>
+                <a:tint val="81000"/>
+              </a:schemeClr>
+            </a:gs>
+          </a:gsLst>
+          <a:lin ang="5400000" scaled="0"/>
+        </a:gradFill>
+        <a:gradFill rotWithShape="1">
+          <a:gsLst>
+            <a:gs pos="0">
+              <a:schemeClr val="phClr">
+                <a:satMod val="103000"/>
+                <a:lumMod val="102000"/>
+                <a:tint val="94000"/>
+              </a:schemeClr>
+            </a:gs>
+            <a:gs pos="50000">
+              <a:schemeClr val="phClr">
+                <a:satMod val="110000"/>
+                <a:lumMod val="100000"/>
+                <a:shade val="100000"/>
+              </a:schemeClr>
+            </a:gs>
+            <a:gs pos="100000">
+              <a:schemeClr val="phClr">
+                <a:lumMod val="99000"/>
+                <a:satMod val="120000"/>
+                <a:shade val="78000"/>
+              </a:schemeClr>
+            </a:gs>
+          </a:gsLst>
+          <a:lin ang="5400000" scaled="0"/>
+        </a:gradFill>
+      </a:fillStyleLst>
+      <a:lnStyleLst>
+        <a:ln w="6350" cap="flat" cmpd="sng" algn="ctr">
+          <a:solidFill>
+            <a:schemeClr val="phClr"/>
+          </a:solidFill>
+          <a:prstDash val="solid"/>
+          <a:miter lim="800000"/>
+        </a:ln>
+        <a:ln w="12700" cap="flat" cmpd="sng" algn="ctr">
+          <a:solidFill>
+            <a:schemeClr val="phClr"/>
+          </a:solidFill>
+          <a:prstDash val="solid"/>
+          <a:miter lim="800000"/>
+        </a:ln>
+        <a:ln w="19050" cap="flat" cmpd="sng" algn="ctr">
+          <a:solidFill>
+            <a:schemeClr val="phClr"/>
+          </a:solidFill>
+          <a:prstDash val="solid"/>
+          <a:miter lim="800000"/>
+        </a:ln>
+      </a:lnStyleLst>
+      <a:effectStyleLst>
+        <a:effectStyle>
+          <a:effectLst/>
+        </a:effectStyle>
+        <a:effectStyle>
+          <a:effectLst/>
+        </a:effectStyle>
+        <a:effectStyle>
+          <a:effectLst>
+            <a:outerShdw blurRad="57150" dist="19050" dir="5400000" algn="ctr" rotWithShape="0">
+              <a:srgbClr val="000000">
+                <a:alpha val="63000"/>
+              </a:srgbClr>
+            </a:outerShdw>
+          </a:effectLst>
+        </a:effectStyle>
+      </a:effectStyleLst>
+      <a:bgFillStyleLst>
+        <a:solidFill>
+          <a:schemeClr val="phClr"/>
+        </a:solidFill>
+        <a:solidFill>
+          <a:schemeClr val="phClr">
+            <a:tint val="95000"/>
+            <a:satMod val="170000"/>
+          </a:schemeClr>
+        </a:solidFill>
+        <a:gradFill rotWithShape="1">
+          <a:gsLst>
+            <a:gs pos="0">
+              <a:schemeClr val="phClr">
+                <a:tint val="93000"/>
+                <a:satMod val="150000"/>
+                <a:shade val="98000"/>
+                <a:lumMod val="102000"/>
+              </a:schemeClr>
+            </a:gs>
+            <a:gs pos="50000">
+              <a:schemeClr val="phClr">
+                <a:tint val="98000"/>
+                <a:satMod val="130000"/>
+                <a:shade val="90000"/>
+                <a:lumMod val="103000"/>
+              </a:schemeClr>
+            </a:gs>
+            <a:gs pos="100000">
+              <a:schemeClr val="phClr">
+                <a:shade val="63000"/>
+                <a:satMod val="120000"/>
+              </a:schemeClr>
+            </a:gs>
+          </a:gsLst>
+          <a:lin ang="5400000" scaled="0"/>
+        </a:gradFill>
+      </a:bgFillStyleLst>
+    </a:fmtScheme>
+  </a:themeElements>
+  <a:objectDefaults/>
+  <a:extraClrSchemeLst/>
+  <a:extLst>
+    <a:ext uri="{05A4C25C-085E-4340-85A3-A5531E510DB2}">
+      <thm15:themeFamily xmlns:thm15="http://schemas.microsoft.com/office/thememl/2012/main" name="Office Theme" id="{62F939B6-93AF-4DB8-9C6B-D6C7DFDC589F}" vid="{4A3C46E8-61CC-4603-A589-7422A47A8E4A}"/>
+    </a:ext>
+  </a:extLst>
+</a:theme>
 </file>